--- a/Presentation/Chwa PaN’ - presentation.pptx
+++ b/Presentation/Chwa PaN’ - presentation.pptx
@@ -5,23 +5,28 @@
     <p:sldMasterId id="2147483648" r:id="rId2"/>
   </p:sldMasterIdLst>
   <p:notesMasterIdLst>
-    <p:notesMasterId r:id="rId14"/>
+    <p:notesMasterId r:id="rId19"/>
   </p:notesMasterIdLst>
   <p:handoutMasterIdLst>
-    <p:handoutMasterId r:id="rId15"/>
+    <p:handoutMasterId r:id="rId20"/>
   </p:handoutMasterIdLst>
   <p:sldIdLst>
     <p:sldId id="273" r:id="rId3"/>
-    <p:sldId id="265" r:id="rId4"/>
-    <p:sldId id="260" r:id="rId5"/>
-    <p:sldId id="258" r:id="rId6"/>
+    <p:sldId id="270" r:id="rId4"/>
+    <p:sldId id="275" r:id="rId5"/>
+    <p:sldId id="277" r:id="rId6"/>
     <p:sldId id="268" r:id="rId7"/>
-    <p:sldId id="266" r:id="rId8"/>
-    <p:sldId id="270" r:id="rId9"/>
-    <p:sldId id="261" r:id="rId10"/>
-    <p:sldId id="262" r:id="rId11"/>
-    <p:sldId id="271" r:id="rId12"/>
-    <p:sldId id="264" r:id="rId13"/>
+    <p:sldId id="260" r:id="rId8"/>
+    <p:sldId id="284" r:id="rId9"/>
+    <p:sldId id="285" r:id="rId10"/>
+    <p:sldId id="287" r:id="rId11"/>
+    <p:sldId id="280" r:id="rId12"/>
+    <p:sldId id="288" r:id="rId13"/>
+    <p:sldId id="286" r:id="rId14"/>
+    <p:sldId id="278" r:id="rId15"/>
+    <p:sldId id="281" r:id="rId16"/>
+    <p:sldId id="271" r:id="rId17"/>
+    <p:sldId id="261" r:id="rId18"/>
   </p:sldIdLst>
   <p:sldSz cx="12192000" cy="6858000"/>
   <p:notesSz cx="6858000" cy="9144000"/>
@@ -172,16 +177,14 @@
               <c:strCache>
                 <c:ptCount val="1"/>
                 <c:pt idx="0">
-                  <c:v>Series 1</c:v>
+                  <c:v>Population</c:v>
                 </c:pt>
               </c:strCache>
             </c:strRef>
           </c:tx>
           <c:spPr>
             <a:solidFill>
-              <a:schemeClr val="accent1">
-                <a:alpha val="70000"/>
-              </a:schemeClr>
+              <a:schemeClr val="accent1"/>
             </a:solidFill>
             <a:ln>
               <a:noFill/>
@@ -190,24 +193,25 @@
           </c:spPr>
           <c:invertIfNegative val="0"/>
           <c:cat>
-            <c:strRef>
+            <c:numRef>
               <c:f>Sheet1!$A$2:$A$5</c:f>
-              <c:strCache>
+              <c:numCache>
+                <c:formatCode>General</c:formatCode>
                 <c:ptCount val="4"/>
                 <c:pt idx="0">
-                  <c:v>Category 1</c:v>
+                  <c:v>1960</c:v>
                 </c:pt>
                 <c:pt idx="1">
-                  <c:v>Category 2</c:v>
+                  <c:v>1980</c:v>
                 </c:pt>
                 <c:pt idx="2">
-                  <c:v>Category 3</c:v>
+                  <c:v>2000</c:v>
                 </c:pt>
                 <c:pt idx="3">
-                  <c:v>Category 4</c:v>
+                  <c:v>2017</c:v>
                 </c:pt>
-              </c:strCache>
-            </c:strRef>
+              </c:numCache>
+            </c:numRef>
           </c:cat>
           <c:val>
             <c:numRef>
@@ -216,152 +220,16 @@
                 <c:formatCode>General</c:formatCode>
                 <c:ptCount val="4"/>
                 <c:pt idx="0">
-                  <c:v>4.3</c:v>
+                  <c:v>3866160</c:v>
                 </c:pt>
                 <c:pt idx="1">
-                  <c:v>2.5</c:v>
+                  <c:v>5688832</c:v>
                 </c:pt>
                 <c:pt idx="2">
-                  <c:v>3.5</c:v>
+                  <c:v>8549202</c:v>
                 </c:pt>
                 <c:pt idx="3">
-                  <c:v>4.5</c:v>
-                </c:pt>
-              </c:numCache>
-            </c:numRef>
-          </c:val>
-        </c:ser>
-        <c:ser>
-          <c:idx val="1"/>
-          <c:order val="1"/>
-          <c:tx>
-            <c:strRef>
-              <c:f>Sheet1!$C$1</c:f>
-              <c:strCache>
-                <c:ptCount val="1"/>
-                <c:pt idx="0">
-                  <c:v>Series 2</c:v>
-                </c:pt>
-              </c:strCache>
-            </c:strRef>
-          </c:tx>
-          <c:spPr>
-            <a:solidFill>
-              <a:schemeClr val="accent3">
-                <a:alpha val="70000"/>
-              </a:schemeClr>
-            </a:solidFill>
-            <a:ln>
-              <a:noFill/>
-            </a:ln>
-            <a:effectLst/>
-          </c:spPr>
-          <c:invertIfNegative val="0"/>
-          <c:cat>
-            <c:strRef>
-              <c:f>Sheet1!$A$2:$A$5</c:f>
-              <c:strCache>
-                <c:ptCount val="4"/>
-                <c:pt idx="0">
-                  <c:v>Category 1</c:v>
-                </c:pt>
-                <c:pt idx="1">
-                  <c:v>Category 2</c:v>
-                </c:pt>
-                <c:pt idx="2">
-                  <c:v>Category 3</c:v>
-                </c:pt>
-                <c:pt idx="3">
-                  <c:v>Category 4</c:v>
-                </c:pt>
-              </c:strCache>
-            </c:strRef>
-          </c:cat>
-          <c:val>
-            <c:numRef>
-              <c:f>Sheet1!$C$2:$C$5</c:f>
-              <c:numCache>
-                <c:formatCode>General</c:formatCode>
-                <c:ptCount val="4"/>
-                <c:pt idx="0">
-                  <c:v>2.4</c:v>
-                </c:pt>
-                <c:pt idx="1">
-                  <c:v>4.4000000000000004</c:v>
-                </c:pt>
-                <c:pt idx="2">
-                  <c:v>1.8</c:v>
-                </c:pt>
-                <c:pt idx="3">
-                  <c:v>2.8</c:v>
-                </c:pt>
-              </c:numCache>
-            </c:numRef>
-          </c:val>
-        </c:ser>
-        <c:ser>
-          <c:idx val="2"/>
-          <c:order val="2"/>
-          <c:tx>
-            <c:strRef>
-              <c:f>Sheet1!$D$1</c:f>
-              <c:strCache>
-                <c:ptCount val="1"/>
-                <c:pt idx="0">
-                  <c:v>Series 3</c:v>
-                </c:pt>
-              </c:strCache>
-            </c:strRef>
-          </c:tx>
-          <c:spPr>
-            <a:solidFill>
-              <a:schemeClr val="accent5">
-                <a:alpha val="70000"/>
-              </a:schemeClr>
-            </a:solidFill>
-            <a:ln>
-              <a:noFill/>
-            </a:ln>
-            <a:effectLst/>
-          </c:spPr>
-          <c:invertIfNegative val="0"/>
-          <c:cat>
-            <c:strRef>
-              <c:f>Sheet1!$A$2:$A$5</c:f>
-              <c:strCache>
-                <c:ptCount val="4"/>
-                <c:pt idx="0">
-                  <c:v>Category 1</c:v>
-                </c:pt>
-                <c:pt idx="1">
-                  <c:v>Category 2</c:v>
-                </c:pt>
-                <c:pt idx="2">
-                  <c:v>Category 3</c:v>
-                </c:pt>
-                <c:pt idx="3">
-                  <c:v>Category 4</c:v>
-                </c:pt>
-              </c:strCache>
-            </c:strRef>
-          </c:cat>
-          <c:val>
-            <c:numRef>
-              <c:f>Sheet1!$D$2:$D$5</c:f>
-              <c:numCache>
-                <c:formatCode>General</c:formatCode>
-                <c:ptCount val="4"/>
-                <c:pt idx="0">
-                  <c:v>2</c:v>
-                </c:pt>
-                <c:pt idx="1">
-                  <c:v>2</c:v>
-                </c:pt>
-                <c:pt idx="2">
-                  <c:v>3</c:v>
-                </c:pt>
-                <c:pt idx="3">
-                  <c:v>5</c:v>
+                  <c:v>10980715</c:v>
                 </c:pt>
               </c:numCache>
             </c:numRef>
@@ -375,13 +243,13 @@
           <c:showPercent val="0"/>
           <c:showBubbleSize val="0"/>
         </c:dLbls>
-        <c:gapWidth val="80"/>
-        <c:overlap val="25"/>
-        <c:axId val="99382752"/>
-        <c:axId val="99383296"/>
+        <c:gapWidth val="219"/>
+        <c:overlap val="-27"/>
+        <c:axId val="-1349635856"/>
+        <c:axId val="-1349640208"/>
       </c:barChart>
       <c:catAx>
-        <c:axId val="99382752"/>
+        <c:axId val="-1349635856"/>
         <c:scaling>
           <c:orientation val="minMax"/>
         </c:scaling>
@@ -393,11 +261,11 @@
         <c:tickLblPos val="nextTo"/>
         <c:spPr>
           <a:noFill/>
-          <a:ln w="15875" cap="flat" cmpd="sng" algn="ctr">
+          <a:ln w="9525" cap="flat" cmpd="sng" algn="ctr">
             <a:solidFill>
               <a:schemeClr val="tx1">
-                <a:lumMod val="25000"/>
-                <a:lumOff val="75000"/>
+                <a:lumMod val="15000"/>
+                <a:lumOff val="85000"/>
               </a:schemeClr>
             </a:solidFill>
             <a:round/>
@@ -409,7 +277,7 @@
           <a:lstStyle/>
           <a:p>
             <a:pPr>
-              <a:defRPr sz="1197" b="0" i="0" u="none" strike="noStrike" kern="1200" cap="none" spc="20" normalizeH="0" baseline="0">
+              <a:defRPr sz="2400" b="0" i="0" u="none" strike="noStrike" kern="1200" baseline="0">
                 <a:solidFill>
                   <a:schemeClr val="tx1">
                     <a:lumMod val="65000"/>
@@ -424,7 +292,7 @@
             <a:endParaRPr lang="en-US"/>
           </a:p>
         </c:txPr>
-        <c:crossAx val="99383296"/>
+        <c:crossAx val="-1349640208"/>
         <c:crosses val="autoZero"/>
         <c:auto val="1"/>
         <c:lblAlgn val="ctr"/>
@@ -432,7 +300,7 @@
         <c:noMultiLvlLbl val="0"/>
       </c:catAx>
       <c:valAx>
-        <c:axId val="99383296"/>
+        <c:axId val="-1349640208"/>
         <c:scaling>
           <c:orientation val="minMax"/>
         </c:scaling>
@@ -443,8 +311,8 @@
             <a:ln w="9525" cap="flat" cmpd="sng" algn="ctr">
               <a:solidFill>
                 <a:schemeClr val="tx1">
-                  <a:lumMod val="5000"/>
-                  <a:lumOff val="95000"/>
+                  <a:lumMod val="15000"/>
+                  <a:lumOff val="85000"/>
                 </a:schemeClr>
               </a:solidFill>
               <a:round/>
@@ -468,7 +336,7 @@
           <a:lstStyle/>
           <a:p>
             <a:pPr>
-              <a:defRPr sz="1197" b="0" i="0" u="none" strike="noStrike" kern="1200" spc="20" baseline="0">
+              <a:defRPr sz="2400" b="0" i="0" u="none" strike="noStrike" kern="1200" baseline="0">
                 <a:solidFill>
                   <a:schemeClr val="tx1">
                     <a:lumMod val="65000"/>
@@ -483,7 +351,7 @@
             <a:endParaRPr lang="en-US"/>
           </a:p>
         </c:txPr>
-        <c:crossAx val="99382752"/>
+        <c:crossAx val="-1349635856"/>
         <c:crosses val="autoZero"/>
         <c:crossBetween val="between"/>
       </c:valAx>
@@ -511,7 +379,7 @@
         <a:lstStyle/>
         <a:p>
           <a:pPr>
-            <a:defRPr sz="1197" b="0" i="0" u="none" strike="noStrike" kern="1200" baseline="0">
+            <a:defRPr sz="2400" b="0" i="0" u="none" strike="noStrike" kern="1200" baseline="0">
               <a:solidFill>
                 <a:schemeClr val="tx1">
                   <a:lumMod val="65000"/>
@@ -555,10 +423,13 @@
 </file>
 
 <file path=ppt/charts/colors1.xml><?xml version="1.0" encoding="utf-8"?>
-<cs:colorStyle xmlns:cs="http://schemas.microsoft.com/office/drawing/2012/chartStyle" xmlns:a="http://schemas.openxmlformats.org/drawingml/2006/main" meth="cycle" id="11">
+<cs:colorStyle xmlns:cs="http://schemas.microsoft.com/office/drawing/2012/chartStyle" xmlns:a="http://schemas.openxmlformats.org/drawingml/2006/main" meth="cycle" id="10">
   <a:schemeClr val="accent1"/>
+  <a:schemeClr val="accent2"/>
   <a:schemeClr val="accent3"/>
+  <a:schemeClr val="accent4"/>
   <a:schemeClr val="accent5"/>
+  <a:schemeClr val="accent6"/>
   <cs:variation/>
   <cs:variation>
     <a:lumMod val="60000"/>
@@ -592,7 +463,7 @@
 </file>
 
 <file path=ppt/charts/style1.xml><?xml version="1.0" encoding="utf-8"?>
-<cs:chartStyle xmlns:cs="http://schemas.microsoft.com/office/drawing/2012/chartStyle" xmlns:a="http://schemas.openxmlformats.org/drawingml/2006/main" id="215">
+<cs:chartStyle xmlns:cs="http://schemas.microsoft.com/office/drawing/2012/chartStyle" xmlns:a="http://schemas.openxmlformats.org/drawingml/2006/main" id="201">
   <cs:axisTitle>
     <cs:lnRef idx="0"/>
     <cs:fillRef idx="0"/>
@@ -603,7 +474,7 @@
         <a:lumOff val="35000"/>
       </a:schemeClr>
     </cs:fontRef>
-    <cs:defRPr sz="1197" kern="1200" cap="all"/>
+    <cs:defRPr sz="1330" kern="1200"/>
   </cs:axisTitle>
   <cs:categoryAxis>
     <cs:lnRef idx="0"/>
@@ -616,28 +487,28 @@
       </a:schemeClr>
     </cs:fontRef>
     <cs:spPr>
-      <a:ln w="15875" cap="flat" cmpd="sng" algn="ctr">
+      <a:ln w="9525" cap="flat" cmpd="sng" algn="ctr">
         <a:solidFill>
           <a:schemeClr val="tx1">
-            <a:lumMod val="25000"/>
-            <a:lumOff val="75000"/>
+            <a:lumMod val="15000"/>
+            <a:lumOff val="85000"/>
           </a:schemeClr>
         </a:solidFill>
         <a:round/>
       </a:ln>
     </cs:spPr>
-    <cs:defRPr sz="1197" kern="1200" cap="none" spc="20" normalizeH="0" baseline="0"/>
+    <cs:defRPr sz="1197" kern="1200"/>
   </cs:categoryAxis>
   <cs:chartArea mods="allowNoFillOverride allowNoLineOverride">
     <cs:lnRef idx="0"/>
     <cs:fillRef idx="0"/>
     <cs:effectRef idx="0"/>
     <cs:fontRef idx="minor">
-      <a:schemeClr val="dk1"/>
+      <a:schemeClr val="tx1"/>
     </cs:fontRef>
     <cs:spPr>
       <a:solidFill>
-        <a:schemeClr val="lt1"/>
+        <a:schemeClr val="bg1"/>
       </a:solidFill>
       <a:ln w="9525" cap="flat" cmpd="sng" algn="ctr">
         <a:solidFill>
@@ -649,7 +520,7 @@
         <a:round/>
       </a:ln>
     </cs:spPr>
-    <cs:defRPr sz="1197" kern="1200"/>
+    <cs:defRPr sz="1330" kern="1200"/>
   </cs:chartArea>
   <cs:dataLabel>
     <cs:lnRef idx="0"/>
@@ -668,99 +539,95 @@
     <cs:fillRef idx="0"/>
     <cs:effectRef idx="0"/>
     <cs:fontRef idx="minor">
-      <a:schemeClr val="bg1"/>
+      <a:schemeClr val="dk1">
+        <a:lumMod val="65000"/>
+        <a:lumOff val="35000"/>
+      </a:schemeClr>
     </cs:fontRef>
     <cs:spPr>
       <a:solidFill>
-        <a:schemeClr val="tx1">
-          <a:lumMod val="50000"/>
-          <a:lumOff val="50000"/>
-        </a:schemeClr>
+        <a:schemeClr val="lt1"/>
       </a:solidFill>
+      <a:ln>
+        <a:solidFill>
+          <a:schemeClr val="dk1">
+            <a:lumMod val="25000"/>
+            <a:lumOff val="75000"/>
+          </a:schemeClr>
+        </a:solidFill>
+      </a:ln>
     </cs:spPr>
     <cs:defRPr sz="1197" kern="1200"/>
-    <cs:bodyPr rot="0" spcFirstLastPara="1" vertOverflow="clip" horzOverflow="clip" vert="horz" wrap="square" lIns="36576" tIns="18288" rIns="36576" bIns="18288" anchor="ctr" anchorCtr="1"/>
+    <cs:bodyPr rot="0" spcFirstLastPara="1" vertOverflow="clip" horzOverflow="clip" vert="horz" wrap="square" lIns="36576" tIns="18288" rIns="36576" bIns="18288" anchor="ctr" anchorCtr="1">
+      <a:spAutoFit/>
+    </cs:bodyPr>
   </cs:dataLabelCallout>
   <cs:dataPoint>
     <cs:lnRef idx="0"/>
-    <cs:fillRef idx="0">
+    <cs:fillRef idx="1">
       <cs:styleClr val="auto"/>
     </cs:fillRef>
     <cs:effectRef idx="0"/>
     <cs:fontRef idx="minor">
-      <a:schemeClr val="dk1"/>
+      <a:schemeClr val="tx1"/>
     </cs:fontRef>
-    <cs:spPr>
-      <a:solidFill>
-        <a:schemeClr val="phClr">
-          <a:alpha val="70000"/>
-        </a:schemeClr>
-      </a:solidFill>
-    </cs:spPr>
   </cs:dataPoint>
   <cs:dataPoint3D>
     <cs:lnRef idx="0"/>
-    <cs:fillRef idx="0">
+    <cs:fillRef idx="1">
       <cs:styleClr val="auto"/>
     </cs:fillRef>
     <cs:effectRef idx="0"/>
     <cs:fontRef idx="minor">
-      <a:schemeClr val="dk1"/>
+      <a:schemeClr val="tx1"/>
     </cs:fontRef>
-    <cs:spPr>
-      <a:solidFill>
-        <a:schemeClr val="phClr">
-          <a:alpha val="70000"/>
-        </a:schemeClr>
-      </a:solidFill>
-    </cs:spPr>
   </cs:dataPoint3D>
   <cs:dataPointLine>
     <cs:lnRef idx="0">
       <cs:styleClr val="auto"/>
     </cs:lnRef>
-    <cs:fillRef idx="0"/>
+    <cs:fillRef idx="1"/>
     <cs:effectRef idx="0"/>
     <cs:fontRef idx="minor">
-      <a:schemeClr val="dk1"/>
+      <a:schemeClr val="tx1"/>
     </cs:fontRef>
     <cs:spPr>
       <a:ln w="28575" cap="rnd">
         <a:solidFill>
-          <a:schemeClr val="phClr">
-            <a:alpha val="70000"/>
-          </a:schemeClr>
+          <a:schemeClr val="phClr"/>
         </a:solidFill>
         <a:round/>
       </a:ln>
     </cs:spPr>
   </cs:dataPointLine>
   <cs:dataPointMarker>
-    <cs:lnRef idx="0"/>
-    <cs:fillRef idx="0">
+    <cs:lnRef idx="0">
+      <cs:styleClr val="auto"/>
+    </cs:lnRef>
+    <cs:fillRef idx="1">
       <cs:styleClr val="auto"/>
     </cs:fillRef>
     <cs:effectRef idx="0"/>
     <cs:fontRef idx="minor">
-      <a:schemeClr val="dk1"/>
+      <a:schemeClr val="tx1"/>
     </cs:fontRef>
     <cs:spPr>
-      <a:solidFill>
-        <a:schemeClr val="phClr">
-          <a:alpha val="70000"/>
-        </a:schemeClr>
-      </a:solidFill>
+      <a:ln w="9525">
+        <a:solidFill>
+          <a:schemeClr val="phClr"/>
+        </a:solidFill>
+      </a:ln>
     </cs:spPr>
   </cs:dataPointMarker>
-  <cs:dataPointMarkerLayout symbol="circle" size="6"/>
+  <cs:dataPointMarkerLayout symbol="circle" size="5"/>
   <cs:dataPointWireframe>
     <cs:lnRef idx="0">
       <cs:styleClr val="auto"/>
     </cs:lnRef>
-    <cs:fillRef idx="0"/>
+    <cs:fillRef idx="1"/>
     <cs:effectRef idx="0"/>
     <cs:fontRef idx="minor">
-      <a:schemeClr val="dk1"/>
+      <a:schemeClr val="tx1"/>
     </cs:fontRef>
     <cs:spPr>
       <a:ln w="9525" cap="rnd">
@@ -782,13 +649,15 @@
       </a:schemeClr>
     </cs:fontRef>
     <cs:spPr>
-      <a:ln w="9525">
+      <a:noFill/>
+      <a:ln w="9525" cap="flat" cmpd="sng" algn="ctr">
         <a:solidFill>
           <a:schemeClr val="tx1">
             <a:lumMod val="15000"/>
             <a:lumOff val="85000"/>
           </a:schemeClr>
         </a:solidFill>
+        <a:round/>
       </a:ln>
     </cs:spPr>
     <cs:defRPr sz="1197" kern="1200"/>
@@ -803,8 +672,8 @@
     <cs:spPr>
       <a:solidFill>
         <a:schemeClr val="dk1">
-          <a:lumMod val="75000"/>
-          <a:lumOff val="25000"/>
+          <a:lumMod val="65000"/>
+          <a:lumOff val="35000"/>
         </a:schemeClr>
       </a:solidFill>
       <a:ln w="9525">
@@ -822,10 +691,10 @@
     <cs:fillRef idx="0"/>
     <cs:effectRef idx="0"/>
     <cs:fontRef idx="minor">
-      <a:schemeClr val="dk1"/>
+      <a:schemeClr val="tx1"/>
     </cs:fontRef>
     <cs:spPr>
-      <a:ln w="9525">
+      <a:ln w="9525" cap="flat" cmpd="sng" algn="ctr">
         <a:solidFill>
           <a:schemeClr val="tx1">
             <a:lumMod val="35000"/>
@@ -841,10 +710,10 @@
     <cs:fillRef idx="0"/>
     <cs:effectRef idx="0"/>
     <cs:fontRef idx="minor">
-      <a:schemeClr val="dk1"/>
+      <a:schemeClr val="tx1"/>
     </cs:fontRef>
     <cs:spPr>
-      <a:ln w="9525">
+      <a:ln w="9525" cap="flat" cmpd="sng" algn="ctr">
         <a:solidFill>
           <a:schemeClr val="tx1">
             <a:lumMod val="65000"/>
@@ -860,15 +729,40 @@
     <cs:fillRef idx="0"/>
     <cs:effectRef idx="0"/>
     <cs:fontRef idx="minor">
-      <a:schemeClr val="dk1"/>
+      <a:schemeClr val="tx1"/>
     </cs:fontRef>
+    <cs:spPr>
+      <a:noFill/>
+      <a:ln>
+        <a:noFill/>
+      </a:ln>
+    </cs:spPr>
   </cs:floor>
   <cs:gridlineMajor>
     <cs:lnRef idx="0"/>
     <cs:fillRef idx="0"/>
     <cs:effectRef idx="0"/>
     <cs:fontRef idx="minor">
-      <a:schemeClr val="dk1"/>
+      <a:schemeClr val="tx1"/>
+    </cs:fontRef>
+    <cs:spPr>
+      <a:ln w="9525" cap="flat" cmpd="sng" algn="ctr">
+        <a:solidFill>
+          <a:schemeClr val="tx1">
+            <a:lumMod val="15000"/>
+            <a:lumOff val="85000"/>
+          </a:schemeClr>
+        </a:solidFill>
+        <a:round/>
+      </a:ln>
+    </cs:spPr>
+  </cs:gridlineMajor>
+  <cs:gridlineMinor>
+    <cs:lnRef idx="0"/>
+    <cs:fillRef idx="0"/>
+    <cs:effectRef idx="0"/>
+    <cs:fontRef idx="minor">
+      <a:schemeClr val="tx1"/>
     </cs:fontRef>
     <cs:spPr>
       <a:ln w="9525" cap="flat" cmpd="sng" algn="ctr">
@@ -881,38 +775,20 @@
         <a:round/>
       </a:ln>
     </cs:spPr>
-  </cs:gridlineMajor>
-  <cs:gridlineMinor>
-    <cs:lnRef idx="0"/>
-    <cs:fillRef idx="0"/>
-    <cs:effectRef idx="0"/>
-    <cs:fontRef idx="minor">
-      <a:schemeClr val="dk1"/>
-    </cs:fontRef>
-    <cs:spPr>
-      <a:ln>
-        <a:solidFill>
-          <a:schemeClr val="tx1">
-            <a:lumMod val="5000"/>
-            <a:lumOff val="95000"/>
-          </a:schemeClr>
-        </a:solidFill>
-      </a:ln>
-    </cs:spPr>
   </cs:gridlineMinor>
   <cs:hiLoLine>
     <cs:lnRef idx="0"/>
     <cs:fillRef idx="0"/>
     <cs:effectRef idx="0"/>
     <cs:fontRef idx="minor">
-      <a:schemeClr val="dk1"/>
+      <a:schemeClr val="tx1"/>
     </cs:fontRef>
     <cs:spPr>
-      <a:ln w="9525">
+      <a:ln w="9525" cap="flat" cmpd="sng" algn="ctr">
         <a:solidFill>
           <a:schemeClr val="tx1">
-            <a:lumMod val="35000"/>
-            <a:lumOff val="65000"/>
+            <a:lumMod val="75000"/>
+            <a:lumOff val="25000"/>
           </a:schemeClr>
         </a:solidFill>
         <a:round/>
@@ -924,16 +800,17 @@
     <cs:fillRef idx="0"/>
     <cs:effectRef idx="0"/>
     <cs:fontRef idx="minor">
-      <a:schemeClr val="dk1"/>
+      <a:schemeClr val="tx1"/>
     </cs:fontRef>
     <cs:spPr>
-      <a:ln w="9525">
+      <a:ln w="9525" cap="flat" cmpd="sng" algn="ctr">
         <a:solidFill>
           <a:schemeClr val="tx1">
             <a:lumMod val="35000"/>
             <a:lumOff val="65000"/>
           </a:schemeClr>
         </a:solidFill>
+        <a:round/>
       </a:ln>
     </cs:spPr>
   </cs:leaderLine>
@@ -947,14 +824,14 @@
         <a:lumOff val="35000"/>
       </a:schemeClr>
     </cs:fontRef>
-    <cs:defRPr sz="1197" kern="1200" baseline="0"/>
+    <cs:defRPr sz="1197" kern="1200"/>
   </cs:legend>
   <cs:plotArea mods="allowNoFillOverride allowNoLineOverride">
     <cs:lnRef idx="0"/>
     <cs:fillRef idx="0"/>
     <cs:effectRef idx="0"/>
     <cs:fontRef idx="minor">
-      <a:schemeClr val="dk1"/>
+      <a:schemeClr val="tx1"/>
     </cs:fontRef>
   </cs:plotArea>
   <cs:plotArea3D mods="allowNoFillOverride allowNoLineOverride">
@@ -962,7 +839,7 @@
     <cs:fillRef idx="0"/>
     <cs:effectRef idx="0"/>
     <cs:fontRef idx="minor">
-      <a:schemeClr val="dk1"/>
+      <a:schemeClr val="tx1"/>
     </cs:fontRef>
   </cs:plotArea3D>
   <cs:seriesAxis>
@@ -982,10 +859,10 @@
     <cs:fillRef idx="0"/>
     <cs:effectRef idx="0"/>
     <cs:fontRef idx="minor">
-      <a:schemeClr val="dk1"/>
+      <a:schemeClr val="tx1"/>
     </cs:fontRef>
     <cs:spPr>
-      <a:ln w="9525">
+      <a:ln w="9525" cap="flat" cmpd="sng" algn="ctr">
         <a:solidFill>
           <a:schemeClr val="tx1">
             <a:lumMod val="35000"/>
@@ -1000,13 +877,13 @@
     <cs:lnRef idx="0"/>
     <cs:fillRef idx="0"/>
     <cs:effectRef idx="0"/>
-    <cs:fontRef idx="major">
+    <cs:fontRef idx="minor">
       <a:schemeClr val="tx1">
         <a:lumMod val="65000"/>
         <a:lumOff val="35000"/>
       </a:schemeClr>
     </cs:fontRef>
-    <cs:defRPr sz="2128" b="0" i="0" kern="1200" cap="none" spc="50" normalizeH="0" baseline="0"/>
+    <cs:defRPr sz="1862" b="0" kern="1200" spc="0" baseline="0"/>
   </cs:title>
   <cs:trendline>
     <cs:lnRef idx="0">
@@ -1015,13 +892,14 @@
     <cs:fillRef idx="0"/>
     <cs:effectRef idx="0"/>
     <cs:fontRef idx="minor">
-      <a:schemeClr val="dk1"/>
+      <a:schemeClr val="tx1"/>
     </cs:fontRef>
     <cs:spPr>
-      <a:ln w="15875" cap="rnd">
+      <a:ln w="19050" cap="rnd">
         <a:solidFill>
           <a:schemeClr val="phClr"/>
         </a:solidFill>
+        <a:prstDash val="sysDot"/>
       </a:ln>
     </cs:spPr>
   </cs:trendline>
@@ -1051,8 +929,8 @@
       <a:ln w="9525">
         <a:solidFill>
           <a:schemeClr val="tx1">
-            <a:lumMod val="65000"/>
-            <a:lumOff val="35000"/>
+            <a:lumMod val="15000"/>
+            <a:lumOff val="85000"/>
           </a:schemeClr>
         </a:solidFill>
       </a:ln>
@@ -1068,4558 +946,23 @@
         <a:lumOff val="35000"/>
       </a:schemeClr>
     </cs:fontRef>
-    <cs:defRPr sz="1197" kern="1200" spc="20" baseline="0"/>
+    <cs:defRPr sz="1197" kern="1200"/>
   </cs:valueAxis>
   <cs:wall>
     <cs:lnRef idx="0"/>
     <cs:fillRef idx="0"/>
     <cs:effectRef idx="0"/>
     <cs:fontRef idx="minor">
-      <a:schemeClr val="dk1"/>
+      <a:schemeClr val="tx1"/>
     </cs:fontRef>
+    <cs:spPr>
+      <a:noFill/>
+      <a:ln>
+        <a:noFill/>
+      </a:ln>
+    </cs:spPr>
   </cs:wall>
 </cs:chartStyle>
-</file>
-
-<file path=ppt/diagrams/colors1.xml><?xml version="1.0" encoding="utf-8"?>
-<dgm:colorsDef xmlns:dgm="http://schemas.openxmlformats.org/drawingml/2006/diagram" xmlns:a="http://schemas.openxmlformats.org/drawingml/2006/main" uniqueId="urn:microsoft.com/office/officeart/2005/8/colors/accent1_5">
-  <dgm:title val=""/>
-  <dgm:desc val=""/>
-  <dgm:catLst>
-    <dgm:cat type="accent1" pri="11500"/>
-  </dgm:catLst>
-  <dgm:styleLbl name="node0">
-    <dgm:fillClrLst meth="cycle">
-      <a:schemeClr val="accent1">
-        <a:alpha val="80000"/>
-      </a:schemeClr>
-    </dgm:fillClrLst>
-    <dgm:linClrLst meth="repeat">
-      <a:schemeClr val="lt1"/>
-    </dgm:linClrLst>
-    <dgm:effectClrLst/>
-    <dgm:txLinClrLst/>
-    <dgm:txFillClrLst/>
-    <dgm:txEffectClrLst/>
-  </dgm:styleLbl>
-  <dgm:styleLbl name="node1">
-    <dgm:fillClrLst>
-      <a:schemeClr val="accent1">
-        <a:alpha val="90000"/>
-      </a:schemeClr>
-      <a:schemeClr val="accent1">
-        <a:alpha val="50000"/>
-      </a:schemeClr>
-    </dgm:fillClrLst>
-    <dgm:linClrLst meth="repeat">
-      <a:schemeClr val="lt1"/>
-    </dgm:linClrLst>
-    <dgm:effectClrLst/>
-    <dgm:txLinClrLst/>
-    <dgm:txFillClrLst/>
-    <dgm:txEffectClrLst/>
-  </dgm:styleLbl>
-  <dgm:styleLbl name="alignNode1">
-    <dgm:fillClrLst>
-      <a:schemeClr val="accent1">
-        <a:alpha val="90000"/>
-      </a:schemeClr>
-      <a:schemeClr val="accent1">
-        <a:alpha val="50000"/>
-      </a:schemeClr>
-    </dgm:fillClrLst>
-    <dgm:linClrLst>
-      <a:schemeClr val="accent1">
-        <a:alpha val="90000"/>
-      </a:schemeClr>
-      <a:schemeClr val="accent1">
-        <a:alpha val="50000"/>
-      </a:schemeClr>
-    </dgm:linClrLst>
-    <dgm:effectClrLst/>
-    <dgm:txLinClrLst/>
-    <dgm:txFillClrLst/>
-    <dgm:txEffectClrLst/>
-  </dgm:styleLbl>
-  <dgm:styleLbl name="lnNode1">
-    <dgm:fillClrLst>
-      <a:schemeClr val="accent1">
-        <a:shade val="90000"/>
-      </a:schemeClr>
-      <a:schemeClr val="accent1">
-        <a:alpha val="50000"/>
-        <a:tint val="50000"/>
-      </a:schemeClr>
-    </dgm:fillClrLst>
-    <dgm:linClrLst meth="repeat">
-      <a:schemeClr val="lt1"/>
-    </dgm:linClrLst>
-    <dgm:effectClrLst/>
-    <dgm:txLinClrLst/>
-    <dgm:txFillClrLst/>
-    <dgm:txEffectClrLst/>
-  </dgm:styleLbl>
-  <dgm:styleLbl name="vennNode1">
-    <dgm:fillClrLst>
-      <a:schemeClr val="accent1">
-        <a:shade val="80000"/>
-        <a:alpha val="50000"/>
-      </a:schemeClr>
-      <a:schemeClr val="accent1">
-        <a:alpha val="80000"/>
-      </a:schemeClr>
-    </dgm:fillClrLst>
-    <dgm:linClrLst meth="repeat">
-      <a:schemeClr val="lt1"/>
-    </dgm:linClrLst>
-    <dgm:effectClrLst/>
-    <dgm:txLinClrLst/>
-    <dgm:txFillClrLst/>
-    <dgm:txEffectClrLst/>
-  </dgm:styleLbl>
-  <dgm:styleLbl name="node2">
-    <dgm:fillClrLst>
-      <a:schemeClr val="accent1">
-        <a:alpha val="70000"/>
-      </a:schemeClr>
-    </dgm:fillClrLst>
-    <dgm:linClrLst meth="repeat">
-      <a:schemeClr val="lt1"/>
-    </dgm:linClrLst>
-    <dgm:effectClrLst/>
-    <dgm:txLinClrLst/>
-    <dgm:txFillClrLst/>
-    <dgm:txEffectClrLst/>
-  </dgm:styleLbl>
-  <dgm:styleLbl name="node3">
-    <dgm:fillClrLst>
-      <a:schemeClr val="accent1">
-        <a:alpha val="50000"/>
-      </a:schemeClr>
-    </dgm:fillClrLst>
-    <dgm:linClrLst meth="repeat">
-      <a:schemeClr val="lt1"/>
-    </dgm:linClrLst>
-    <dgm:effectClrLst/>
-    <dgm:txLinClrLst/>
-    <dgm:txFillClrLst/>
-    <dgm:txEffectClrLst/>
-  </dgm:styleLbl>
-  <dgm:styleLbl name="node4">
-    <dgm:fillClrLst>
-      <a:schemeClr val="accent1">
-        <a:alpha val="30000"/>
-      </a:schemeClr>
-    </dgm:fillClrLst>
-    <dgm:linClrLst meth="repeat">
-      <a:schemeClr val="lt1"/>
-    </dgm:linClrLst>
-    <dgm:effectClrLst/>
-    <dgm:txLinClrLst/>
-    <dgm:txFillClrLst/>
-    <dgm:txEffectClrLst/>
-  </dgm:styleLbl>
-  <dgm:styleLbl name="fgImgPlace1">
-    <dgm:fillClrLst>
-      <a:schemeClr val="accent1">
-        <a:tint val="50000"/>
-        <a:alpha val="90000"/>
-      </a:schemeClr>
-      <a:schemeClr val="accent1">
-        <a:tint val="20000"/>
-        <a:alpha val="50000"/>
-      </a:schemeClr>
-    </dgm:fillClrLst>
-    <dgm:linClrLst meth="repeat">
-      <a:schemeClr val="lt1"/>
-    </dgm:linClrLst>
-    <dgm:effectClrLst/>
-    <dgm:txLinClrLst/>
-    <dgm:txFillClrLst meth="repeat">
-      <a:schemeClr val="lt1"/>
-    </dgm:txFillClrLst>
-    <dgm:txEffectClrLst/>
-  </dgm:styleLbl>
-  <dgm:styleLbl name="alignImgPlace1">
-    <dgm:fillClrLst>
-      <a:schemeClr val="accent1">
-        <a:tint val="50000"/>
-      </a:schemeClr>
-      <a:schemeClr val="accent1">
-        <a:tint val="20000"/>
-      </a:schemeClr>
-    </dgm:fillClrLst>
-    <dgm:linClrLst meth="repeat">
-      <a:schemeClr val="lt1"/>
-    </dgm:linClrLst>
-    <dgm:effectClrLst/>
-    <dgm:txLinClrLst/>
-    <dgm:txFillClrLst meth="repeat">
-      <a:schemeClr val="lt1"/>
-    </dgm:txFillClrLst>
-    <dgm:txEffectClrLst/>
-  </dgm:styleLbl>
-  <dgm:styleLbl name="bgImgPlace1">
-    <dgm:fillClrLst>
-      <a:schemeClr val="accent1">
-        <a:tint val="50000"/>
-      </a:schemeClr>
-      <a:schemeClr val="accent1">
-        <a:tint val="20000"/>
-      </a:schemeClr>
-    </dgm:fillClrLst>
-    <dgm:linClrLst meth="repeat">
-      <a:schemeClr val="lt1"/>
-    </dgm:linClrLst>
-    <dgm:effectClrLst/>
-    <dgm:txLinClrLst/>
-    <dgm:txFillClrLst meth="repeat">
-      <a:schemeClr val="lt1"/>
-    </dgm:txFillClrLst>
-    <dgm:txEffectClrLst/>
-  </dgm:styleLbl>
-  <dgm:styleLbl name="sibTrans2D1">
-    <dgm:fillClrLst>
-      <a:schemeClr val="accent1">
-        <a:shade val="90000"/>
-      </a:schemeClr>
-      <a:schemeClr val="accent1">
-        <a:tint val="50000"/>
-      </a:schemeClr>
-    </dgm:fillClrLst>
-    <dgm:linClrLst>
-      <a:schemeClr val="accent1">
-        <a:shade val="90000"/>
-      </a:schemeClr>
-      <a:schemeClr val="accent1">
-        <a:tint val="50000"/>
-      </a:schemeClr>
-    </dgm:linClrLst>
-    <dgm:effectClrLst/>
-    <dgm:txLinClrLst/>
-    <dgm:txFillClrLst/>
-    <dgm:txEffectClrLst/>
-  </dgm:styleLbl>
-  <dgm:styleLbl name="fgSibTrans2D1">
-    <dgm:fillClrLst>
-      <a:schemeClr val="accent1">
-        <a:shade val="90000"/>
-      </a:schemeClr>
-      <a:schemeClr val="accent1">
-        <a:tint val="50000"/>
-      </a:schemeClr>
-    </dgm:fillClrLst>
-    <dgm:linClrLst>
-      <a:schemeClr val="accent1">
-        <a:shade val="90000"/>
-      </a:schemeClr>
-      <a:schemeClr val="accent1">
-        <a:tint val="50000"/>
-      </a:schemeClr>
-    </dgm:linClrLst>
-    <dgm:effectClrLst/>
-    <dgm:txLinClrLst/>
-    <dgm:txFillClrLst/>
-    <dgm:txEffectClrLst/>
-  </dgm:styleLbl>
-  <dgm:styleLbl name="bgSibTrans2D1">
-    <dgm:fillClrLst>
-      <a:schemeClr val="accent1">
-        <a:shade val="90000"/>
-      </a:schemeClr>
-      <a:schemeClr val="accent1">
-        <a:tint val="50000"/>
-      </a:schemeClr>
-    </dgm:fillClrLst>
-    <dgm:linClrLst>
-      <a:schemeClr val="accent1">
-        <a:shade val="90000"/>
-      </a:schemeClr>
-      <a:schemeClr val="accent1">
-        <a:tint val="50000"/>
-      </a:schemeClr>
-    </dgm:linClrLst>
-    <dgm:effectClrLst/>
-    <dgm:txLinClrLst/>
-    <dgm:txFillClrLst/>
-    <dgm:txEffectClrLst/>
-  </dgm:styleLbl>
-  <dgm:styleLbl name="sibTrans1D1">
-    <dgm:fillClrLst>
-      <a:schemeClr val="accent1">
-        <a:shade val="90000"/>
-      </a:schemeClr>
-      <a:schemeClr val="accent1">
-        <a:tint val="50000"/>
-      </a:schemeClr>
-    </dgm:fillClrLst>
-    <dgm:linClrLst>
-      <a:schemeClr val="accent1">
-        <a:shade val="90000"/>
-      </a:schemeClr>
-      <a:schemeClr val="accent1">
-        <a:tint val="50000"/>
-      </a:schemeClr>
-    </dgm:linClrLst>
-    <dgm:effectClrLst/>
-    <dgm:txLinClrLst/>
-    <dgm:txFillClrLst meth="repeat">
-      <a:schemeClr val="tx1"/>
-    </dgm:txFillClrLst>
-    <dgm:txEffectClrLst/>
-  </dgm:styleLbl>
-  <dgm:styleLbl name="callout">
-    <dgm:fillClrLst meth="repeat">
-      <a:schemeClr val="accent1"/>
-    </dgm:fillClrLst>
-    <dgm:linClrLst meth="repeat">
-      <a:schemeClr val="accent1"/>
-    </dgm:linClrLst>
-    <dgm:effectClrLst/>
-    <dgm:txLinClrLst/>
-    <dgm:txFillClrLst meth="repeat">
-      <a:schemeClr val="tx1"/>
-    </dgm:txFillClrLst>
-    <dgm:txEffectClrLst/>
-  </dgm:styleLbl>
-  <dgm:styleLbl name="asst0">
-    <dgm:fillClrLst meth="repeat">
-      <a:schemeClr val="accent1">
-        <a:alpha val="90000"/>
-      </a:schemeClr>
-    </dgm:fillClrLst>
-    <dgm:linClrLst meth="repeat">
-      <a:schemeClr val="lt1"/>
-    </dgm:linClrLst>
-    <dgm:effectClrLst/>
-    <dgm:txLinClrLst/>
-    <dgm:txFillClrLst/>
-    <dgm:txEffectClrLst/>
-  </dgm:styleLbl>
-  <dgm:styleLbl name="asst1">
-    <dgm:fillClrLst meth="repeat">
-      <a:schemeClr val="accent1">
-        <a:alpha val="90000"/>
-      </a:schemeClr>
-    </dgm:fillClrLst>
-    <dgm:linClrLst meth="repeat">
-      <a:schemeClr val="lt1"/>
-    </dgm:linClrLst>
-    <dgm:effectClrLst/>
-    <dgm:txLinClrLst/>
-    <dgm:txFillClrLst/>
-    <dgm:txEffectClrLst/>
-  </dgm:styleLbl>
-  <dgm:styleLbl name="asst2">
-    <dgm:fillClrLst>
-      <a:schemeClr val="accent1">
-        <a:alpha val="90000"/>
-      </a:schemeClr>
-    </dgm:fillClrLst>
-    <dgm:linClrLst meth="repeat">
-      <a:schemeClr val="lt1"/>
-    </dgm:linClrLst>
-    <dgm:effectClrLst/>
-    <dgm:txLinClrLst/>
-    <dgm:txFillClrLst/>
-    <dgm:txEffectClrLst/>
-  </dgm:styleLbl>
-  <dgm:styleLbl name="asst3">
-    <dgm:fillClrLst>
-      <a:schemeClr val="accent1">
-        <a:alpha val="70000"/>
-      </a:schemeClr>
-    </dgm:fillClrLst>
-    <dgm:linClrLst meth="repeat">
-      <a:schemeClr val="lt1"/>
-    </dgm:linClrLst>
-    <dgm:effectClrLst/>
-    <dgm:txLinClrLst/>
-    <dgm:txFillClrLst/>
-    <dgm:txEffectClrLst/>
-  </dgm:styleLbl>
-  <dgm:styleLbl name="asst4">
-    <dgm:fillClrLst>
-      <a:schemeClr val="accent1">
-        <a:alpha val="50000"/>
-      </a:schemeClr>
-    </dgm:fillClrLst>
-    <dgm:linClrLst meth="repeat">
-      <a:schemeClr val="lt1"/>
-    </dgm:linClrLst>
-    <dgm:effectClrLst/>
-    <dgm:txLinClrLst/>
-    <dgm:txFillClrLst/>
-    <dgm:txEffectClrLst/>
-  </dgm:styleLbl>
-  <dgm:styleLbl name="parChTrans2D1">
-    <dgm:fillClrLst meth="repeat">
-      <a:schemeClr val="accent1">
-        <a:shade val="80000"/>
-      </a:schemeClr>
-    </dgm:fillClrLst>
-    <dgm:linClrLst meth="repeat">
-      <a:schemeClr val="accent1">
-        <a:shade val="80000"/>
-      </a:schemeClr>
-    </dgm:linClrLst>
-    <dgm:effectClrLst/>
-    <dgm:txLinClrLst/>
-    <dgm:txFillClrLst/>
-    <dgm:txEffectClrLst/>
-  </dgm:styleLbl>
-  <dgm:styleLbl name="parChTrans2D2">
-    <dgm:fillClrLst meth="repeat">
-      <a:schemeClr val="accent1">
-        <a:tint val="90000"/>
-      </a:schemeClr>
-    </dgm:fillClrLst>
-    <dgm:linClrLst meth="repeat">
-      <a:schemeClr val="accent1">
-        <a:tint val="90000"/>
-      </a:schemeClr>
-    </dgm:linClrLst>
-    <dgm:effectClrLst/>
-    <dgm:txLinClrLst/>
-    <dgm:txFillClrLst/>
-    <dgm:txEffectClrLst/>
-  </dgm:styleLbl>
-  <dgm:styleLbl name="parChTrans2D3">
-    <dgm:fillClrLst meth="repeat">
-      <a:schemeClr val="accent1">
-        <a:tint val="70000"/>
-      </a:schemeClr>
-    </dgm:fillClrLst>
-    <dgm:linClrLst meth="repeat">
-      <a:schemeClr val="accent1">
-        <a:tint val="70000"/>
-      </a:schemeClr>
-    </dgm:linClrLst>
-    <dgm:effectClrLst/>
-    <dgm:txLinClrLst/>
-    <dgm:txFillClrLst/>
-    <dgm:txEffectClrLst/>
-  </dgm:styleLbl>
-  <dgm:styleLbl name="parChTrans2D4">
-    <dgm:fillClrLst meth="repeat">
-      <a:schemeClr val="accent1">
-        <a:tint val="50000"/>
-      </a:schemeClr>
-    </dgm:fillClrLst>
-    <dgm:linClrLst meth="repeat">
-      <a:schemeClr val="accent1">
-        <a:tint val="50000"/>
-      </a:schemeClr>
-    </dgm:linClrLst>
-    <dgm:effectClrLst/>
-    <dgm:txLinClrLst/>
-    <dgm:txFillClrLst meth="repeat">
-      <a:schemeClr val="dk1"/>
-    </dgm:txFillClrLst>
-    <dgm:txEffectClrLst/>
-  </dgm:styleLbl>
-  <dgm:styleLbl name="parChTrans1D1">
-    <dgm:fillClrLst meth="repeat">
-      <a:schemeClr val="accent1">
-        <a:shade val="80000"/>
-      </a:schemeClr>
-    </dgm:fillClrLst>
-    <dgm:linClrLst meth="repeat">
-      <a:schemeClr val="accent1">
-        <a:shade val="80000"/>
-      </a:schemeClr>
-    </dgm:linClrLst>
-    <dgm:effectClrLst/>
-    <dgm:txLinClrLst/>
-    <dgm:txFillClrLst meth="repeat">
-      <a:schemeClr val="tx1"/>
-    </dgm:txFillClrLst>
-    <dgm:txEffectClrLst/>
-  </dgm:styleLbl>
-  <dgm:styleLbl name="parChTrans1D2">
-    <dgm:fillClrLst meth="repeat">
-      <a:schemeClr val="accent1">
-        <a:tint val="90000"/>
-      </a:schemeClr>
-    </dgm:fillClrLst>
-    <dgm:linClrLst meth="repeat">
-      <a:schemeClr val="accent1">
-        <a:tint val="90000"/>
-      </a:schemeClr>
-    </dgm:linClrLst>
-    <dgm:effectClrLst/>
-    <dgm:txLinClrLst/>
-    <dgm:txFillClrLst meth="repeat">
-      <a:schemeClr val="tx1"/>
-    </dgm:txFillClrLst>
-    <dgm:txEffectClrLst/>
-  </dgm:styleLbl>
-  <dgm:styleLbl name="parChTrans1D3">
-    <dgm:fillClrLst meth="repeat">
-      <a:schemeClr val="accent1">
-        <a:tint val="70000"/>
-      </a:schemeClr>
-    </dgm:fillClrLst>
-    <dgm:linClrLst meth="repeat">
-      <a:schemeClr val="accent1">
-        <a:tint val="70000"/>
-      </a:schemeClr>
-    </dgm:linClrLst>
-    <dgm:effectClrLst/>
-    <dgm:txLinClrLst/>
-    <dgm:txFillClrLst meth="repeat">
-      <a:schemeClr val="tx1"/>
-    </dgm:txFillClrLst>
-    <dgm:txEffectClrLst/>
-  </dgm:styleLbl>
-  <dgm:styleLbl name="parChTrans1D4">
-    <dgm:fillClrLst meth="repeat">
-      <a:schemeClr val="accent1">
-        <a:tint val="50000"/>
-      </a:schemeClr>
-    </dgm:fillClrLst>
-    <dgm:linClrLst meth="repeat">
-      <a:schemeClr val="accent1">
-        <a:tint val="50000"/>
-      </a:schemeClr>
-    </dgm:linClrLst>
-    <dgm:effectClrLst/>
-    <dgm:txLinClrLst/>
-    <dgm:txFillClrLst meth="repeat">
-      <a:schemeClr val="tx1"/>
-    </dgm:txFillClrLst>
-    <dgm:txEffectClrLst/>
-  </dgm:styleLbl>
-  <dgm:styleLbl name="fgAcc1">
-    <dgm:fillClrLst meth="repeat">
-      <a:schemeClr val="lt1">
-        <a:alpha val="90000"/>
-      </a:schemeClr>
-    </dgm:fillClrLst>
-    <dgm:linClrLst>
-      <a:schemeClr val="accent1">
-        <a:alpha val="90000"/>
-      </a:schemeClr>
-      <a:schemeClr val="accent1">
-        <a:alpha val="50000"/>
-      </a:schemeClr>
-    </dgm:linClrLst>
-    <dgm:effectClrLst/>
-    <dgm:txLinClrLst/>
-    <dgm:txFillClrLst meth="repeat">
-      <a:schemeClr val="dk1"/>
-    </dgm:txFillClrLst>
-    <dgm:txEffectClrLst/>
-  </dgm:styleLbl>
-  <dgm:styleLbl name="conFgAcc1">
-    <dgm:fillClrLst meth="repeat">
-      <a:schemeClr val="lt1">
-        <a:alpha val="90000"/>
-      </a:schemeClr>
-    </dgm:fillClrLst>
-    <dgm:linClrLst>
-      <a:schemeClr val="accent1">
-        <a:alpha val="90000"/>
-      </a:schemeClr>
-      <a:schemeClr val="accent1">
-        <a:alpha val="50000"/>
-      </a:schemeClr>
-    </dgm:linClrLst>
-    <dgm:effectClrLst/>
-    <dgm:txLinClrLst/>
-    <dgm:txFillClrLst meth="repeat">
-      <a:schemeClr val="dk1"/>
-    </dgm:txFillClrLst>
-    <dgm:txEffectClrLst/>
-  </dgm:styleLbl>
-  <dgm:styleLbl name="alignAcc1">
-    <dgm:fillClrLst meth="repeat">
-      <a:schemeClr val="lt1">
-        <a:alpha val="90000"/>
-      </a:schemeClr>
-    </dgm:fillClrLst>
-    <dgm:linClrLst>
-      <a:schemeClr val="accent1">
-        <a:alpha val="90000"/>
-      </a:schemeClr>
-      <a:schemeClr val="accent1">
-        <a:alpha val="50000"/>
-      </a:schemeClr>
-    </dgm:linClrLst>
-    <dgm:effectClrLst/>
-    <dgm:txLinClrLst/>
-    <dgm:txFillClrLst meth="repeat">
-      <a:schemeClr val="dk1"/>
-    </dgm:txFillClrLst>
-    <dgm:txEffectClrLst/>
-  </dgm:styleLbl>
-  <dgm:styleLbl name="trAlignAcc1">
-    <dgm:fillClrLst meth="repeat">
-      <a:schemeClr val="lt1">
-        <a:alpha val="40000"/>
-      </a:schemeClr>
-    </dgm:fillClrLst>
-    <dgm:linClrLst>
-      <a:schemeClr val="accent1">
-        <a:alpha val="90000"/>
-      </a:schemeClr>
-      <a:schemeClr val="accent1">
-        <a:alpha val="50000"/>
-      </a:schemeClr>
-    </dgm:linClrLst>
-    <dgm:effectClrLst/>
-    <dgm:txLinClrLst/>
-    <dgm:txFillClrLst meth="repeat">
-      <a:schemeClr val="dk1"/>
-    </dgm:txFillClrLst>
-    <dgm:txEffectClrLst/>
-  </dgm:styleLbl>
-  <dgm:styleLbl name="bgAcc1">
-    <dgm:fillClrLst meth="repeat">
-      <a:schemeClr val="lt1">
-        <a:alpha val="90000"/>
-      </a:schemeClr>
-    </dgm:fillClrLst>
-    <dgm:linClrLst>
-      <a:schemeClr val="accent1">
-        <a:alpha val="90000"/>
-      </a:schemeClr>
-      <a:schemeClr val="accent1">
-        <a:alpha val="50000"/>
-      </a:schemeClr>
-    </dgm:linClrLst>
-    <dgm:effectClrLst/>
-    <dgm:txLinClrLst/>
-    <dgm:txFillClrLst meth="repeat">
-      <a:schemeClr val="dk1"/>
-    </dgm:txFillClrLst>
-    <dgm:txEffectClrLst/>
-  </dgm:styleLbl>
-  <dgm:styleLbl name="solidFgAcc1">
-    <dgm:fillClrLst meth="repeat">
-      <a:schemeClr val="lt1"/>
-    </dgm:fillClrLst>
-    <dgm:linClrLst>
-      <a:schemeClr val="accent1">
-        <a:alpha val="90000"/>
-      </a:schemeClr>
-      <a:schemeClr val="accent1">
-        <a:alpha val="50000"/>
-      </a:schemeClr>
-    </dgm:linClrLst>
-    <dgm:effectClrLst/>
-    <dgm:txLinClrLst/>
-    <dgm:txFillClrLst meth="repeat">
-      <a:schemeClr val="dk1"/>
-    </dgm:txFillClrLst>
-    <dgm:txEffectClrLst/>
-  </dgm:styleLbl>
-  <dgm:styleLbl name="solidAlignAcc1">
-    <dgm:fillClrLst meth="repeat">
-      <a:schemeClr val="lt1"/>
-    </dgm:fillClrLst>
-    <dgm:linClrLst meth="repeat">
-      <a:schemeClr val="accent1"/>
-    </dgm:linClrLst>
-    <dgm:effectClrLst/>
-    <dgm:txLinClrLst/>
-    <dgm:txFillClrLst meth="repeat">
-      <a:schemeClr val="dk1"/>
-    </dgm:txFillClrLst>
-    <dgm:txEffectClrLst/>
-  </dgm:styleLbl>
-  <dgm:styleLbl name="solidBgAcc1">
-    <dgm:fillClrLst meth="repeat">
-      <a:schemeClr val="lt1"/>
-    </dgm:fillClrLst>
-    <dgm:linClrLst meth="repeat">
-      <a:schemeClr val="accent1"/>
-    </dgm:linClrLst>
-    <dgm:effectClrLst/>
-    <dgm:txLinClrLst/>
-    <dgm:txFillClrLst meth="repeat">
-      <a:schemeClr val="dk1"/>
-    </dgm:txFillClrLst>
-    <dgm:txEffectClrLst/>
-  </dgm:styleLbl>
-  <dgm:styleLbl name="fgAccFollowNode1">
-    <dgm:fillClrLst>
-      <a:schemeClr val="accent1">
-        <a:alpha val="90000"/>
-        <a:tint val="40000"/>
-      </a:schemeClr>
-      <a:schemeClr val="accent1">
-        <a:alpha val="50000"/>
-        <a:tint val="40000"/>
-      </a:schemeClr>
-    </dgm:fillClrLst>
-    <dgm:linClrLst meth="repeat">
-      <a:schemeClr val="accent1">
-        <a:alpha val="90000"/>
-        <a:tint val="40000"/>
-      </a:schemeClr>
-    </dgm:linClrLst>
-    <dgm:effectClrLst/>
-    <dgm:txLinClrLst/>
-    <dgm:txFillClrLst meth="repeat">
-      <a:schemeClr val="dk1"/>
-    </dgm:txFillClrLst>
-    <dgm:txEffectClrLst/>
-  </dgm:styleLbl>
-  <dgm:styleLbl name="alignAccFollowNode1">
-    <dgm:fillClrLst meth="repeat">
-      <a:schemeClr val="accent1">
-        <a:alpha val="90000"/>
-        <a:tint val="40000"/>
-      </a:schemeClr>
-    </dgm:fillClrLst>
-    <dgm:linClrLst meth="repeat">
-      <a:schemeClr val="accent1">
-        <a:alpha val="90000"/>
-        <a:tint val="40000"/>
-      </a:schemeClr>
-    </dgm:linClrLst>
-    <dgm:effectClrLst/>
-    <dgm:txLinClrLst/>
-    <dgm:txFillClrLst meth="repeat">
-      <a:schemeClr val="dk1"/>
-    </dgm:txFillClrLst>
-    <dgm:txEffectClrLst/>
-  </dgm:styleLbl>
-  <dgm:styleLbl name="bgAccFollowNode1">
-    <dgm:fillClrLst meth="repeat">
-      <a:schemeClr val="accent1">
-        <a:alpha val="90000"/>
-        <a:tint val="40000"/>
-      </a:schemeClr>
-    </dgm:fillClrLst>
-    <dgm:linClrLst meth="repeat">
-      <a:schemeClr val="lt1"/>
-    </dgm:linClrLst>
-    <dgm:effectClrLst/>
-    <dgm:txLinClrLst/>
-    <dgm:txFillClrLst meth="repeat">
-      <a:schemeClr val="dk1"/>
-    </dgm:txFillClrLst>
-    <dgm:txEffectClrLst/>
-  </dgm:styleLbl>
-  <dgm:styleLbl name="fgAcc0">
-    <dgm:fillClrLst meth="repeat">
-      <a:schemeClr val="lt1">
-        <a:alpha val="90000"/>
-      </a:schemeClr>
-    </dgm:fillClrLst>
-    <dgm:linClrLst meth="repeat">
-      <a:schemeClr val="accent1">
-        <a:shade val="80000"/>
-      </a:schemeClr>
-    </dgm:linClrLst>
-    <dgm:effectClrLst/>
-    <dgm:txLinClrLst/>
-    <dgm:txFillClrLst meth="repeat">
-      <a:schemeClr val="dk1"/>
-    </dgm:txFillClrLst>
-    <dgm:txEffectClrLst/>
-  </dgm:styleLbl>
-  <dgm:styleLbl name="fgAcc2">
-    <dgm:fillClrLst meth="repeat">
-      <a:schemeClr val="lt1">
-        <a:alpha val="90000"/>
-      </a:schemeClr>
-    </dgm:fillClrLst>
-    <dgm:linClrLst meth="repeat">
-      <a:schemeClr val="accent1">
-        <a:tint val="90000"/>
-      </a:schemeClr>
-    </dgm:linClrLst>
-    <dgm:effectClrLst/>
-    <dgm:txLinClrLst/>
-    <dgm:txFillClrLst meth="repeat">
-      <a:schemeClr val="dk1"/>
-    </dgm:txFillClrLst>
-    <dgm:txEffectClrLst/>
-  </dgm:styleLbl>
-  <dgm:styleLbl name="fgAcc3">
-    <dgm:fillClrLst meth="repeat">
-      <a:schemeClr val="lt1">
-        <a:alpha val="90000"/>
-      </a:schemeClr>
-    </dgm:fillClrLst>
-    <dgm:linClrLst meth="repeat">
-      <a:schemeClr val="accent1">
-        <a:tint val="70000"/>
-      </a:schemeClr>
-    </dgm:linClrLst>
-    <dgm:effectClrLst/>
-    <dgm:txLinClrLst/>
-    <dgm:txFillClrLst meth="repeat">
-      <a:schemeClr val="dk1"/>
-    </dgm:txFillClrLst>
-    <dgm:txEffectClrLst/>
-  </dgm:styleLbl>
-  <dgm:styleLbl name="fgAcc4">
-    <dgm:fillClrLst meth="repeat">
-      <a:schemeClr val="lt1">
-        <a:alpha val="90000"/>
-      </a:schemeClr>
-    </dgm:fillClrLst>
-    <dgm:linClrLst meth="repeat">
-      <a:schemeClr val="accent1">
-        <a:tint val="50000"/>
-      </a:schemeClr>
-    </dgm:linClrLst>
-    <dgm:effectClrLst/>
-    <dgm:txLinClrLst/>
-    <dgm:txFillClrLst meth="repeat">
-      <a:schemeClr val="dk1"/>
-    </dgm:txFillClrLst>
-    <dgm:txEffectClrLst/>
-  </dgm:styleLbl>
-  <dgm:styleLbl name="bgShp">
-    <dgm:fillClrLst meth="repeat">
-      <a:schemeClr val="accent1">
-        <a:tint val="40000"/>
-      </a:schemeClr>
-    </dgm:fillClrLst>
-    <dgm:linClrLst meth="repeat">
-      <a:schemeClr val="dk1"/>
-    </dgm:linClrLst>
-    <dgm:effectClrLst/>
-    <dgm:txLinClrLst/>
-    <dgm:txFillClrLst meth="repeat">
-      <a:schemeClr val="dk1"/>
-    </dgm:txFillClrLst>
-    <dgm:txEffectClrLst/>
-  </dgm:styleLbl>
-  <dgm:styleLbl name="dkBgShp">
-    <dgm:fillClrLst meth="repeat">
-      <a:schemeClr val="accent1">
-        <a:shade val="90000"/>
-      </a:schemeClr>
-    </dgm:fillClrLst>
-    <dgm:linClrLst meth="repeat">
-      <a:schemeClr val="dk1"/>
-    </dgm:linClrLst>
-    <dgm:effectClrLst/>
-    <dgm:txLinClrLst/>
-    <dgm:txFillClrLst meth="repeat">
-      <a:schemeClr val="lt1"/>
-    </dgm:txFillClrLst>
-    <dgm:txEffectClrLst/>
-  </dgm:styleLbl>
-  <dgm:styleLbl name="trBgShp">
-    <dgm:fillClrLst meth="repeat">
-      <a:schemeClr val="accent1">
-        <a:tint val="50000"/>
-        <a:alpha val="40000"/>
-      </a:schemeClr>
-    </dgm:fillClrLst>
-    <dgm:linClrLst meth="repeat">
-      <a:schemeClr val="accent1"/>
-    </dgm:linClrLst>
-    <dgm:effectClrLst/>
-    <dgm:txLinClrLst/>
-    <dgm:txFillClrLst meth="repeat">
-      <a:schemeClr val="lt1"/>
-    </dgm:txFillClrLst>
-    <dgm:txEffectClrLst/>
-  </dgm:styleLbl>
-  <dgm:styleLbl name="fgShp">
-    <dgm:fillClrLst meth="repeat">
-      <a:schemeClr val="accent1">
-        <a:tint val="40000"/>
-      </a:schemeClr>
-    </dgm:fillClrLst>
-    <dgm:linClrLst meth="repeat">
-      <a:schemeClr val="lt1"/>
-    </dgm:linClrLst>
-    <dgm:effectClrLst/>
-    <dgm:txLinClrLst/>
-    <dgm:txFillClrLst meth="repeat">
-      <a:schemeClr val="dk1"/>
-    </dgm:txFillClrLst>
-    <dgm:txEffectClrLst/>
-  </dgm:styleLbl>
-  <dgm:styleLbl name="revTx">
-    <dgm:fillClrLst meth="repeat">
-      <a:schemeClr val="lt1">
-        <a:alpha val="0"/>
-      </a:schemeClr>
-    </dgm:fillClrLst>
-    <dgm:linClrLst meth="repeat">
-      <a:schemeClr val="dk1">
-        <a:alpha val="0"/>
-      </a:schemeClr>
-    </dgm:linClrLst>
-    <dgm:effectClrLst/>
-    <dgm:txLinClrLst/>
-    <dgm:txFillClrLst meth="repeat">
-      <a:schemeClr val="tx1"/>
-    </dgm:txFillClrLst>
-    <dgm:txEffectClrLst/>
-  </dgm:styleLbl>
-</dgm:colorsDef>
-</file>
-
-<file path=ppt/diagrams/data1.xml><?xml version="1.0" encoding="utf-8"?>
-<dgm:dataModel xmlns:dgm="http://schemas.openxmlformats.org/drawingml/2006/diagram" xmlns:a="http://schemas.openxmlformats.org/drawingml/2006/main">
-  <dgm:ptLst>
-    <dgm:pt modelId="{69F32D51-AC3E-43AE-A6AC-3BB5DD522EB5}" type="doc">
-      <dgm:prSet loTypeId="urn:microsoft.com/office/officeart/2005/8/layout/arrow2" loCatId="process" qsTypeId="urn:microsoft.com/office/officeart/2005/8/quickstyle/simple3" qsCatId="simple" csTypeId="urn:microsoft.com/office/officeart/2005/8/colors/accent1_5" csCatId="accent1" phldr="1"/>
-      <dgm:spPr/>
-      <dgm:t>
-        <a:bodyPr/>
-        <a:lstStyle/>
-        <a:p>
-          <a:endParaRPr lang="en-US"/>
-        </a:p>
-      </dgm:t>
-    </dgm:pt>
-    <dgm:pt modelId="{7694AA63-509C-4A42-8532-64AC2D503108}">
-      <dgm:prSet phldrT="[Text]"/>
-      <dgm:spPr/>
-      <dgm:t>
-        <a:bodyPr/>
-        <a:lstStyle/>
-        <a:p>
-          <a:r>
-            <a:rPr lang="en-US" dirty="0" smtClean="0"/>
-            <a:t>Step 1 Title</a:t>
-          </a:r>
-          <a:endParaRPr lang="en-US" dirty="0"/>
-        </a:p>
-      </dgm:t>
-    </dgm:pt>
-    <dgm:pt modelId="{5FE6F54A-793F-4D23-AEE4-0B66EFEF7537}" type="parTrans" cxnId="{6B022E57-08DD-45E3-840B-6A1D9FA4CD05}">
-      <dgm:prSet/>
-      <dgm:spPr/>
-      <dgm:t>
-        <a:bodyPr/>
-        <a:lstStyle/>
-        <a:p>
-          <a:endParaRPr lang="en-US"/>
-        </a:p>
-      </dgm:t>
-    </dgm:pt>
-    <dgm:pt modelId="{31D65F67-FF5D-4DBF-B8F3-42F4954C4217}" type="sibTrans" cxnId="{6B022E57-08DD-45E3-840B-6A1D9FA4CD05}">
-      <dgm:prSet/>
-      <dgm:spPr/>
-      <dgm:t>
-        <a:bodyPr/>
-        <a:lstStyle/>
-        <a:p>
-          <a:endParaRPr lang="en-US"/>
-        </a:p>
-      </dgm:t>
-    </dgm:pt>
-    <dgm:pt modelId="{9686F1BF-536B-47D1-8382-7914918E4475}">
-      <dgm:prSet phldrT="[Text]"/>
-      <dgm:spPr/>
-      <dgm:t>
-        <a:bodyPr/>
-        <a:lstStyle/>
-        <a:p>
-          <a:r>
-            <a:rPr lang="en-US" dirty="0" smtClean="0"/>
-            <a:t>Step 2 Title</a:t>
-          </a:r>
-          <a:endParaRPr lang="en-US" dirty="0"/>
-        </a:p>
-      </dgm:t>
-    </dgm:pt>
-    <dgm:pt modelId="{7974D907-A946-4B07-9B14-E984EF358131}" type="parTrans" cxnId="{278F5898-2FEC-487A-BC63-96F95738EB85}">
-      <dgm:prSet/>
-      <dgm:spPr/>
-      <dgm:t>
-        <a:bodyPr/>
-        <a:lstStyle/>
-        <a:p>
-          <a:endParaRPr lang="en-US"/>
-        </a:p>
-      </dgm:t>
-    </dgm:pt>
-    <dgm:pt modelId="{DF9CE341-EF0D-47D3-9D51-24517F7DC7E6}" type="sibTrans" cxnId="{278F5898-2FEC-487A-BC63-96F95738EB85}">
-      <dgm:prSet/>
-      <dgm:spPr/>
-      <dgm:t>
-        <a:bodyPr/>
-        <a:lstStyle/>
-        <a:p>
-          <a:endParaRPr lang="en-US"/>
-        </a:p>
-      </dgm:t>
-    </dgm:pt>
-    <dgm:pt modelId="{BD1D151A-9BF5-4298-9A81-3358E9026F5E}">
-      <dgm:prSet phldrT="[Text]"/>
-      <dgm:spPr/>
-      <dgm:t>
-        <a:bodyPr/>
-        <a:lstStyle/>
-        <a:p>
-          <a:r>
-            <a:rPr lang="en-US" dirty="0" smtClean="0"/>
-            <a:t>Step 3 Title</a:t>
-          </a:r>
-          <a:endParaRPr lang="en-US" dirty="0"/>
-        </a:p>
-      </dgm:t>
-    </dgm:pt>
-    <dgm:pt modelId="{BD71555C-B0A7-48F0-BA96-B0A60F95B7DD}" type="parTrans" cxnId="{21E48DC5-14D8-497A-AEE1-2903EC44ABBE}">
-      <dgm:prSet/>
-      <dgm:spPr/>
-      <dgm:t>
-        <a:bodyPr/>
-        <a:lstStyle/>
-        <a:p>
-          <a:endParaRPr lang="en-US"/>
-        </a:p>
-      </dgm:t>
-    </dgm:pt>
-    <dgm:pt modelId="{560C5953-7705-4BB4-B630-463F6520C5CC}" type="sibTrans" cxnId="{21E48DC5-14D8-497A-AEE1-2903EC44ABBE}">
-      <dgm:prSet/>
-      <dgm:spPr/>
-      <dgm:t>
-        <a:bodyPr/>
-        <a:lstStyle/>
-        <a:p>
-          <a:endParaRPr lang="en-US"/>
-        </a:p>
-      </dgm:t>
-    </dgm:pt>
-    <dgm:pt modelId="{1AEA4A1B-5A19-404A-B68A-B50FF8638DC4}">
-      <dgm:prSet phldrT="[Text]"/>
-      <dgm:spPr/>
-      <dgm:t>
-        <a:bodyPr/>
-        <a:lstStyle/>
-        <a:p>
-          <a:r>
-            <a:rPr lang="en-US" dirty="0" smtClean="0"/>
-            <a:t>Step 4 Title</a:t>
-          </a:r>
-          <a:endParaRPr lang="en-US" dirty="0"/>
-        </a:p>
-      </dgm:t>
-    </dgm:pt>
-    <dgm:pt modelId="{9EA725A4-0818-4DC3-8903-F98A3F8822BE}" type="parTrans" cxnId="{7101D6EF-33D1-458F-906B-3DCC1A311E89}">
-      <dgm:prSet/>
-      <dgm:spPr/>
-      <dgm:t>
-        <a:bodyPr/>
-        <a:lstStyle/>
-        <a:p>
-          <a:endParaRPr lang="en-US"/>
-        </a:p>
-      </dgm:t>
-    </dgm:pt>
-    <dgm:pt modelId="{17BFF7DA-457B-49D3-9BD9-89DE9293540C}" type="sibTrans" cxnId="{7101D6EF-33D1-458F-906B-3DCC1A311E89}">
-      <dgm:prSet/>
-      <dgm:spPr/>
-      <dgm:t>
-        <a:bodyPr/>
-        <a:lstStyle/>
-        <a:p>
-          <a:endParaRPr lang="en-US"/>
-        </a:p>
-      </dgm:t>
-    </dgm:pt>
-    <dgm:pt modelId="{2964D020-594D-4B3F-A1F5-83A936D2CAC8}" type="pres">
-      <dgm:prSet presAssocID="{69F32D51-AC3E-43AE-A6AC-3BB5DD522EB5}" presName="arrowDiagram" presStyleCnt="0">
-        <dgm:presLayoutVars>
-          <dgm:chMax val="5"/>
-          <dgm:dir/>
-          <dgm:resizeHandles val="exact"/>
-        </dgm:presLayoutVars>
-      </dgm:prSet>
-      <dgm:spPr/>
-      <dgm:t>
-        <a:bodyPr/>
-        <a:lstStyle/>
-        <a:p>
-          <a:endParaRPr lang="en-US"/>
-        </a:p>
-      </dgm:t>
-    </dgm:pt>
-    <dgm:pt modelId="{44FE4485-F431-4155-9E60-660F03471BE3}" type="pres">
-      <dgm:prSet presAssocID="{69F32D51-AC3E-43AE-A6AC-3BB5DD522EB5}" presName="arrow" presStyleLbl="bgShp" presStyleIdx="0" presStyleCnt="1"/>
-      <dgm:spPr/>
-      <dgm:t>
-        <a:bodyPr/>
-        <a:lstStyle/>
-        <a:p>
-          <a:endParaRPr lang="en-US"/>
-        </a:p>
-      </dgm:t>
-    </dgm:pt>
-    <dgm:pt modelId="{87C6A373-3038-4E44-9087-F2243A1EACEE}" type="pres">
-      <dgm:prSet presAssocID="{69F32D51-AC3E-43AE-A6AC-3BB5DD522EB5}" presName="arrowDiagram4" presStyleCnt="0"/>
-      <dgm:spPr/>
-      <dgm:t>
-        <a:bodyPr/>
-        <a:lstStyle/>
-        <a:p>
-          <a:endParaRPr lang="en-US"/>
-        </a:p>
-      </dgm:t>
-    </dgm:pt>
-    <dgm:pt modelId="{B55B0671-8D15-4335-922A-B69443143D73}" type="pres">
-      <dgm:prSet presAssocID="{7694AA63-509C-4A42-8532-64AC2D503108}" presName="bullet4a" presStyleLbl="node1" presStyleIdx="0" presStyleCnt="4"/>
-      <dgm:spPr/>
-      <dgm:t>
-        <a:bodyPr/>
-        <a:lstStyle/>
-        <a:p>
-          <a:endParaRPr lang="en-US"/>
-        </a:p>
-      </dgm:t>
-    </dgm:pt>
-    <dgm:pt modelId="{B2DB54D8-082E-482E-A3FA-DB8CBC303C0B}" type="pres">
-      <dgm:prSet presAssocID="{7694AA63-509C-4A42-8532-64AC2D503108}" presName="textBox4a" presStyleLbl="revTx" presStyleIdx="0" presStyleCnt="4">
-        <dgm:presLayoutVars>
-          <dgm:bulletEnabled val="1"/>
-        </dgm:presLayoutVars>
-      </dgm:prSet>
-      <dgm:spPr/>
-      <dgm:t>
-        <a:bodyPr/>
-        <a:lstStyle/>
-        <a:p>
-          <a:endParaRPr lang="en-US"/>
-        </a:p>
-      </dgm:t>
-    </dgm:pt>
-    <dgm:pt modelId="{C260311A-CA3F-4782-A499-D0E1A38755FC}" type="pres">
-      <dgm:prSet presAssocID="{9686F1BF-536B-47D1-8382-7914918E4475}" presName="bullet4b" presStyleLbl="node1" presStyleIdx="1" presStyleCnt="4"/>
-      <dgm:spPr/>
-      <dgm:t>
-        <a:bodyPr/>
-        <a:lstStyle/>
-        <a:p>
-          <a:endParaRPr lang="en-US"/>
-        </a:p>
-      </dgm:t>
-    </dgm:pt>
-    <dgm:pt modelId="{F676EDF9-5FB4-4F01-B777-5AEB6F4D27DA}" type="pres">
-      <dgm:prSet presAssocID="{9686F1BF-536B-47D1-8382-7914918E4475}" presName="textBox4b" presStyleLbl="revTx" presStyleIdx="1" presStyleCnt="4">
-        <dgm:presLayoutVars>
-          <dgm:bulletEnabled val="1"/>
-        </dgm:presLayoutVars>
-      </dgm:prSet>
-      <dgm:spPr/>
-      <dgm:t>
-        <a:bodyPr/>
-        <a:lstStyle/>
-        <a:p>
-          <a:endParaRPr lang="en-US"/>
-        </a:p>
-      </dgm:t>
-    </dgm:pt>
-    <dgm:pt modelId="{1D68FD1C-90B9-4749-B537-6D817A256946}" type="pres">
-      <dgm:prSet presAssocID="{BD1D151A-9BF5-4298-9A81-3358E9026F5E}" presName="bullet4c" presStyleLbl="node1" presStyleIdx="2" presStyleCnt="4"/>
-      <dgm:spPr/>
-      <dgm:t>
-        <a:bodyPr/>
-        <a:lstStyle/>
-        <a:p>
-          <a:endParaRPr lang="en-US"/>
-        </a:p>
-      </dgm:t>
-    </dgm:pt>
-    <dgm:pt modelId="{F10BBA50-8303-48E1-8334-5A442F36FF53}" type="pres">
-      <dgm:prSet presAssocID="{BD1D151A-9BF5-4298-9A81-3358E9026F5E}" presName="textBox4c" presStyleLbl="revTx" presStyleIdx="2" presStyleCnt="4">
-        <dgm:presLayoutVars>
-          <dgm:bulletEnabled val="1"/>
-        </dgm:presLayoutVars>
-      </dgm:prSet>
-      <dgm:spPr/>
-      <dgm:t>
-        <a:bodyPr/>
-        <a:lstStyle/>
-        <a:p>
-          <a:endParaRPr lang="en-US"/>
-        </a:p>
-      </dgm:t>
-    </dgm:pt>
-    <dgm:pt modelId="{6EC28929-9FE5-42B7-8CED-15F35E96EE1C}" type="pres">
-      <dgm:prSet presAssocID="{1AEA4A1B-5A19-404A-B68A-B50FF8638DC4}" presName="bullet4d" presStyleLbl="node1" presStyleIdx="3" presStyleCnt="4"/>
-      <dgm:spPr/>
-      <dgm:t>
-        <a:bodyPr/>
-        <a:lstStyle/>
-        <a:p>
-          <a:endParaRPr lang="en-US"/>
-        </a:p>
-      </dgm:t>
-    </dgm:pt>
-    <dgm:pt modelId="{8F02B3E5-ED56-463D-9A2B-8E6E57BDCB18}" type="pres">
-      <dgm:prSet presAssocID="{1AEA4A1B-5A19-404A-B68A-B50FF8638DC4}" presName="textBox4d" presStyleLbl="revTx" presStyleIdx="3" presStyleCnt="4">
-        <dgm:presLayoutVars>
-          <dgm:bulletEnabled val="1"/>
-        </dgm:presLayoutVars>
-      </dgm:prSet>
-      <dgm:spPr/>
-      <dgm:t>
-        <a:bodyPr/>
-        <a:lstStyle/>
-        <a:p>
-          <a:endParaRPr lang="en-US"/>
-        </a:p>
-      </dgm:t>
-    </dgm:pt>
-  </dgm:ptLst>
-  <dgm:cxnLst>
-    <dgm:cxn modelId="{1D5C56D0-9E76-46DF-9BBE-9ACB54DE2294}" type="presOf" srcId="{69F32D51-AC3E-43AE-A6AC-3BB5DD522EB5}" destId="{2964D020-594D-4B3F-A1F5-83A936D2CAC8}" srcOrd="0" destOrd="0" presId="urn:microsoft.com/office/officeart/2005/8/layout/arrow2"/>
-    <dgm:cxn modelId="{21E48DC5-14D8-497A-AEE1-2903EC44ABBE}" srcId="{69F32D51-AC3E-43AE-A6AC-3BB5DD522EB5}" destId="{BD1D151A-9BF5-4298-9A81-3358E9026F5E}" srcOrd="2" destOrd="0" parTransId="{BD71555C-B0A7-48F0-BA96-B0A60F95B7DD}" sibTransId="{560C5953-7705-4BB4-B630-463F6520C5CC}"/>
-    <dgm:cxn modelId="{6B022E57-08DD-45E3-840B-6A1D9FA4CD05}" srcId="{69F32D51-AC3E-43AE-A6AC-3BB5DD522EB5}" destId="{7694AA63-509C-4A42-8532-64AC2D503108}" srcOrd="0" destOrd="0" parTransId="{5FE6F54A-793F-4D23-AEE4-0B66EFEF7537}" sibTransId="{31D65F67-FF5D-4DBF-B8F3-42F4954C4217}"/>
-    <dgm:cxn modelId="{5D926C08-CFC3-4F12-8260-B4C565DD130D}" type="presOf" srcId="{9686F1BF-536B-47D1-8382-7914918E4475}" destId="{F676EDF9-5FB4-4F01-B777-5AEB6F4D27DA}" srcOrd="0" destOrd="0" presId="urn:microsoft.com/office/officeart/2005/8/layout/arrow2"/>
-    <dgm:cxn modelId="{86710EC4-5162-420F-9321-10DBE502A812}" type="presOf" srcId="{1AEA4A1B-5A19-404A-B68A-B50FF8638DC4}" destId="{8F02B3E5-ED56-463D-9A2B-8E6E57BDCB18}" srcOrd="0" destOrd="0" presId="urn:microsoft.com/office/officeart/2005/8/layout/arrow2"/>
-    <dgm:cxn modelId="{278F5898-2FEC-487A-BC63-96F95738EB85}" srcId="{69F32D51-AC3E-43AE-A6AC-3BB5DD522EB5}" destId="{9686F1BF-536B-47D1-8382-7914918E4475}" srcOrd="1" destOrd="0" parTransId="{7974D907-A946-4B07-9B14-E984EF358131}" sibTransId="{DF9CE341-EF0D-47D3-9D51-24517F7DC7E6}"/>
-    <dgm:cxn modelId="{2949B31E-911F-4968-A78B-4AFC8307198F}" type="presOf" srcId="{7694AA63-509C-4A42-8532-64AC2D503108}" destId="{B2DB54D8-082E-482E-A3FA-DB8CBC303C0B}" srcOrd="0" destOrd="0" presId="urn:microsoft.com/office/officeart/2005/8/layout/arrow2"/>
-    <dgm:cxn modelId="{7101D6EF-33D1-458F-906B-3DCC1A311E89}" srcId="{69F32D51-AC3E-43AE-A6AC-3BB5DD522EB5}" destId="{1AEA4A1B-5A19-404A-B68A-B50FF8638DC4}" srcOrd="3" destOrd="0" parTransId="{9EA725A4-0818-4DC3-8903-F98A3F8822BE}" sibTransId="{17BFF7DA-457B-49D3-9BD9-89DE9293540C}"/>
-    <dgm:cxn modelId="{8A091E29-5D4F-461C-A779-A5E3235C1466}" type="presOf" srcId="{BD1D151A-9BF5-4298-9A81-3358E9026F5E}" destId="{F10BBA50-8303-48E1-8334-5A442F36FF53}" srcOrd="0" destOrd="0" presId="urn:microsoft.com/office/officeart/2005/8/layout/arrow2"/>
-    <dgm:cxn modelId="{4075A56A-83EE-42AA-847C-7EDFC66F7A75}" type="presParOf" srcId="{2964D020-594D-4B3F-A1F5-83A936D2CAC8}" destId="{44FE4485-F431-4155-9E60-660F03471BE3}" srcOrd="0" destOrd="0" presId="urn:microsoft.com/office/officeart/2005/8/layout/arrow2"/>
-    <dgm:cxn modelId="{6574440C-3452-428E-912F-D369A6749AF9}" type="presParOf" srcId="{2964D020-594D-4B3F-A1F5-83A936D2CAC8}" destId="{87C6A373-3038-4E44-9087-F2243A1EACEE}" srcOrd="1" destOrd="0" presId="urn:microsoft.com/office/officeart/2005/8/layout/arrow2"/>
-    <dgm:cxn modelId="{4A83B3D2-FB8E-456A-8795-D83A8D931AB6}" type="presParOf" srcId="{87C6A373-3038-4E44-9087-F2243A1EACEE}" destId="{B55B0671-8D15-4335-922A-B69443143D73}" srcOrd="0" destOrd="0" presId="urn:microsoft.com/office/officeart/2005/8/layout/arrow2"/>
-    <dgm:cxn modelId="{B8F55D29-EAEB-42BA-9AEE-5F1428FB0DEC}" type="presParOf" srcId="{87C6A373-3038-4E44-9087-F2243A1EACEE}" destId="{B2DB54D8-082E-482E-A3FA-DB8CBC303C0B}" srcOrd="1" destOrd="0" presId="urn:microsoft.com/office/officeart/2005/8/layout/arrow2"/>
-    <dgm:cxn modelId="{C83031FC-D5CC-4CCC-842D-D9675C02EABB}" type="presParOf" srcId="{87C6A373-3038-4E44-9087-F2243A1EACEE}" destId="{C260311A-CA3F-4782-A499-D0E1A38755FC}" srcOrd="2" destOrd="0" presId="urn:microsoft.com/office/officeart/2005/8/layout/arrow2"/>
-    <dgm:cxn modelId="{2B8AEA39-DDE9-4B06-AB15-31E34286DAAF}" type="presParOf" srcId="{87C6A373-3038-4E44-9087-F2243A1EACEE}" destId="{F676EDF9-5FB4-4F01-B777-5AEB6F4D27DA}" srcOrd="3" destOrd="0" presId="urn:microsoft.com/office/officeart/2005/8/layout/arrow2"/>
-    <dgm:cxn modelId="{BC0B591F-02DB-4B7D-8A43-1374487A01E1}" type="presParOf" srcId="{87C6A373-3038-4E44-9087-F2243A1EACEE}" destId="{1D68FD1C-90B9-4749-B537-6D817A256946}" srcOrd="4" destOrd="0" presId="urn:microsoft.com/office/officeart/2005/8/layout/arrow2"/>
-    <dgm:cxn modelId="{841B45CA-47D6-4F14-9B2C-724C86D84DB1}" type="presParOf" srcId="{87C6A373-3038-4E44-9087-F2243A1EACEE}" destId="{F10BBA50-8303-48E1-8334-5A442F36FF53}" srcOrd="5" destOrd="0" presId="urn:microsoft.com/office/officeart/2005/8/layout/arrow2"/>
-    <dgm:cxn modelId="{C47A67C2-E4BF-4848-9584-00E18270C7E8}" type="presParOf" srcId="{87C6A373-3038-4E44-9087-F2243A1EACEE}" destId="{6EC28929-9FE5-42B7-8CED-15F35E96EE1C}" srcOrd="6" destOrd="0" presId="urn:microsoft.com/office/officeart/2005/8/layout/arrow2"/>
-    <dgm:cxn modelId="{CE43B055-909A-477F-AA02-F850783531C0}" type="presParOf" srcId="{87C6A373-3038-4E44-9087-F2243A1EACEE}" destId="{8F02B3E5-ED56-463D-9A2B-8E6E57BDCB18}" srcOrd="7" destOrd="0" presId="urn:microsoft.com/office/officeart/2005/8/layout/arrow2"/>
-  </dgm:cxnLst>
-  <dgm:bg/>
-  <dgm:whole/>
-  <dgm:extLst>
-    <a:ext uri="http://schemas.microsoft.com/office/drawing/2008/diagram">
-      <dsp:dataModelExt xmlns:dsp="http://schemas.microsoft.com/office/drawing/2008/diagram" relId="rId6" minVer="http://schemas.openxmlformats.org/drawingml/2006/diagram"/>
-    </a:ext>
-  </dgm:extLst>
-</dgm:dataModel>
-</file>
-
-<file path=ppt/diagrams/drawing1.xml><?xml version="1.0" encoding="utf-8"?>
-<dsp:drawing xmlns:dgm="http://schemas.openxmlformats.org/drawingml/2006/diagram" xmlns:dsp="http://schemas.microsoft.com/office/drawing/2008/diagram" xmlns:a="http://schemas.openxmlformats.org/drawingml/2006/main">
-  <dsp:spTree>
-    <dsp:nvGrpSpPr>
-      <dsp:cNvPr id="0" name=""/>
-      <dsp:cNvGrpSpPr/>
-    </dsp:nvGrpSpPr>
-    <dsp:grpSpPr/>
-    <dsp:sp modelId="{44FE4485-F431-4155-9E60-660F03471BE3}">
-      <dsp:nvSpPr>
-        <dsp:cNvPr id="0" name=""/>
-        <dsp:cNvSpPr/>
-      </dsp:nvSpPr>
-      <dsp:spPr>
-        <a:xfrm>
-          <a:off x="1279842" y="0"/>
-          <a:ext cx="6949440" cy="4343400"/>
-        </a:xfrm>
-        <a:prstGeom prst="swooshArrow">
-          <a:avLst>
-            <a:gd name="adj1" fmla="val 25000"/>
-            <a:gd name="adj2" fmla="val 25000"/>
-          </a:avLst>
-        </a:prstGeom>
-        <a:solidFill>
-          <a:schemeClr val="accent1">
-            <a:tint val="40000"/>
-            <a:hueOff val="0"/>
-            <a:satOff val="0"/>
-            <a:lumOff val="0"/>
-            <a:alphaOff val="0"/>
-          </a:schemeClr>
-        </a:solidFill>
-        <a:ln>
-          <a:noFill/>
-        </a:ln>
-        <a:effectLst/>
-      </dsp:spPr>
-      <dsp:style>
-        <a:lnRef idx="0">
-          <a:scrgbClr r="0" g="0" b="0"/>
-        </a:lnRef>
-        <a:fillRef idx="1">
-          <a:scrgbClr r="0" g="0" b="0"/>
-        </a:fillRef>
-        <a:effectRef idx="1">
-          <a:scrgbClr r="0" g="0" b="0"/>
-        </a:effectRef>
-        <a:fontRef idx="minor"/>
-      </dsp:style>
-    </dsp:sp>
-    <dsp:sp modelId="{B55B0671-8D15-4335-922A-B69443143D73}">
-      <dsp:nvSpPr>
-        <dsp:cNvPr id="0" name=""/>
-        <dsp:cNvSpPr/>
-      </dsp:nvSpPr>
-      <dsp:spPr>
-        <a:xfrm>
-          <a:off x="1964362" y="3229752"/>
-          <a:ext cx="159837" cy="159837"/>
-        </a:xfrm>
-        <a:prstGeom prst="ellipse">
-          <a:avLst/>
-        </a:prstGeom>
-        <a:gradFill rotWithShape="0">
-          <a:gsLst>
-            <a:gs pos="0">
-              <a:schemeClr val="accent1">
-                <a:alpha val="90000"/>
-                <a:hueOff val="0"/>
-                <a:satOff val="0"/>
-                <a:lumOff val="0"/>
-                <a:alphaOff val="0"/>
-                <a:lumMod val="110000"/>
-                <a:satMod val="105000"/>
-                <a:tint val="67000"/>
-              </a:schemeClr>
-            </a:gs>
-            <a:gs pos="50000">
-              <a:schemeClr val="accent1">
-                <a:alpha val="90000"/>
-                <a:hueOff val="0"/>
-                <a:satOff val="0"/>
-                <a:lumOff val="0"/>
-                <a:alphaOff val="0"/>
-                <a:lumMod val="105000"/>
-                <a:satMod val="103000"/>
-                <a:tint val="73000"/>
-              </a:schemeClr>
-            </a:gs>
-            <a:gs pos="100000">
-              <a:schemeClr val="accent1">
-                <a:alpha val="90000"/>
-                <a:hueOff val="0"/>
-                <a:satOff val="0"/>
-                <a:lumOff val="0"/>
-                <a:alphaOff val="0"/>
-                <a:lumMod val="105000"/>
-                <a:satMod val="109000"/>
-                <a:tint val="81000"/>
-              </a:schemeClr>
-            </a:gs>
-          </a:gsLst>
-          <a:lin ang="5400000" scaled="0"/>
-        </a:gradFill>
-        <a:ln>
-          <a:noFill/>
-        </a:ln>
-        <a:effectLst/>
-        <a:scene3d>
-          <a:camera prst="orthographicFront"/>
-          <a:lightRig rig="flat" dir="t"/>
-        </a:scene3d>
-        <a:sp3d prstMaterial="dkEdge">
-          <a:bevelT w="8200" h="38100"/>
-        </a:sp3d>
-      </dsp:spPr>
-      <dsp:style>
-        <a:lnRef idx="0">
-          <a:scrgbClr r="0" g="0" b="0"/>
-        </a:lnRef>
-        <a:fillRef idx="2">
-          <a:scrgbClr r="0" g="0" b="0"/>
-        </a:fillRef>
-        <a:effectRef idx="1">
-          <a:scrgbClr r="0" g="0" b="0"/>
-        </a:effectRef>
-        <a:fontRef idx="minor">
-          <a:schemeClr val="dk1"/>
-        </a:fontRef>
-      </dsp:style>
-    </dsp:sp>
-    <dsp:sp modelId="{B2DB54D8-082E-482E-A3FA-DB8CBC303C0B}">
-      <dsp:nvSpPr>
-        <dsp:cNvPr id="0" name=""/>
-        <dsp:cNvSpPr/>
-      </dsp:nvSpPr>
-      <dsp:spPr>
-        <a:xfrm>
-          <a:off x="2044280" y="3309670"/>
-          <a:ext cx="1188354" cy="1033729"/>
-        </a:xfrm>
-        <a:prstGeom prst="rect">
-          <a:avLst/>
-        </a:prstGeom>
-        <a:noFill/>
-        <a:ln>
-          <a:noFill/>
-        </a:ln>
-        <a:effectLst/>
-      </dsp:spPr>
-      <dsp:style>
-        <a:lnRef idx="0">
-          <a:scrgbClr r="0" g="0" b="0"/>
-        </a:lnRef>
-        <a:fillRef idx="0">
-          <a:scrgbClr r="0" g="0" b="0"/>
-        </a:fillRef>
-        <a:effectRef idx="0">
-          <a:scrgbClr r="0" g="0" b="0"/>
-        </a:effectRef>
-        <a:fontRef idx="minor"/>
-      </dsp:style>
-      <dsp:txBody>
-        <a:bodyPr spcFirstLastPara="0" vert="horz" wrap="square" lIns="84694" tIns="0" rIns="0" bIns="0" numCol="1" spcCol="1270" anchor="t" anchorCtr="0">
-          <a:noAutofit/>
-        </a:bodyPr>
-        <a:lstStyle/>
-        <a:p>
-          <a:pPr lvl="0" algn="l" defTabSz="1555750">
-            <a:lnSpc>
-              <a:spcPct val="90000"/>
-            </a:lnSpc>
-            <a:spcBef>
-              <a:spcPct val="0"/>
-            </a:spcBef>
-            <a:spcAft>
-              <a:spcPct val="35000"/>
-            </a:spcAft>
-          </a:pPr>
-          <a:r>
-            <a:rPr lang="en-US" sz="3500" kern="1200" dirty="0" smtClean="0"/>
-            <a:t>Step 1 Title</a:t>
-          </a:r>
-          <a:endParaRPr lang="en-US" sz="3500" kern="1200" dirty="0"/>
-        </a:p>
-      </dsp:txBody>
-      <dsp:txXfrm>
-        <a:off x="2044280" y="3309670"/>
-        <a:ext cx="1188354" cy="1033729"/>
-      </dsp:txXfrm>
-    </dsp:sp>
-    <dsp:sp modelId="{C260311A-CA3F-4782-A499-D0E1A38755FC}">
-      <dsp:nvSpPr>
-        <dsp:cNvPr id="0" name=""/>
-        <dsp:cNvSpPr/>
-      </dsp:nvSpPr>
-      <dsp:spPr>
-        <a:xfrm>
-          <a:off x="3093646" y="2219477"/>
-          <a:ext cx="277977" cy="277977"/>
-        </a:xfrm>
-        <a:prstGeom prst="ellipse">
-          <a:avLst/>
-        </a:prstGeom>
-        <a:gradFill rotWithShape="0">
-          <a:gsLst>
-            <a:gs pos="0">
-              <a:schemeClr val="accent1">
-                <a:alpha val="90000"/>
-                <a:hueOff val="0"/>
-                <a:satOff val="0"/>
-                <a:lumOff val="0"/>
-                <a:alphaOff val="-13333"/>
-                <a:lumMod val="110000"/>
-                <a:satMod val="105000"/>
-                <a:tint val="67000"/>
-              </a:schemeClr>
-            </a:gs>
-            <a:gs pos="50000">
-              <a:schemeClr val="accent1">
-                <a:alpha val="90000"/>
-                <a:hueOff val="0"/>
-                <a:satOff val="0"/>
-                <a:lumOff val="0"/>
-                <a:alphaOff val="-13333"/>
-                <a:lumMod val="105000"/>
-                <a:satMod val="103000"/>
-                <a:tint val="73000"/>
-              </a:schemeClr>
-            </a:gs>
-            <a:gs pos="100000">
-              <a:schemeClr val="accent1">
-                <a:alpha val="90000"/>
-                <a:hueOff val="0"/>
-                <a:satOff val="0"/>
-                <a:lumOff val="0"/>
-                <a:alphaOff val="-13333"/>
-                <a:lumMod val="105000"/>
-                <a:satMod val="109000"/>
-                <a:tint val="81000"/>
-              </a:schemeClr>
-            </a:gs>
-          </a:gsLst>
-          <a:lin ang="5400000" scaled="0"/>
-        </a:gradFill>
-        <a:ln>
-          <a:noFill/>
-        </a:ln>
-        <a:effectLst/>
-        <a:scene3d>
-          <a:camera prst="orthographicFront"/>
-          <a:lightRig rig="flat" dir="t"/>
-        </a:scene3d>
-        <a:sp3d prstMaterial="dkEdge">
-          <a:bevelT w="8200" h="38100"/>
-        </a:sp3d>
-      </dsp:spPr>
-      <dsp:style>
-        <a:lnRef idx="0">
-          <a:scrgbClr r="0" g="0" b="0"/>
-        </a:lnRef>
-        <a:fillRef idx="2">
-          <a:scrgbClr r="0" g="0" b="0"/>
-        </a:fillRef>
-        <a:effectRef idx="1">
-          <a:scrgbClr r="0" g="0" b="0"/>
-        </a:effectRef>
-        <a:fontRef idx="minor">
-          <a:schemeClr val="dk1"/>
-        </a:fontRef>
-      </dsp:style>
-    </dsp:sp>
-    <dsp:sp modelId="{F676EDF9-5FB4-4F01-B777-5AEB6F4D27DA}">
-      <dsp:nvSpPr>
-        <dsp:cNvPr id="0" name=""/>
-        <dsp:cNvSpPr/>
-      </dsp:nvSpPr>
-      <dsp:spPr>
-        <a:xfrm>
-          <a:off x="3232635" y="2358466"/>
-          <a:ext cx="1459382" cy="1984933"/>
-        </a:xfrm>
-        <a:prstGeom prst="rect">
-          <a:avLst/>
-        </a:prstGeom>
-        <a:noFill/>
-        <a:ln>
-          <a:noFill/>
-        </a:ln>
-        <a:effectLst/>
-      </dsp:spPr>
-      <dsp:style>
-        <a:lnRef idx="0">
-          <a:scrgbClr r="0" g="0" b="0"/>
-        </a:lnRef>
-        <a:fillRef idx="0">
-          <a:scrgbClr r="0" g="0" b="0"/>
-        </a:fillRef>
-        <a:effectRef idx="0">
-          <a:scrgbClr r="0" g="0" b="0"/>
-        </a:effectRef>
-        <a:fontRef idx="minor"/>
-      </dsp:style>
-      <dsp:txBody>
-        <a:bodyPr spcFirstLastPara="0" vert="horz" wrap="square" lIns="147295" tIns="0" rIns="0" bIns="0" numCol="1" spcCol="1270" anchor="t" anchorCtr="0">
-          <a:noAutofit/>
-        </a:bodyPr>
-        <a:lstStyle/>
-        <a:p>
-          <a:pPr lvl="0" algn="l" defTabSz="1555750">
-            <a:lnSpc>
-              <a:spcPct val="90000"/>
-            </a:lnSpc>
-            <a:spcBef>
-              <a:spcPct val="0"/>
-            </a:spcBef>
-            <a:spcAft>
-              <a:spcPct val="35000"/>
-            </a:spcAft>
-          </a:pPr>
-          <a:r>
-            <a:rPr lang="en-US" sz="3500" kern="1200" dirty="0" smtClean="0"/>
-            <a:t>Step 2 Title</a:t>
-          </a:r>
-          <a:endParaRPr lang="en-US" sz="3500" kern="1200" dirty="0"/>
-        </a:p>
-      </dsp:txBody>
-      <dsp:txXfrm>
-        <a:off x="3232635" y="2358466"/>
-        <a:ext cx="1459382" cy="1984933"/>
-      </dsp:txXfrm>
-    </dsp:sp>
-    <dsp:sp modelId="{1D68FD1C-90B9-4749-B537-6D817A256946}">
-      <dsp:nvSpPr>
-        <dsp:cNvPr id="0" name=""/>
-        <dsp:cNvSpPr/>
-      </dsp:nvSpPr>
-      <dsp:spPr>
-        <a:xfrm>
-          <a:off x="4535655" y="1475018"/>
-          <a:ext cx="368320" cy="368320"/>
-        </a:xfrm>
-        <a:prstGeom prst="ellipse">
-          <a:avLst/>
-        </a:prstGeom>
-        <a:gradFill rotWithShape="0">
-          <a:gsLst>
-            <a:gs pos="0">
-              <a:schemeClr val="accent1">
-                <a:alpha val="90000"/>
-                <a:hueOff val="0"/>
-                <a:satOff val="0"/>
-                <a:lumOff val="0"/>
-                <a:alphaOff val="-26667"/>
-                <a:lumMod val="110000"/>
-                <a:satMod val="105000"/>
-                <a:tint val="67000"/>
-              </a:schemeClr>
-            </a:gs>
-            <a:gs pos="50000">
-              <a:schemeClr val="accent1">
-                <a:alpha val="90000"/>
-                <a:hueOff val="0"/>
-                <a:satOff val="0"/>
-                <a:lumOff val="0"/>
-                <a:alphaOff val="-26667"/>
-                <a:lumMod val="105000"/>
-                <a:satMod val="103000"/>
-                <a:tint val="73000"/>
-              </a:schemeClr>
-            </a:gs>
-            <a:gs pos="100000">
-              <a:schemeClr val="accent1">
-                <a:alpha val="90000"/>
-                <a:hueOff val="0"/>
-                <a:satOff val="0"/>
-                <a:lumOff val="0"/>
-                <a:alphaOff val="-26667"/>
-                <a:lumMod val="105000"/>
-                <a:satMod val="109000"/>
-                <a:tint val="81000"/>
-              </a:schemeClr>
-            </a:gs>
-          </a:gsLst>
-          <a:lin ang="5400000" scaled="0"/>
-        </a:gradFill>
-        <a:ln>
-          <a:noFill/>
-        </a:ln>
-        <a:effectLst/>
-        <a:scene3d>
-          <a:camera prst="orthographicFront"/>
-          <a:lightRig rig="flat" dir="t"/>
-        </a:scene3d>
-        <a:sp3d prstMaterial="dkEdge">
-          <a:bevelT w="8200" h="38100"/>
-        </a:sp3d>
-      </dsp:spPr>
-      <dsp:style>
-        <a:lnRef idx="0">
-          <a:scrgbClr r="0" g="0" b="0"/>
-        </a:lnRef>
-        <a:fillRef idx="2">
-          <a:scrgbClr r="0" g="0" b="0"/>
-        </a:fillRef>
-        <a:effectRef idx="1">
-          <a:scrgbClr r="0" g="0" b="0"/>
-        </a:effectRef>
-        <a:fontRef idx="minor">
-          <a:schemeClr val="dk1"/>
-        </a:fontRef>
-      </dsp:style>
-    </dsp:sp>
-    <dsp:sp modelId="{F10BBA50-8303-48E1-8334-5A442F36FF53}">
-      <dsp:nvSpPr>
-        <dsp:cNvPr id="0" name=""/>
-        <dsp:cNvSpPr/>
-      </dsp:nvSpPr>
-      <dsp:spPr>
-        <a:xfrm>
-          <a:off x="4719815" y="1659178"/>
-          <a:ext cx="1459382" cy="2684221"/>
-        </a:xfrm>
-        <a:prstGeom prst="rect">
-          <a:avLst/>
-        </a:prstGeom>
-        <a:noFill/>
-        <a:ln>
-          <a:noFill/>
-        </a:ln>
-        <a:effectLst/>
-      </dsp:spPr>
-      <dsp:style>
-        <a:lnRef idx="0">
-          <a:scrgbClr r="0" g="0" b="0"/>
-        </a:lnRef>
-        <a:fillRef idx="0">
-          <a:scrgbClr r="0" g="0" b="0"/>
-        </a:fillRef>
-        <a:effectRef idx="0">
-          <a:scrgbClr r="0" g="0" b="0"/>
-        </a:effectRef>
-        <a:fontRef idx="minor"/>
-      </dsp:style>
-      <dsp:txBody>
-        <a:bodyPr spcFirstLastPara="0" vert="horz" wrap="square" lIns="195165" tIns="0" rIns="0" bIns="0" numCol="1" spcCol="1270" anchor="t" anchorCtr="0">
-          <a:noAutofit/>
-        </a:bodyPr>
-        <a:lstStyle/>
-        <a:p>
-          <a:pPr lvl="0" algn="l" defTabSz="1555750">
-            <a:lnSpc>
-              <a:spcPct val="90000"/>
-            </a:lnSpc>
-            <a:spcBef>
-              <a:spcPct val="0"/>
-            </a:spcBef>
-            <a:spcAft>
-              <a:spcPct val="35000"/>
-            </a:spcAft>
-          </a:pPr>
-          <a:r>
-            <a:rPr lang="en-US" sz="3500" kern="1200" dirty="0" smtClean="0"/>
-            <a:t>Step 3 Title</a:t>
-          </a:r>
-          <a:endParaRPr lang="en-US" sz="3500" kern="1200" dirty="0"/>
-        </a:p>
-      </dsp:txBody>
-      <dsp:txXfrm>
-        <a:off x="4719815" y="1659178"/>
-        <a:ext cx="1459382" cy="2684221"/>
-      </dsp:txXfrm>
-    </dsp:sp>
-    <dsp:sp modelId="{6EC28929-9FE5-42B7-8CED-15F35E96EE1C}">
-      <dsp:nvSpPr>
-        <dsp:cNvPr id="0" name=""/>
-        <dsp:cNvSpPr/>
-      </dsp:nvSpPr>
-      <dsp:spPr>
-        <a:xfrm>
-          <a:off x="6106228" y="982477"/>
-          <a:ext cx="493410" cy="493410"/>
-        </a:xfrm>
-        <a:prstGeom prst="ellipse">
-          <a:avLst/>
-        </a:prstGeom>
-        <a:gradFill rotWithShape="0">
-          <a:gsLst>
-            <a:gs pos="0">
-              <a:schemeClr val="accent1">
-                <a:alpha val="90000"/>
-                <a:hueOff val="0"/>
-                <a:satOff val="0"/>
-                <a:lumOff val="0"/>
-                <a:alphaOff val="-40000"/>
-                <a:lumMod val="110000"/>
-                <a:satMod val="105000"/>
-                <a:tint val="67000"/>
-              </a:schemeClr>
-            </a:gs>
-            <a:gs pos="50000">
-              <a:schemeClr val="accent1">
-                <a:alpha val="90000"/>
-                <a:hueOff val="0"/>
-                <a:satOff val="0"/>
-                <a:lumOff val="0"/>
-                <a:alphaOff val="-40000"/>
-                <a:lumMod val="105000"/>
-                <a:satMod val="103000"/>
-                <a:tint val="73000"/>
-              </a:schemeClr>
-            </a:gs>
-            <a:gs pos="100000">
-              <a:schemeClr val="accent1">
-                <a:alpha val="90000"/>
-                <a:hueOff val="0"/>
-                <a:satOff val="0"/>
-                <a:lumOff val="0"/>
-                <a:alphaOff val="-40000"/>
-                <a:lumMod val="105000"/>
-                <a:satMod val="109000"/>
-                <a:tint val="81000"/>
-              </a:schemeClr>
-            </a:gs>
-          </a:gsLst>
-          <a:lin ang="5400000" scaled="0"/>
-        </a:gradFill>
-        <a:ln>
-          <a:noFill/>
-        </a:ln>
-        <a:effectLst/>
-        <a:scene3d>
-          <a:camera prst="orthographicFront"/>
-          <a:lightRig rig="flat" dir="t"/>
-        </a:scene3d>
-        <a:sp3d prstMaterial="dkEdge">
-          <a:bevelT w="8200" h="38100"/>
-        </a:sp3d>
-      </dsp:spPr>
-      <dsp:style>
-        <a:lnRef idx="0">
-          <a:scrgbClr r="0" g="0" b="0"/>
-        </a:lnRef>
-        <a:fillRef idx="2">
-          <a:scrgbClr r="0" g="0" b="0"/>
-        </a:fillRef>
-        <a:effectRef idx="1">
-          <a:scrgbClr r="0" g="0" b="0"/>
-        </a:effectRef>
-        <a:fontRef idx="minor">
-          <a:schemeClr val="dk1"/>
-        </a:fontRef>
-      </dsp:style>
-    </dsp:sp>
-    <dsp:sp modelId="{8F02B3E5-ED56-463D-9A2B-8E6E57BDCB18}">
-      <dsp:nvSpPr>
-        <dsp:cNvPr id="0" name=""/>
-        <dsp:cNvSpPr/>
-      </dsp:nvSpPr>
-      <dsp:spPr>
-        <a:xfrm>
-          <a:off x="6352933" y="1229182"/>
-          <a:ext cx="1459382" cy="3114217"/>
-        </a:xfrm>
-        <a:prstGeom prst="rect">
-          <a:avLst/>
-        </a:prstGeom>
-        <a:noFill/>
-        <a:ln>
-          <a:noFill/>
-        </a:ln>
-        <a:effectLst/>
-      </dsp:spPr>
-      <dsp:style>
-        <a:lnRef idx="0">
-          <a:scrgbClr r="0" g="0" b="0"/>
-        </a:lnRef>
-        <a:fillRef idx="0">
-          <a:scrgbClr r="0" g="0" b="0"/>
-        </a:fillRef>
-        <a:effectRef idx="0">
-          <a:scrgbClr r="0" g="0" b="0"/>
-        </a:effectRef>
-        <a:fontRef idx="minor"/>
-      </dsp:style>
-      <dsp:txBody>
-        <a:bodyPr spcFirstLastPara="0" vert="horz" wrap="square" lIns="261448" tIns="0" rIns="0" bIns="0" numCol="1" spcCol="1270" anchor="t" anchorCtr="0">
-          <a:noAutofit/>
-        </a:bodyPr>
-        <a:lstStyle/>
-        <a:p>
-          <a:pPr lvl="0" algn="l" defTabSz="1555750">
-            <a:lnSpc>
-              <a:spcPct val="90000"/>
-            </a:lnSpc>
-            <a:spcBef>
-              <a:spcPct val="0"/>
-            </a:spcBef>
-            <a:spcAft>
-              <a:spcPct val="35000"/>
-            </a:spcAft>
-          </a:pPr>
-          <a:r>
-            <a:rPr lang="en-US" sz="3500" kern="1200" dirty="0" smtClean="0"/>
-            <a:t>Step 4 Title</a:t>
-          </a:r>
-          <a:endParaRPr lang="en-US" sz="3500" kern="1200" dirty="0"/>
-        </a:p>
-      </dsp:txBody>
-      <dsp:txXfrm>
-        <a:off x="6352933" y="1229182"/>
-        <a:ext cx="1459382" cy="3114217"/>
-      </dsp:txXfrm>
-    </dsp:sp>
-  </dsp:spTree>
-</dsp:drawing>
-</file>
-
-<file path=ppt/diagrams/layout1.xml><?xml version="1.0" encoding="utf-8"?>
-<dgm:layoutDef xmlns:dgm="http://schemas.openxmlformats.org/drawingml/2006/diagram" xmlns:a="http://schemas.openxmlformats.org/drawingml/2006/main" uniqueId="urn:microsoft.com/office/officeart/2005/8/layout/arrow2">
-  <dgm:title val=""/>
-  <dgm:desc val=""/>
-  <dgm:catLst>
-    <dgm:cat type="process" pri="23000"/>
-  </dgm:catLst>
-  <dgm:sampData useDef="1">
-    <dgm:dataModel>
-      <dgm:ptLst/>
-      <dgm:bg/>
-      <dgm:whole/>
-    </dgm:dataModel>
-  </dgm:sampData>
-  <dgm:styleData>
-    <dgm:dataModel>
-      <dgm:ptLst>
-        <dgm:pt modelId="0" type="doc"/>
-        <dgm:pt modelId="1"/>
-        <dgm:pt modelId="2"/>
-      </dgm:ptLst>
-      <dgm:cxnLst>
-        <dgm:cxn modelId="3" srcId="0" destId="1" srcOrd="0" destOrd="0"/>
-        <dgm:cxn modelId="4" srcId="0" destId="2" srcOrd="1" destOrd="0"/>
-      </dgm:cxnLst>
-      <dgm:bg/>
-      <dgm:whole/>
-    </dgm:dataModel>
-  </dgm:styleData>
-  <dgm:clrData>
-    <dgm:dataModel>
-      <dgm:ptLst>
-        <dgm:pt modelId="0" type="doc"/>
-        <dgm:pt modelId="1"/>
-        <dgm:pt modelId="2"/>
-        <dgm:pt modelId="3"/>
-        <dgm:pt modelId="4"/>
-      </dgm:ptLst>
-      <dgm:cxnLst>
-        <dgm:cxn modelId="5" srcId="0" destId="1" srcOrd="0" destOrd="0"/>
-        <dgm:cxn modelId="6" srcId="0" destId="2" srcOrd="1" destOrd="0"/>
-        <dgm:cxn modelId="7" srcId="0" destId="3" srcOrd="2" destOrd="0"/>
-        <dgm:cxn modelId="8" srcId="0" destId="4" srcOrd="3" destOrd="0"/>
-      </dgm:cxnLst>
-      <dgm:bg/>
-      <dgm:whole/>
-    </dgm:dataModel>
-  </dgm:clrData>
-  <dgm:layoutNode name="arrowDiagram">
-    <dgm:varLst>
-      <dgm:chMax val="5"/>
-      <dgm:dir/>
-      <dgm:resizeHandles val="exact"/>
-    </dgm:varLst>
-    <dgm:alg type="composite">
-      <dgm:param type="ar" val="1.6"/>
-    </dgm:alg>
-    <dgm:shape xmlns:r="http://schemas.openxmlformats.org/officeDocument/2006/relationships" r:blip="">
-      <dgm:adjLst/>
-    </dgm:shape>
-    <dgm:presOf/>
-    <dgm:constrLst>
-      <dgm:constr type="l" for="ch" forName="arrow"/>
-      <dgm:constr type="t" for="ch" forName="arrow"/>
-      <dgm:constr type="w" for="ch" forName="arrow" refType="w"/>
-      <dgm:constr type="h" for="ch" forName="arrow" refType="h"/>
-      <dgm:constr type="ctrX" for="ch" forName="arrowDiagram1" refType="w" fact="0.5"/>
-      <dgm:constr type="ctrY" for="ch" forName="arrowDiagram1" refType="h" fact="0.5"/>
-      <dgm:constr type="w" for="ch" forName="arrowDiagram1" refType="w"/>
-      <dgm:constr type="h" for="ch" forName="arrowDiagram1" refType="h"/>
-      <dgm:constr type="ctrX" for="ch" forName="arrowDiagram2" refType="w" fact="0.5"/>
-      <dgm:constr type="ctrY" for="ch" forName="arrowDiagram2" refType="h" fact="0.5"/>
-      <dgm:constr type="w" for="ch" forName="arrowDiagram2" refType="w"/>
-      <dgm:constr type="h" for="ch" forName="arrowDiagram2" refType="h"/>
-      <dgm:constr type="ctrX" for="ch" forName="arrowDiagram3" refType="w" fact="0.5"/>
-      <dgm:constr type="ctrY" for="ch" forName="arrowDiagram3" refType="h" fact="0.5"/>
-      <dgm:constr type="w" for="ch" forName="arrowDiagram3" refType="w"/>
-      <dgm:constr type="h" for="ch" forName="arrowDiagram3" refType="h"/>
-      <dgm:constr type="ctrX" for="ch" forName="arrowDiagram4" refType="w" fact="0.5"/>
-      <dgm:constr type="ctrY" for="ch" forName="arrowDiagram4" refType="h" fact="0.5"/>
-      <dgm:constr type="w" for="ch" forName="arrowDiagram4" refType="w"/>
-      <dgm:constr type="h" for="ch" forName="arrowDiagram4" refType="h"/>
-      <dgm:constr type="ctrX" for="ch" forName="arrowDiagram5" refType="w" fact="0.5"/>
-      <dgm:constr type="ctrY" for="ch" forName="arrowDiagram5" refType="h" fact="0.5"/>
-      <dgm:constr type="w" for="ch" forName="arrowDiagram5" refType="w"/>
-      <dgm:constr type="h" for="ch" forName="arrowDiagram5" refType="h"/>
-    </dgm:constrLst>
-    <dgm:ruleLst/>
-    <dgm:choose name="Name0">
-      <dgm:if name="Name1" axis="ch" ptType="node" func="cnt" op="gte" val="1">
-        <dgm:layoutNode name="arrow" styleLbl="bgShp">
-          <dgm:alg type="sp"/>
-          <dgm:shape xmlns:r="http://schemas.openxmlformats.org/officeDocument/2006/relationships" type="swooshArrow" r:blip="">
-            <dgm:adjLst>
-              <dgm:adj idx="2" val="0.25"/>
-            </dgm:adjLst>
-          </dgm:shape>
-          <dgm:presOf/>
-          <dgm:constrLst/>
-          <dgm:ruleLst/>
-        </dgm:layoutNode>
-        <dgm:choose name="Name2">
-          <dgm:if name="Name3" axis="ch" ptType="node" func="cnt" op="lt" val="1"/>
-          <dgm:if name="Name4" axis="ch" ptType="node" func="cnt" op="equ" val="1">
-            <dgm:layoutNode name="arrowDiagram1">
-              <dgm:varLst>
-                <dgm:bulletEnabled val="1"/>
-              </dgm:varLst>
-              <dgm:alg type="composite">
-                <dgm:param type="vertAlign" val="none"/>
-                <dgm:param type="horzAlign" val="none"/>
-              </dgm:alg>
-              <dgm:shape xmlns:r="http://schemas.openxmlformats.org/officeDocument/2006/relationships" r:blip="">
-                <dgm:adjLst/>
-              </dgm:shape>
-              <dgm:presOf/>
-              <dgm:constrLst>
-                <dgm:constr type="ctrX" for="ch" forName="bullet1" refType="w" fact="0.8"/>
-                <dgm:constr type="ctrY" for="ch" forName="bullet1" refType="h" fact="0.262"/>
-                <dgm:constr type="w" for="ch" forName="bullet1" refType="w" fact="0.074"/>
-                <dgm:constr type="h" for="ch" forName="bullet1" refType="w" refFor="ch" refForName="bullet1"/>
-                <dgm:constr type="r" for="ch" forName="textBox1" refType="ctrX" refFor="ch" refForName="bullet1"/>
-                <dgm:constr type="t" for="ch" forName="textBox1" refType="ctrY" refFor="ch" refForName="bullet1"/>
-                <dgm:constr type="w" for="ch" forName="textBox1" refType="w" fact="0.4"/>
-                <dgm:constr type="h" for="ch" forName="textBox1" refType="h" fact="0.738"/>
-                <dgm:constr type="userA" refType="h" refFor="ch" refForName="bullet1" fact="0.53"/>
-                <dgm:constr type="rMarg" for="ch" forName="textBox1" refType="userA" fact="2.834"/>
-                <dgm:constr type="primFontSz" for="ch" ptType="node" op="equ" val="65"/>
-              </dgm:constrLst>
-              <dgm:ruleLst/>
-              <dgm:forEach name="Name5" axis="ch" ptType="node" cnt="1">
-                <dgm:layoutNode name="bullet1" styleLbl="node1">
-                  <dgm:alg type="sp"/>
-                  <dgm:shape xmlns:r="http://schemas.openxmlformats.org/officeDocument/2006/relationships" type="ellipse" r:blip="">
-                    <dgm:adjLst/>
-                  </dgm:shape>
-                  <dgm:presOf/>
-                  <dgm:constrLst/>
-                  <dgm:ruleLst/>
-                </dgm:layoutNode>
-                <dgm:layoutNode name="textBox1" styleLbl="revTx">
-                  <dgm:varLst>
-                    <dgm:bulletEnabled val="1"/>
-                  </dgm:varLst>
-                  <dgm:alg type="tx">
-                    <dgm:param type="txAnchorVert" val="t"/>
-                    <dgm:param type="parTxLTRAlign" val="r"/>
-                    <dgm:param type="parTxRTLAlign" val="r"/>
-                  </dgm:alg>
-                  <dgm:shape xmlns:r="http://schemas.openxmlformats.org/officeDocument/2006/relationships" type="round2DiagRect" r:blip="">
-                    <dgm:adjLst/>
-                  </dgm:shape>
-                  <dgm:presOf axis="desOrSelf" ptType="node"/>
-                  <dgm:constrLst>
-                    <dgm:constr type="lMarg"/>
-                    <dgm:constr type="tMarg"/>
-                    <dgm:constr type="bMarg"/>
-                  </dgm:constrLst>
-                  <dgm:ruleLst>
-                    <dgm:rule type="primFontSz" val="5" fact="NaN" max="NaN"/>
-                  </dgm:ruleLst>
-                </dgm:layoutNode>
-              </dgm:forEach>
-            </dgm:layoutNode>
-          </dgm:if>
-          <dgm:if name="Name6" axis="ch" ptType="node" func="cnt" op="equ" val="2">
-            <dgm:layoutNode name="arrowDiagram2">
-              <dgm:alg type="composite">
-                <dgm:param type="vertAlign" val="none"/>
-                <dgm:param type="horzAlign" val="none"/>
-              </dgm:alg>
-              <dgm:shape xmlns:r="http://schemas.openxmlformats.org/officeDocument/2006/relationships" r:blip="">
-                <dgm:adjLst/>
-              </dgm:shape>
-              <dgm:presOf/>
-              <dgm:choose name="Name7">
-                <dgm:if name="Name8" func="var" arg="dir" op="equ" val="norm">
-                  <dgm:constrLst>
-                    <dgm:constr type="ctrX" for="ch" forName="bullet2a" refType="w" fact="0.25"/>
-                    <dgm:constr type="ctrY" for="ch" forName="bullet2a" refType="h" fact="0.573"/>
-                    <dgm:constr type="w" for="ch" forName="bullet2a" refType="w" fact="0.035"/>
-                    <dgm:constr type="h" for="ch" forName="bullet2a" refType="w" refFor="ch" refForName="bullet2a"/>
-                    <dgm:constr type="l" for="ch" forName="textBox2a" refType="ctrX" refFor="ch" refForName="bullet2a"/>
-                    <dgm:constr type="t" for="ch" forName="textBox2a" refType="ctrY" refFor="ch" refForName="bullet2a"/>
-                    <dgm:constr type="w" for="ch" forName="textBox2a" refType="w" fact="0.325"/>
-                    <dgm:constr type="h" for="ch" forName="textBox2a" refType="h" fact="0.427"/>
-                    <dgm:constr type="userA" refType="h" refFor="ch" refForName="bullet2a" fact="0.53"/>
-                    <dgm:constr type="lMarg" for="ch" forName="textBox2a" refType="userA" fact="2.834"/>
-                    <dgm:constr type="ctrX" for="ch" forName="bullet2b" refType="w" fact="0.585"/>
-                    <dgm:constr type="ctrY" for="ch" forName="bullet2b" refType="h" fact="0.338"/>
-                    <dgm:constr type="w" for="ch" forName="bullet2b" refType="w" fact="0.06"/>
-                    <dgm:constr type="h" for="ch" forName="bullet2b" refType="w" refFor="ch" refForName="bullet2b"/>
-                    <dgm:constr type="l" for="ch" forName="textBox2b" refType="ctrX" refFor="ch" refForName="bullet2b"/>
-                    <dgm:constr type="t" for="ch" forName="textBox2b" refType="ctrY" refFor="ch" refForName="bullet2b"/>
-                    <dgm:constr type="w" for="ch" forName="textBox2b" refType="w" fact="0.325"/>
-                    <dgm:constr type="h" for="ch" forName="textBox2b" refType="h" fact="0.662"/>
-                    <dgm:constr type="userB" refType="h" refFor="ch" refForName="bullet2b" fact="0.53"/>
-                    <dgm:constr type="lMarg" for="ch" forName="textBox2b" refType="userB" fact="2.834"/>
-                    <dgm:constr type="primFontSz" for="ch" ptType="node" op="equ" val="65"/>
-                  </dgm:constrLst>
-                </dgm:if>
-                <dgm:else name="Name9">
-                  <dgm:constrLst>
-                    <dgm:constr type="ctrX" for="ch" forName="bullet2a" refType="w" fact="0.25"/>
-                    <dgm:constr type="ctrY" for="ch" forName="bullet2a" refType="h" fact="0.573"/>
-                    <dgm:constr type="w" for="ch" forName="bullet2a" refType="w" fact="0.035"/>
-                    <dgm:constr type="h" for="ch" forName="bullet2a" refType="w" refFor="ch" refForName="bullet2a"/>
-                    <dgm:constr type="r" for="ch" forName="textBox2a" refType="ctrX" refFor="ch" refForName="bullet2a"/>
-                    <dgm:constr type="b" for="ch" forName="textBox2a" refType="ctrY" refFor="ch" refForName="bullet2a"/>
-                    <dgm:constr type="w" for="ch" forName="textBox2a" refType="w" fact="0.25"/>
-                    <dgm:constr type="h" for="ch" forName="textBox2a" refType="h" fact="0.573"/>
-                    <dgm:constr type="userA" refType="h" refFor="ch" refForName="bullet2a" fact="0.53"/>
-                    <dgm:constr type="rMarg" for="ch" forName="textBox2a" refType="userA" fact="2.834"/>
-                    <dgm:constr type="ctrX" for="ch" forName="bullet2b" refType="w" fact="0.585"/>
-                    <dgm:constr type="ctrY" for="ch" forName="bullet2b" refType="h" fact="0.338"/>
-                    <dgm:constr type="w" for="ch" forName="bullet2b" refType="w" fact="0.06"/>
-                    <dgm:constr type="h" for="ch" forName="bullet2b" refType="w" refFor="ch" refForName="bullet2b"/>
-                    <dgm:constr type="r" for="ch" forName="textBox2b" refType="ctrX" refFor="ch" refForName="bullet2b"/>
-                    <dgm:constr type="b" for="ch" forName="textBox2b" refType="ctrY" refFor="ch" refForName="bullet2b"/>
-                    <dgm:constr type="w" for="ch" forName="textBox2b" refType="w" fact="0.28"/>
-                    <dgm:constr type="h" for="ch" forName="textBox2b" refType="h" fact="0.338"/>
-                    <dgm:constr type="userB" refType="h" refFor="ch" refForName="bullet2b" fact="0.53"/>
-                    <dgm:constr type="rMarg" for="ch" forName="textBox2b" refType="userB" fact="2.834"/>
-                    <dgm:constr type="primFontSz" for="ch" ptType="node" op="equ" val="65"/>
-                  </dgm:constrLst>
-                </dgm:else>
-              </dgm:choose>
-              <dgm:ruleLst/>
-              <dgm:forEach name="Name10" axis="ch" ptType="node" cnt="1">
-                <dgm:layoutNode name="bullet2a" styleLbl="node1">
-                  <dgm:alg type="sp"/>
-                  <dgm:shape xmlns:r="http://schemas.openxmlformats.org/officeDocument/2006/relationships" type="ellipse" r:blip="">
-                    <dgm:adjLst/>
-                  </dgm:shape>
-                  <dgm:presOf/>
-                  <dgm:constrLst/>
-                  <dgm:ruleLst/>
-                </dgm:layoutNode>
-                <dgm:layoutNode name="textBox2a" styleLbl="revTx">
-                  <dgm:varLst>
-                    <dgm:bulletEnabled val="1"/>
-                  </dgm:varLst>
-                  <dgm:choose name="Name11">
-                    <dgm:if name="Name12" func="var" arg="dir" op="equ" val="norm">
-                      <dgm:choose name="Name13">
-                        <dgm:if name="Name14" axis="root des" ptType="all node" func="maxDepth" op="gt" val="1">
-                          <dgm:alg type="tx">
-                            <dgm:param type="txAnchorVert" val="t"/>
-                            <dgm:param type="parTxLTRAlign" val="l"/>
-                            <dgm:param type="parTxRTLAlign" val="r"/>
-                          </dgm:alg>
-                        </dgm:if>
-                        <dgm:else name="Name15">
-                          <dgm:alg type="tx">
-                            <dgm:param type="txAnchorVert" val="t"/>
-                            <dgm:param type="parTxLTRAlign" val="l"/>
-                            <dgm:param type="parTxRTLAlign" val="l"/>
-                          </dgm:alg>
-                        </dgm:else>
-                      </dgm:choose>
-                    </dgm:if>
-                    <dgm:else name="Name16">
-                      <dgm:choose name="Name17">
-                        <dgm:if name="Name18" axis="root des" ptType="all node" func="maxDepth" op="gt" val="1">
-                          <dgm:alg type="tx">
-                            <dgm:param type="txAnchorVert" val="b"/>
-                            <dgm:param type="txAnchorVertCh" val="b"/>
-                            <dgm:param type="parTxLTRAlign" val="l"/>
-                            <dgm:param type="parTxRTLAlign" val="r"/>
-                          </dgm:alg>
-                        </dgm:if>
-                        <dgm:else name="Name19">
-                          <dgm:alg type="tx">
-                            <dgm:param type="txAnchorVert" val="b"/>
-                            <dgm:param type="parTxLTRAlign" val="r"/>
-                            <dgm:param type="parTxRTLAlign" val="r"/>
-                          </dgm:alg>
-                        </dgm:else>
-                      </dgm:choose>
-                    </dgm:else>
-                  </dgm:choose>
-                  <dgm:shape xmlns:r="http://schemas.openxmlformats.org/officeDocument/2006/relationships" type="rect" r:blip="">
-                    <dgm:adjLst/>
-                  </dgm:shape>
-                  <dgm:presOf axis="desOrSelf" ptType="node"/>
-                  <dgm:choose name="Name20">
-                    <dgm:if name="Name21" func="var" arg="dir" op="equ" val="norm">
-                      <dgm:constrLst>
-                        <dgm:constr type="rMarg"/>
-                        <dgm:constr type="tMarg"/>
-                        <dgm:constr type="bMarg"/>
-                      </dgm:constrLst>
-                    </dgm:if>
-                    <dgm:else name="Name22">
-                      <dgm:constrLst>
-                        <dgm:constr type="lMarg"/>
-                        <dgm:constr type="tMarg"/>
-                        <dgm:constr type="bMarg"/>
-                      </dgm:constrLst>
-                    </dgm:else>
-                  </dgm:choose>
-                  <dgm:ruleLst>
-                    <dgm:rule type="primFontSz" val="5" fact="NaN" max="NaN"/>
-                  </dgm:ruleLst>
-                </dgm:layoutNode>
-              </dgm:forEach>
-              <dgm:forEach name="Name23" axis="ch" ptType="node" st="2" cnt="1">
-                <dgm:layoutNode name="bullet2b" styleLbl="node1">
-                  <dgm:alg type="sp"/>
-                  <dgm:shape xmlns:r="http://schemas.openxmlformats.org/officeDocument/2006/relationships" type="ellipse" r:blip="">
-                    <dgm:adjLst/>
-                  </dgm:shape>
-                  <dgm:presOf/>
-                  <dgm:constrLst/>
-                  <dgm:ruleLst/>
-                </dgm:layoutNode>
-                <dgm:layoutNode name="textBox2b" styleLbl="revTx">
-                  <dgm:varLst>
-                    <dgm:bulletEnabled val="1"/>
-                  </dgm:varLst>
-                  <dgm:choose name="Name24">
-                    <dgm:if name="Name25" func="var" arg="dir" op="equ" val="norm">
-                      <dgm:choose name="Name26">
-                        <dgm:if name="Name27" axis="root des" ptType="all node" func="maxDepth" op="gt" val="1">
-                          <dgm:alg type="tx">
-                            <dgm:param type="txAnchorVert" val="t"/>
-                            <dgm:param type="parTxLTRAlign" val="l"/>
-                            <dgm:param type="parTxRTLAlign" val="r"/>
-                          </dgm:alg>
-                        </dgm:if>
-                        <dgm:else name="Name28">
-                          <dgm:alg type="tx">
-                            <dgm:param type="txAnchorVert" val="t"/>
-                            <dgm:param type="parTxLTRAlign" val="l"/>
-                            <dgm:param type="parTxRTLAlign" val="l"/>
-                          </dgm:alg>
-                        </dgm:else>
-                      </dgm:choose>
-                    </dgm:if>
-                    <dgm:else name="Name29">
-                      <dgm:choose name="Name30">
-                        <dgm:if name="Name31" axis="root des" ptType="all node" func="maxDepth" op="gt" val="1">
-                          <dgm:alg type="tx">
-                            <dgm:param type="txAnchorVert" val="b"/>
-                            <dgm:param type="txAnchorVertCh" val="b"/>
-                            <dgm:param type="parTxLTRAlign" val="l"/>
-                            <dgm:param type="parTxRTLAlign" val="r"/>
-                          </dgm:alg>
-                        </dgm:if>
-                        <dgm:else name="Name32">
-                          <dgm:alg type="tx">
-                            <dgm:param type="txAnchorVert" val="b"/>
-                            <dgm:param type="parTxLTRAlign" val="r"/>
-                            <dgm:param type="parTxRTLAlign" val="r"/>
-                          </dgm:alg>
-                        </dgm:else>
-                      </dgm:choose>
-                    </dgm:else>
-                  </dgm:choose>
-                  <dgm:shape xmlns:r="http://schemas.openxmlformats.org/officeDocument/2006/relationships" type="rect" r:blip="">
-                    <dgm:adjLst/>
-                  </dgm:shape>
-                  <dgm:presOf axis="desOrSelf" ptType="node"/>
-                  <dgm:choose name="Name33">
-                    <dgm:if name="Name34" func="var" arg="dir" op="equ" val="norm">
-                      <dgm:constrLst>
-                        <dgm:constr type="rMarg"/>
-                        <dgm:constr type="tMarg"/>
-                        <dgm:constr type="bMarg"/>
-                      </dgm:constrLst>
-                    </dgm:if>
-                    <dgm:else name="Name35">
-                      <dgm:constrLst>
-                        <dgm:constr type="lMarg"/>
-                        <dgm:constr type="tMarg"/>
-                        <dgm:constr type="bMarg"/>
-                      </dgm:constrLst>
-                    </dgm:else>
-                  </dgm:choose>
-                  <dgm:ruleLst>
-                    <dgm:rule type="primFontSz" val="5" fact="NaN" max="NaN"/>
-                  </dgm:ruleLst>
-                </dgm:layoutNode>
-              </dgm:forEach>
-            </dgm:layoutNode>
-          </dgm:if>
-          <dgm:if name="Name36" axis="ch" ptType="node" func="cnt" op="equ" val="3">
-            <dgm:layoutNode name="arrowDiagram3">
-              <dgm:alg type="composite">
-                <dgm:param type="vertAlign" val="none"/>
-                <dgm:param type="horzAlign" val="none"/>
-              </dgm:alg>
-              <dgm:shape xmlns:r="http://schemas.openxmlformats.org/officeDocument/2006/relationships" r:blip="">
-                <dgm:adjLst/>
-              </dgm:shape>
-              <dgm:presOf/>
-              <dgm:choose name="Name37">
-                <dgm:if name="Name38" func="var" arg="dir" op="equ" val="norm">
-                  <dgm:constrLst>
-                    <dgm:constr type="ctrX" for="ch" forName="bullet3a" refType="w" fact="0.14"/>
-                    <dgm:constr type="ctrY" for="ch" forName="bullet3a" refType="h" fact="0.711"/>
-                    <dgm:constr type="w" for="ch" forName="bullet3a" refType="w" fact="0.026"/>
-                    <dgm:constr type="h" for="ch" forName="bullet3a" refType="w" refFor="ch" refForName="bullet3a"/>
-                    <dgm:constr type="l" for="ch" forName="textBox3a" refType="ctrX" refFor="ch" refForName="bullet3a"/>
-                    <dgm:constr type="t" for="ch" forName="textBox3a" refType="ctrY" refFor="ch" refForName="bullet3a"/>
-                    <dgm:constr type="w" for="ch" forName="textBox3a" refType="w" fact="0.233"/>
-                    <dgm:constr type="h" for="ch" forName="textBox3a" refType="h" fact="0.289"/>
-                    <dgm:constr type="userA" refType="h" refFor="ch" refForName="bullet3a" fact="0.53"/>
-                    <dgm:constr type="lMarg" for="ch" forName="textBox3a" refType="userA" fact="2.834"/>
-                    <dgm:constr type="ctrX" for="ch" forName="bullet3b" refType="w" fact="0.38"/>
-                    <dgm:constr type="ctrY" for="ch" forName="bullet3b" refType="h" fact="0.456"/>
-                    <dgm:constr type="w" for="ch" forName="bullet3b" refType="w" fact="0.047"/>
-                    <dgm:constr type="h" for="ch" forName="bullet3b" refType="w" refFor="ch" refForName="bullet3b"/>
-                    <dgm:constr type="l" for="ch" forName="textBox3b" refType="ctrX" refFor="ch" refForName="bullet3b"/>
-                    <dgm:constr type="t" for="ch" forName="textBox3b" refType="ctrY" refFor="ch" refForName="bullet3b"/>
-                    <dgm:constr type="w" for="ch" forName="textBox3b" refType="w" fact="0.24"/>
-                    <dgm:constr type="h" for="ch" forName="textBox3b" refType="h" fact="0.544"/>
-                    <dgm:constr type="userB" refType="h" refFor="ch" refForName="bullet3b" fact="0.53"/>
-                    <dgm:constr type="lMarg" for="ch" forName="textBox3b" refType="userB" fact="2.834"/>
-                    <dgm:constr type="ctrX" for="ch" forName="bullet3c" refType="w" fact="0.665"/>
-                    <dgm:constr type="ctrY" for="ch" forName="bullet3c" refType="h" fact="0.305"/>
-                    <dgm:constr type="w" for="ch" forName="bullet3c" refType="w" fact="0.065"/>
-                    <dgm:constr type="h" for="ch" forName="bullet3c" refType="w" refFor="ch" refForName="bullet3c"/>
-                    <dgm:constr type="l" for="ch" forName="textBox3c" refType="ctrX" refFor="ch" refForName="bullet3c"/>
-                    <dgm:constr type="t" for="ch" forName="textBox3c" refType="ctrY" refFor="ch" refForName="bullet3c"/>
-                    <dgm:constr type="w" for="ch" forName="textBox3c" refType="w" fact="0.24"/>
-                    <dgm:constr type="h" for="ch" forName="textBox3c" refType="h" fact="0.695"/>
-                    <dgm:constr type="userC" refType="h" refFor="ch" refForName="bullet3c" fact="0.53"/>
-                    <dgm:constr type="lMarg" for="ch" forName="textBox3c" refType="userC" fact="2.834"/>
-                    <dgm:constr type="primFontSz" for="ch" ptType="node" op="equ" val="65"/>
-                  </dgm:constrLst>
-                </dgm:if>
-                <dgm:else name="Name39">
-                  <dgm:constrLst>
-                    <dgm:constr type="ctrX" for="ch" forName="bullet3a" refType="w" fact="0.14"/>
-                    <dgm:constr type="ctrY" for="ch" forName="bullet3a" refType="h" fact="0.711"/>
-                    <dgm:constr type="w" for="ch" forName="bullet3a" refType="w" fact="0.026"/>
-                    <dgm:constr type="h" for="ch" forName="bullet3a" refType="w" refFor="ch" refForName="bullet3a"/>
-                    <dgm:constr type="r" for="ch" forName="textBox3a" refType="ctrX" refFor="ch" refForName="bullet3a"/>
-                    <dgm:constr type="b" for="ch" forName="textBox3a" refType="ctrY" refFor="ch" refForName="bullet3a"/>
-                    <dgm:constr type="w" for="ch" forName="textBox3a" refType="w" fact="0.14"/>
-                    <dgm:constr type="h" for="ch" forName="textBox3a" refType="h" fact="0.711"/>
-                    <dgm:constr type="userA" refType="h" refFor="ch" refForName="bullet3a" fact="0.53"/>
-                    <dgm:constr type="rMarg" for="ch" forName="textBox3a" refType="userA" fact="2.834"/>
-                    <dgm:constr type="ctrX" for="ch" forName="bullet3b" refType="w" fact="0.38"/>
-                    <dgm:constr type="ctrY" for="ch" forName="bullet3b" refType="h" fact="0.456"/>
-                    <dgm:constr type="w" for="ch" forName="bullet3b" refType="w" fact="0.047"/>
-                    <dgm:constr type="h" for="ch" forName="bullet3b" refType="w" refFor="ch" refForName="bullet3b"/>
-                    <dgm:constr type="r" for="ch" forName="textBox3b" refType="ctrX" refFor="ch" refForName="bullet3b"/>
-                    <dgm:constr type="b" for="ch" forName="textBox3b" refType="ctrY" refFor="ch" refForName="bullet3b"/>
-                    <dgm:constr type="w" for="ch" forName="textBox3b" refType="w" fact="0.24"/>
-                    <dgm:constr type="h" for="ch" forName="textBox3b" refType="h" fact="0.456"/>
-                    <dgm:constr type="userB" refType="h" refFor="ch" refForName="bullet3b" fact="0.53"/>
-                    <dgm:constr type="rMarg" for="ch" forName="textBox3b" refType="userB" fact="2.834"/>
-                    <dgm:constr type="ctrX" for="ch" forName="bullet3c" refType="w" fact="0.665"/>
-                    <dgm:constr type="ctrY" for="ch" forName="bullet3c" refType="h" fact="0.305"/>
-                    <dgm:constr type="w" for="ch" forName="bullet3c" refType="w" fact="0.065"/>
-                    <dgm:constr type="h" for="ch" forName="bullet3c" refType="w" refFor="ch" refForName="bullet3c"/>
-                    <dgm:constr type="r" for="ch" forName="textBox3c" refType="ctrX" refFor="ch" refForName="bullet3c"/>
-                    <dgm:constr type="b" for="ch" forName="textBox3c" refType="ctrY" refFor="ch" refForName="bullet3c"/>
-                    <dgm:constr type="w" for="ch" forName="textBox3c" refType="w" fact="0.24"/>
-                    <dgm:constr type="h" for="ch" forName="textBox3c" refType="h" fact="0.305"/>
-                    <dgm:constr type="userC" refType="h" refFor="ch" refForName="bullet3c" fact="0.53"/>
-                    <dgm:constr type="rMarg" for="ch" forName="textBox3c" refType="userC" fact="2.834"/>
-                    <dgm:constr type="primFontSz" for="ch" ptType="node" op="equ" val="65"/>
-                  </dgm:constrLst>
-                </dgm:else>
-              </dgm:choose>
-              <dgm:ruleLst/>
-              <dgm:forEach name="Name40" axis="ch" ptType="node" cnt="1">
-                <dgm:layoutNode name="bullet3a" styleLbl="node1">
-                  <dgm:alg type="sp"/>
-                  <dgm:shape xmlns:r="http://schemas.openxmlformats.org/officeDocument/2006/relationships" type="ellipse" r:blip="">
-                    <dgm:adjLst/>
-                  </dgm:shape>
-                  <dgm:presOf/>
-                  <dgm:constrLst/>
-                  <dgm:ruleLst/>
-                </dgm:layoutNode>
-                <dgm:layoutNode name="textBox3a" styleLbl="revTx">
-                  <dgm:varLst>
-                    <dgm:bulletEnabled val="1"/>
-                  </dgm:varLst>
-                  <dgm:choose name="Name41">
-                    <dgm:if name="Name42" func="var" arg="dir" op="equ" val="norm">
-                      <dgm:choose name="Name43">
-                        <dgm:if name="Name44" axis="root des" ptType="all node" func="maxDepth" op="gt" val="1">
-                          <dgm:alg type="tx">
-                            <dgm:param type="txAnchorVert" val="t"/>
-                            <dgm:param type="parTxLTRAlign" val="l"/>
-                            <dgm:param type="parTxRTLAlign" val="r"/>
-                          </dgm:alg>
-                        </dgm:if>
-                        <dgm:else name="Name45">
-                          <dgm:alg type="tx">
-                            <dgm:param type="txAnchorVert" val="t"/>
-                            <dgm:param type="parTxLTRAlign" val="l"/>
-                            <dgm:param type="parTxRTLAlign" val="l"/>
-                          </dgm:alg>
-                        </dgm:else>
-                      </dgm:choose>
-                    </dgm:if>
-                    <dgm:else name="Name46">
-                      <dgm:choose name="Name47">
-                        <dgm:if name="Name48" axis="root des" ptType="all node" func="maxDepth" op="gt" val="1">
-                          <dgm:alg type="tx">
-                            <dgm:param type="txAnchorVert" val="b"/>
-                            <dgm:param type="txAnchorVertCh" val="b"/>
-                            <dgm:param type="parTxLTRAlign" val="l"/>
-                            <dgm:param type="parTxRTLAlign" val="r"/>
-                          </dgm:alg>
-                        </dgm:if>
-                        <dgm:else name="Name49">
-                          <dgm:alg type="tx">
-                            <dgm:param type="txAnchorVert" val="b"/>
-                            <dgm:param type="parTxLTRAlign" val="r"/>
-                            <dgm:param type="parTxRTLAlign" val="r"/>
-                          </dgm:alg>
-                        </dgm:else>
-                      </dgm:choose>
-                    </dgm:else>
-                  </dgm:choose>
-                  <dgm:shape xmlns:r="http://schemas.openxmlformats.org/officeDocument/2006/relationships" type="rect" r:blip="">
-                    <dgm:adjLst/>
-                  </dgm:shape>
-                  <dgm:presOf axis="desOrSelf" ptType="node"/>
-                  <dgm:choose name="Name50">
-                    <dgm:if name="Name51" func="var" arg="dir" op="equ" val="norm">
-                      <dgm:constrLst>
-                        <dgm:constr type="rMarg"/>
-                        <dgm:constr type="tMarg"/>
-                        <dgm:constr type="bMarg"/>
-                      </dgm:constrLst>
-                    </dgm:if>
-                    <dgm:else name="Name52">
-                      <dgm:constrLst>
-                        <dgm:constr type="lMarg"/>
-                        <dgm:constr type="tMarg"/>
-                        <dgm:constr type="bMarg"/>
-                      </dgm:constrLst>
-                    </dgm:else>
-                  </dgm:choose>
-                  <dgm:ruleLst>
-                    <dgm:rule type="primFontSz" val="5" fact="NaN" max="NaN"/>
-                  </dgm:ruleLst>
-                </dgm:layoutNode>
-              </dgm:forEach>
-              <dgm:forEach name="Name53" axis="ch" ptType="node" st="2" cnt="1">
-                <dgm:layoutNode name="bullet3b" styleLbl="node1">
-                  <dgm:alg type="sp"/>
-                  <dgm:shape xmlns:r="http://schemas.openxmlformats.org/officeDocument/2006/relationships" type="ellipse" r:blip="">
-                    <dgm:adjLst/>
-                  </dgm:shape>
-                  <dgm:presOf/>
-                  <dgm:constrLst/>
-                  <dgm:ruleLst/>
-                </dgm:layoutNode>
-                <dgm:layoutNode name="textBox3b" styleLbl="revTx">
-                  <dgm:varLst>
-                    <dgm:bulletEnabled val="1"/>
-                  </dgm:varLst>
-                  <dgm:choose name="Name54">
-                    <dgm:if name="Name55" func="var" arg="dir" op="equ" val="norm">
-                      <dgm:choose name="Name56">
-                        <dgm:if name="Name57" axis="root des" ptType="all node" func="maxDepth" op="gt" val="1">
-                          <dgm:alg type="tx">
-                            <dgm:param type="txAnchorVert" val="t"/>
-                            <dgm:param type="parTxLTRAlign" val="l"/>
-                            <dgm:param type="parTxRTLAlign" val="r"/>
-                          </dgm:alg>
-                        </dgm:if>
-                        <dgm:else name="Name58">
-                          <dgm:alg type="tx">
-                            <dgm:param type="txAnchorVert" val="t"/>
-                            <dgm:param type="parTxLTRAlign" val="l"/>
-                            <dgm:param type="parTxRTLAlign" val="l"/>
-                          </dgm:alg>
-                        </dgm:else>
-                      </dgm:choose>
-                    </dgm:if>
-                    <dgm:else name="Name59">
-                      <dgm:choose name="Name60">
-                        <dgm:if name="Name61" axis="root des" ptType="all node" func="maxDepth" op="gt" val="1">
-                          <dgm:alg type="tx">
-                            <dgm:param type="txAnchorVert" val="b"/>
-                            <dgm:param type="txAnchorVertCh" val="b"/>
-                            <dgm:param type="parTxLTRAlign" val="l"/>
-                            <dgm:param type="parTxRTLAlign" val="r"/>
-                          </dgm:alg>
-                        </dgm:if>
-                        <dgm:else name="Name62">
-                          <dgm:alg type="tx">
-                            <dgm:param type="txAnchorVert" val="b"/>
-                            <dgm:param type="parTxLTRAlign" val="r"/>
-                            <dgm:param type="parTxRTLAlign" val="r"/>
-                          </dgm:alg>
-                        </dgm:else>
-                      </dgm:choose>
-                    </dgm:else>
-                  </dgm:choose>
-                  <dgm:shape xmlns:r="http://schemas.openxmlformats.org/officeDocument/2006/relationships" type="rect" r:blip="">
-                    <dgm:adjLst/>
-                  </dgm:shape>
-                  <dgm:presOf axis="desOrSelf" ptType="node"/>
-                  <dgm:choose name="Name63">
-                    <dgm:if name="Name64" func="var" arg="dir" op="equ" val="norm">
-                      <dgm:constrLst>
-                        <dgm:constr type="rMarg"/>
-                        <dgm:constr type="tMarg"/>
-                        <dgm:constr type="bMarg"/>
-                      </dgm:constrLst>
-                    </dgm:if>
-                    <dgm:else name="Name65">
-                      <dgm:constrLst>
-                        <dgm:constr type="lMarg"/>
-                        <dgm:constr type="tMarg"/>
-                        <dgm:constr type="bMarg"/>
-                      </dgm:constrLst>
-                    </dgm:else>
-                  </dgm:choose>
-                  <dgm:ruleLst>
-                    <dgm:rule type="primFontSz" val="5" fact="NaN" max="NaN"/>
-                  </dgm:ruleLst>
-                </dgm:layoutNode>
-              </dgm:forEach>
-              <dgm:forEach name="Name66" axis="ch" ptType="node" st="3" cnt="1">
-                <dgm:layoutNode name="bullet3c" styleLbl="node1">
-                  <dgm:alg type="sp"/>
-                  <dgm:shape xmlns:r="http://schemas.openxmlformats.org/officeDocument/2006/relationships" type="ellipse" r:blip="">
-                    <dgm:adjLst/>
-                  </dgm:shape>
-                  <dgm:presOf/>
-                  <dgm:constrLst/>
-                  <dgm:ruleLst/>
-                </dgm:layoutNode>
-                <dgm:layoutNode name="textBox3c" styleLbl="revTx">
-                  <dgm:varLst>
-                    <dgm:bulletEnabled val="1"/>
-                  </dgm:varLst>
-                  <dgm:choose name="Name67">
-                    <dgm:if name="Name68" func="var" arg="dir" op="equ" val="norm">
-                      <dgm:choose name="Name69">
-                        <dgm:if name="Name70" axis="root des" ptType="all node" func="maxDepth" op="gt" val="1">
-                          <dgm:alg type="tx">
-                            <dgm:param type="txAnchorVert" val="t"/>
-                            <dgm:param type="parTxLTRAlign" val="l"/>
-                            <dgm:param type="parTxRTLAlign" val="r"/>
-                          </dgm:alg>
-                        </dgm:if>
-                        <dgm:else name="Name71">
-                          <dgm:alg type="tx">
-                            <dgm:param type="txAnchorVert" val="t"/>
-                            <dgm:param type="parTxLTRAlign" val="l"/>
-                            <dgm:param type="parTxRTLAlign" val="l"/>
-                          </dgm:alg>
-                        </dgm:else>
-                      </dgm:choose>
-                    </dgm:if>
-                    <dgm:else name="Name72">
-                      <dgm:choose name="Name73">
-                        <dgm:if name="Name74" axis="root des" ptType="all node" func="maxDepth" op="gt" val="1">
-                          <dgm:alg type="tx">
-                            <dgm:param type="txAnchorVert" val="b"/>
-                            <dgm:param type="txAnchorVertCh" val="b"/>
-                            <dgm:param type="parTxLTRAlign" val="l"/>
-                            <dgm:param type="parTxRTLAlign" val="r"/>
-                          </dgm:alg>
-                        </dgm:if>
-                        <dgm:else name="Name75">
-                          <dgm:alg type="tx">
-                            <dgm:param type="txAnchorVert" val="b"/>
-                            <dgm:param type="parTxLTRAlign" val="r"/>
-                            <dgm:param type="parTxRTLAlign" val="r"/>
-                          </dgm:alg>
-                        </dgm:else>
-                      </dgm:choose>
-                    </dgm:else>
-                  </dgm:choose>
-                  <dgm:shape xmlns:r="http://schemas.openxmlformats.org/officeDocument/2006/relationships" type="rect" r:blip="">
-                    <dgm:adjLst/>
-                  </dgm:shape>
-                  <dgm:presOf axis="desOrSelf" ptType="node"/>
-                  <dgm:choose name="Name76">
-                    <dgm:if name="Name77" func="var" arg="dir" op="equ" val="norm">
-                      <dgm:constrLst>
-                        <dgm:constr type="rMarg"/>
-                        <dgm:constr type="tMarg"/>
-                        <dgm:constr type="bMarg"/>
-                      </dgm:constrLst>
-                    </dgm:if>
-                    <dgm:else name="Name78">
-                      <dgm:constrLst>
-                        <dgm:constr type="lMarg"/>
-                        <dgm:constr type="tMarg"/>
-                        <dgm:constr type="bMarg"/>
-                      </dgm:constrLst>
-                    </dgm:else>
-                  </dgm:choose>
-                  <dgm:ruleLst>
-                    <dgm:rule type="primFontSz" val="5" fact="NaN" max="NaN"/>
-                  </dgm:ruleLst>
-                </dgm:layoutNode>
-              </dgm:forEach>
-            </dgm:layoutNode>
-          </dgm:if>
-          <dgm:if name="Name79" axis="ch" ptType="node" func="cnt" op="equ" val="4">
-            <dgm:layoutNode name="arrowDiagram4">
-              <dgm:alg type="composite">
-                <dgm:param type="vertAlign" val="none"/>
-                <dgm:param type="horzAlign" val="none"/>
-              </dgm:alg>
-              <dgm:shape xmlns:r="http://schemas.openxmlformats.org/officeDocument/2006/relationships" r:blip="">
-                <dgm:adjLst/>
-              </dgm:shape>
-              <dgm:presOf/>
-              <dgm:choose name="Name80">
-                <dgm:if name="Name81" func="var" arg="dir" op="equ" val="norm">
-                  <dgm:constrLst>
-                    <dgm:constr type="ctrX" for="ch" forName="bullet4a" refType="w" fact="0.11"/>
-                    <dgm:constr type="ctrY" for="ch" forName="bullet4a" refType="h" fact="0.762"/>
-                    <dgm:constr type="w" for="ch" forName="bullet4a" refType="w" fact="0.023"/>
-                    <dgm:constr type="h" for="ch" forName="bullet4a" refType="w" refFor="ch" refForName="bullet4a"/>
-                    <dgm:constr type="l" for="ch" forName="textBox4a" refType="ctrX" refFor="ch" refForName="bullet4a"/>
-                    <dgm:constr type="t" for="ch" forName="textBox4a" refType="ctrY" refFor="ch" refForName="bullet4a"/>
-                    <dgm:constr type="w" for="ch" forName="textBox4a" refType="w" fact="0.171"/>
-                    <dgm:constr type="h" for="ch" forName="textBox4a" refType="h" fact="0.238"/>
-                    <dgm:constr type="userA" refType="h" refFor="ch" refForName="bullet4a" fact="0.53"/>
-                    <dgm:constr type="lMarg" for="ch" forName="textBox4a" refType="userA" fact="2.834"/>
-                    <dgm:constr type="ctrX" for="ch" forName="bullet4b" refType="w" fact="0.281"/>
-                    <dgm:constr type="ctrY" for="ch" forName="bullet4b" refType="h" fact="0.543"/>
-                    <dgm:constr type="w" for="ch" forName="bullet4b" refType="w" fact="0.04"/>
-                    <dgm:constr type="h" for="ch" forName="bullet4b" refType="w" refFor="ch" refForName="bullet4b"/>
-                    <dgm:constr type="l" for="ch" forName="textBox4b" refType="ctrX" refFor="ch" refForName="bullet4b"/>
-                    <dgm:constr type="t" for="ch" forName="textBox4b" refType="ctrY" refFor="ch" refForName="bullet4b"/>
-                    <dgm:constr type="w" for="ch" forName="textBox4b" refType="w" fact="0.21"/>
-                    <dgm:constr type="h" for="ch" forName="textBox4b" refType="h" fact="0.457"/>
-                    <dgm:constr type="userB" refType="h" refFor="ch" refForName="bullet4b" fact="0.53"/>
-                    <dgm:constr type="lMarg" for="ch" forName="textBox4b" refType="userB" fact="2.834"/>
-                    <dgm:constr type="ctrX" for="ch" forName="bullet4c" refType="w" fact="0.495"/>
-                    <dgm:constr type="ctrY" for="ch" forName="bullet4c" refType="h" fact="0.382"/>
-                    <dgm:constr type="w" for="ch" forName="bullet4c" refType="w" fact="0.053"/>
-                    <dgm:constr type="h" for="ch" forName="bullet4c" refType="w" refFor="ch" refForName="bullet4c"/>
-                    <dgm:constr type="l" for="ch" forName="textBox4c" refType="ctrX" refFor="ch" refForName="bullet4c"/>
-                    <dgm:constr type="t" for="ch" forName="textBox4c" refType="ctrY" refFor="ch" refForName="bullet4c"/>
-                    <dgm:constr type="w" for="ch" forName="textBox4c" refType="w" fact="0.21"/>
-                    <dgm:constr type="h" for="ch" forName="textBox4c" refType="h" fact="0.618"/>
-                    <dgm:constr type="userC" refType="h" refFor="ch" refForName="bullet4c" fact="0.53"/>
-                    <dgm:constr type="lMarg" for="ch" forName="textBox4c" refType="userC" fact="2.834"/>
-                    <dgm:constr type="ctrX" for="ch" forName="bullet4d" refType="w" fact="0.73"/>
-                    <dgm:constr type="ctrY" for="ch" forName="bullet4d" refType="h" fact="0.283"/>
-                    <dgm:constr type="w" for="ch" forName="bullet4d" refType="w" fact="0.071"/>
-                    <dgm:constr type="h" for="ch" forName="bullet4d" refType="w" refFor="ch" refForName="bullet4d"/>
-                    <dgm:constr type="l" for="ch" forName="textBox4d" refType="ctrX" refFor="ch" refForName="bullet4d"/>
-                    <dgm:constr type="t" for="ch" forName="textBox4d" refType="ctrY" refFor="ch" refForName="bullet4d"/>
-                    <dgm:constr type="w" for="ch" forName="textBox4d" refType="w" fact="0.21"/>
-                    <dgm:constr type="h" for="ch" forName="textBox4d" refType="h" fact="0.717"/>
-                    <dgm:constr type="userD" refType="h" refFor="ch" refForName="bullet4d" fact="0.53"/>
-                    <dgm:constr type="lMarg" for="ch" forName="textBox4d" refType="userD" fact="2.834"/>
-                    <dgm:constr type="primFontSz" for="ch" ptType="node" op="equ" val="65"/>
-                  </dgm:constrLst>
-                </dgm:if>
-                <dgm:else name="Name82">
-                  <dgm:constrLst>
-                    <dgm:constr type="ctrX" for="ch" forName="bullet4a" refType="w" fact="0.11"/>
-                    <dgm:constr type="ctrY" for="ch" forName="bullet4a" refType="h" fact="0.762"/>
-                    <dgm:constr type="w" for="ch" forName="bullet4a" refType="w" fact="0.023"/>
-                    <dgm:constr type="h" for="ch" forName="bullet4a" refType="w" refFor="ch" refForName="bullet4a"/>
-                    <dgm:constr type="r" for="ch" forName="textBox4a" refType="ctrX" refFor="ch" refForName="bullet4a"/>
-                    <dgm:constr type="b" for="ch" forName="textBox4a" refType="ctrY" refFor="ch" refForName="bullet4a"/>
-                    <dgm:constr type="w" for="ch" forName="textBox4a" refType="w" fact="0.11"/>
-                    <dgm:constr type="h" for="ch" forName="textBox4a" refType="h" fact="0.762"/>
-                    <dgm:constr type="userA" refType="h" refFor="ch" refForName="bullet4a" fact="0.53"/>
-                    <dgm:constr type="rMarg" for="ch" forName="textBox4a" refType="userA" fact="2.834"/>
-                    <dgm:constr type="ctrX" for="ch" forName="bullet4b" refType="w" fact="0.281"/>
-                    <dgm:constr type="ctrY" for="ch" forName="bullet4b" refType="h" fact="0.543"/>
-                    <dgm:constr type="w" for="ch" forName="bullet4b" refType="w" fact="0.04"/>
-                    <dgm:constr type="h" for="ch" forName="bullet4b" refType="w" refFor="ch" refForName="bullet4b"/>
-                    <dgm:constr type="r" for="ch" forName="textBox4b" refType="ctrX" refFor="ch" refForName="bullet4b"/>
-                    <dgm:constr type="b" for="ch" forName="textBox4b" refType="ctrY" refFor="ch" refForName="bullet4b"/>
-                    <dgm:constr type="w" for="ch" forName="textBox4b" refType="w" fact="0.171"/>
-                    <dgm:constr type="h" for="ch" forName="textBox4b" refType="h" fact="0.543"/>
-                    <dgm:constr type="userB" refType="h" refFor="ch" refForName="bullet4b" fact="0.53"/>
-                    <dgm:constr type="rMarg" for="ch" forName="textBox4b" refType="userB" fact="2.834"/>
-                    <dgm:constr type="ctrX" for="ch" forName="bullet4c" refType="w" fact="0.495"/>
-                    <dgm:constr type="ctrY" for="ch" forName="bullet4c" refType="h" fact="0.382"/>
-                    <dgm:constr type="w" for="ch" forName="bullet4c" refType="w" fact="0.053"/>
-                    <dgm:constr type="h" for="ch" forName="bullet4c" refType="w" refFor="ch" refForName="bullet4c"/>
-                    <dgm:constr type="r" for="ch" forName="textBox4c" refType="ctrX" refFor="ch" refForName="bullet4c"/>
-                    <dgm:constr type="b" for="ch" forName="textBox4c" refType="ctrY" refFor="ch" refForName="bullet4c"/>
-                    <dgm:constr type="w" for="ch" forName="textBox4c" refType="w" fact="0.21"/>
-                    <dgm:constr type="h" for="ch" forName="textBox4c" refType="h" fact="0.382"/>
-                    <dgm:constr type="userC" refType="h" refFor="ch" refForName="bullet4c" fact="0.53"/>
-                    <dgm:constr type="rMarg" for="ch" forName="textBox4c" refType="userC" fact="2.834"/>
-                    <dgm:constr type="ctrX" for="ch" forName="bullet4d" refType="w" fact="0.73"/>
-                    <dgm:constr type="ctrY" for="ch" forName="bullet4d" refType="h" fact="0.283"/>
-                    <dgm:constr type="w" for="ch" forName="bullet4d" refType="w" fact="0.071"/>
-                    <dgm:constr type="h" for="ch" forName="bullet4d" refType="w" refFor="ch" refForName="bullet4d"/>
-                    <dgm:constr type="r" for="ch" forName="textBox4d" refType="ctrX" refFor="ch" refForName="bullet4d"/>
-                    <dgm:constr type="b" for="ch" forName="textBox4d" refType="ctrY" refFor="ch" refForName="bullet4d"/>
-                    <dgm:constr type="w" for="ch" forName="textBox4d" refType="w" fact="0.21"/>
-                    <dgm:constr type="h" for="ch" forName="textBox4d" refType="h" fact="0.283"/>
-                    <dgm:constr type="userD" refType="h" refFor="ch" refForName="bullet4d" fact="0.53"/>
-                    <dgm:constr type="rMarg" for="ch" forName="textBox4d" refType="userD" fact="2.834"/>
-                    <dgm:constr type="primFontSz" for="ch" ptType="node" op="equ" val="65"/>
-                  </dgm:constrLst>
-                </dgm:else>
-              </dgm:choose>
-              <dgm:ruleLst/>
-              <dgm:forEach name="Name83" axis="ch" ptType="node" cnt="1">
-                <dgm:layoutNode name="bullet4a" styleLbl="node1">
-                  <dgm:alg type="sp"/>
-                  <dgm:shape xmlns:r="http://schemas.openxmlformats.org/officeDocument/2006/relationships" type="ellipse" r:blip="">
-                    <dgm:adjLst/>
-                  </dgm:shape>
-                  <dgm:presOf/>
-                  <dgm:constrLst/>
-                  <dgm:ruleLst/>
-                </dgm:layoutNode>
-                <dgm:layoutNode name="textBox4a" styleLbl="revTx">
-                  <dgm:varLst>
-                    <dgm:bulletEnabled val="1"/>
-                  </dgm:varLst>
-                  <dgm:choose name="Name84">
-                    <dgm:if name="Name85" func="var" arg="dir" op="equ" val="norm">
-                      <dgm:choose name="Name86">
-                        <dgm:if name="Name87" axis="root des" ptType="all node" func="maxDepth" op="gt" val="1">
-                          <dgm:alg type="tx">
-                            <dgm:param type="txAnchorVert" val="t"/>
-                            <dgm:param type="parTxLTRAlign" val="l"/>
-                            <dgm:param type="parTxRTLAlign" val="r"/>
-                          </dgm:alg>
-                        </dgm:if>
-                        <dgm:else name="Name88">
-                          <dgm:alg type="tx">
-                            <dgm:param type="txAnchorVert" val="t"/>
-                            <dgm:param type="parTxLTRAlign" val="l"/>
-                            <dgm:param type="parTxRTLAlign" val="l"/>
-                          </dgm:alg>
-                        </dgm:else>
-                      </dgm:choose>
-                    </dgm:if>
-                    <dgm:else name="Name89">
-                      <dgm:choose name="Name90">
-                        <dgm:if name="Name91" axis="root des" ptType="all node" func="maxDepth" op="gt" val="1">
-                          <dgm:alg type="tx">
-                            <dgm:param type="txAnchorVert" val="b"/>
-                            <dgm:param type="txAnchorVertCh" val="b"/>
-                            <dgm:param type="parTxLTRAlign" val="l"/>
-                            <dgm:param type="parTxRTLAlign" val="r"/>
-                          </dgm:alg>
-                        </dgm:if>
-                        <dgm:else name="Name92">
-                          <dgm:alg type="tx">
-                            <dgm:param type="txAnchorVert" val="b"/>
-                            <dgm:param type="parTxLTRAlign" val="r"/>
-                            <dgm:param type="parTxRTLAlign" val="r"/>
-                          </dgm:alg>
-                        </dgm:else>
-                      </dgm:choose>
-                    </dgm:else>
-                  </dgm:choose>
-                  <dgm:shape xmlns:r="http://schemas.openxmlformats.org/officeDocument/2006/relationships" type="rect" r:blip="">
-                    <dgm:adjLst/>
-                  </dgm:shape>
-                  <dgm:presOf axis="desOrSelf" ptType="node"/>
-                  <dgm:choose name="Name93">
-                    <dgm:if name="Name94" func="var" arg="dir" op="equ" val="norm">
-                      <dgm:constrLst>
-                        <dgm:constr type="rMarg"/>
-                        <dgm:constr type="tMarg"/>
-                        <dgm:constr type="bMarg"/>
-                      </dgm:constrLst>
-                    </dgm:if>
-                    <dgm:else name="Name95">
-                      <dgm:constrLst>
-                        <dgm:constr type="lMarg"/>
-                        <dgm:constr type="tMarg"/>
-                        <dgm:constr type="bMarg"/>
-                      </dgm:constrLst>
-                    </dgm:else>
-                  </dgm:choose>
-                  <dgm:ruleLst>
-                    <dgm:rule type="primFontSz" val="5" fact="NaN" max="NaN"/>
-                  </dgm:ruleLst>
-                </dgm:layoutNode>
-              </dgm:forEach>
-              <dgm:forEach name="Name96" axis="ch" ptType="node" st="2" cnt="1">
-                <dgm:layoutNode name="bullet4b" styleLbl="node1">
-                  <dgm:alg type="sp"/>
-                  <dgm:shape xmlns:r="http://schemas.openxmlformats.org/officeDocument/2006/relationships" type="ellipse" r:blip="">
-                    <dgm:adjLst/>
-                  </dgm:shape>
-                  <dgm:presOf/>
-                  <dgm:constrLst/>
-                  <dgm:ruleLst/>
-                </dgm:layoutNode>
-                <dgm:layoutNode name="textBox4b" styleLbl="revTx">
-                  <dgm:varLst>
-                    <dgm:bulletEnabled val="1"/>
-                  </dgm:varLst>
-                  <dgm:choose name="Name97">
-                    <dgm:if name="Name98" func="var" arg="dir" op="equ" val="norm">
-                      <dgm:choose name="Name99">
-                        <dgm:if name="Name100" axis="root des" ptType="all node" func="maxDepth" op="gt" val="1">
-                          <dgm:alg type="tx">
-                            <dgm:param type="txAnchorVert" val="t"/>
-                            <dgm:param type="parTxLTRAlign" val="l"/>
-                            <dgm:param type="parTxRTLAlign" val="r"/>
-                          </dgm:alg>
-                        </dgm:if>
-                        <dgm:else name="Name101">
-                          <dgm:alg type="tx">
-                            <dgm:param type="txAnchorVert" val="t"/>
-                            <dgm:param type="parTxLTRAlign" val="l"/>
-                            <dgm:param type="parTxRTLAlign" val="l"/>
-                          </dgm:alg>
-                        </dgm:else>
-                      </dgm:choose>
-                    </dgm:if>
-                    <dgm:else name="Name102">
-                      <dgm:choose name="Name103">
-                        <dgm:if name="Name104" axis="root des" ptType="all node" func="maxDepth" op="gt" val="1">
-                          <dgm:alg type="tx">
-                            <dgm:param type="txAnchorVert" val="b"/>
-                            <dgm:param type="txAnchorVertCh" val="b"/>
-                            <dgm:param type="parTxLTRAlign" val="l"/>
-                            <dgm:param type="parTxRTLAlign" val="r"/>
-                          </dgm:alg>
-                        </dgm:if>
-                        <dgm:else name="Name105">
-                          <dgm:alg type="tx">
-                            <dgm:param type="txAnchorVert" val="b"/>
-                            <dgm:param type="parTxLTRAlign" val="r"/>
-                            <dgm:param type="parTxRTLAlign" val="r"/>
-                          </dgm:alg>
-                        </dgm:else>
-                      </dgm:choose>
-                    </dgm:else>
-                  </dgm:choose>
-                  <dgm:shape xmlns:r="http://schemas.openxmlformats.org/officeDocument/2006/relationships" type="rect" r:blip="">
-                    <dgm:adjLst/>
-                  </dgm:shape>
-                  <dgm:presOf axis="desOrSelf" ptType="node"/>
-                  <dgm:choose name="Name106">
-                    <dgm:if name="Name107" func="var" arg="dir" op="equ" val="norm">
-                      <dgm:constrLst>
-                        <dgm:constr type="rMarg"/>
-                        <dgm:constr type="tMarg"/>
-                        <dgm:constr type="bMarg"/>
-                      </dgm:constrLst>
-                    </dgm:if>
-                    <dgm:else name="Name108">
-                      <dgm:constrLst>
-                        <dgm:constr type="lMarg"/>
-                        <dgm:constr type="tMarg"/>
-                        <dgm:constr type="bMarg"/>
-                      </dgm:constrLst>
-                    </dgm:else>
-                  </dgm:choose>
-                  <dgm:ruleLst>
-                    <dgm:rule type="primFontSz" val="5" fact="NaN" max="NaN"/>
-                  </dgm:ruleLst>
-                </dgm:layoutNode>
-              </dgm:forEach>
-              <dgm:forEach name="Name109" axis="ch" ptType="node" st="3" cnt="1">
-                <dgm:layoutNode name="bullet4c" styleLbl="node1">
-                  <dgm:alg type="sp"/>
-                  <dgm:shape xmlns:r="http://schemas.openxmlformats.org/officeDocument/2006/relationships" type="ellipse" r:blip="">
-                    <dgm:adjLst/>
-                  </dgm:shape>
-                  <dgm:presOf/>
-                  <dgm:constrLst/>
-                  <dgm:ruleLst/>
-                </dgm:layoutNode>
-                <dgm:layoutNode name="textBox4c" styleLbl="revTx">
-                  <dgm:varLst>
-                    <dgm:bulletEnabled val="1"/>
-                  </dgm:varLst>
-                  <dgm:choose name="Name110">
-                    <dgm:if name="Name111" func="var" arg="dir" op="equ" val="norm">
-                      <dgm:choose name="Name112">
-                        <dgm:if name="Name113" axis="root des" ptType="all node" func="maxDepth" op="gt" val="1">
-                          <dgm:alg type="tx">
-                            <dgm:param type="txAnchorVert" val="t"/>
-                            <dgm:param type="parTxLTRAlign" val="l"/>
-                            <dgm:param type="parTxRTLAlign" val="r"/>
-                          </dgm:alg>
-                        </dgm:if>
-                        <dgm:else name="Name114">
-                          <dgm:alg type="tx">
-                            <dgm:param type="txAnchorVert" val="t"/>
-                            <dgm:param type="parTxLTRAlign" val="l"/>
-                            <dgm:param type="parTxRTLAlign" val="l"/>
-                          </dgm:alg>
-                        </dgm:else>
-                      </dgm:choose>
-                    </dgm:if>
-                    <dgm:else name="Name115">
-                      <dgm:choose name="Name116">
-                        <dgm:if name="Name117" axis="root des" ptType="all node" func="maxDepth" op="gt" val="1">
-                          <dgm:alg type="tx">
-                            <dgm:param type="txAnchorVert" val="b"/>
-                            <dgm:param type="txAnchorVertCh" val="b"/>
-                            <dgm:param type="parTxLTRAlign" val="l"/>
-                            <dgm:param type="parTxRTLAlign" val="r"/>
-                          </dgm:alg>
-                        </dgm:if>
-                        <dgm:else name="Name118">
-                          <dgm:alg type="tx">
-                            <dgm:param type="txAnchorVert" val="b"/>
-                            <dgm:param type="parTxLTRAlign" val="r"/>
-                            <dgm:param type="parTxRTLAlign" val="r"/>
-                          </dgm:alg>
-                        </dgm:else>
-                      </dgm:choose>
-                    </dgm:else>
-                  </dgm:choose>
-                  <dgm:shape xmlns:r="http://schemas.openxmlformats.org/officeDocument/2006/relationships" type="rect" r:blip="">
-                    <dgm:adjLst/>
-                  </dgm:shape>
-                  <dgm:presOf axis="desOrSelf" ptType="node"/>
-                  <dgm:choose name="Name119">
-                    <dgm:if name="Name120" func="var" arg="dir" op="equ" val="norm">
-                      <dgm:constrLst>
-                        <dgm:constr type="rMarg"/>
-                        <dgm:constr type="tMarg"/>
-                        <dgm:constr type="bMarg"/>
-                      </dgm:constrLst>
-                    </dgm:if>
-                    <dgm:else name="Name121">
-                      <dgm:constrLst>
-                        <dgm:constr type="lMarg"/>
-                        <dgm:constr type="tMarg"/>
-                        <dgm:constr type="bMarg"/>
-                      </dgm:constrLst>
-                    </dgm:else>
-                  </dgm:choose>
-                  <dgm:ruleLst>
-                    <dgm:rule type="primFontSz" val="5" fact="NaN" max="NaN"/>
-                  </dgm:ruleLst>
-                </dgm:layoutNode>
-              </dgm:forEach>
-              <dgm:forEach name="Name122" axis="ch" ptType="node" st="4" cnt="1">
-                <dgm:layoutNode name="bullet4d" styleLbl="node1">
-                  <dgm:alg type="sp"/>
-                  <dgm:shape xmlns:r="http://schemas.openxmlformats.org/officeDocument/2006/relationships" type="ellipse" r:blip="">
-                    <dgm:adjLst/>
-                  </dgm:shape>
-                  <dgm:presOf/>
-                  <dgm:constrLst/>
-                  <dgm:ruleLst/>
-                </dgm:layoutNode>
-                <dgm:layoutNode name="textBox4d" styleLbl="revTx">
-                  <dgm:varLst>
-                    <dgm:bulletEnabled val="1"/>
-                  </dgm:varLst>
-                  <dgm:choose name="Name123">
-                    <dgm:if name="Name124" func="var" arg="dir" op="equ" val="norm">
-                      <dgm:choose name="Name125">
-                        <dgm:if name="Name126" axis="root des" ptType="all node" func="maxDepth" op="gt" val="1">
-                          <dgm:alg type="tx">
-                            <dgm:param type="txAnchorVert" val="t"/>
-                            <dgm:param type="parTxLTRAlign" val="l"/>
-                            <dgm:param type="parTxRTLAlign" val="r"/>
-                          </dgm:alg>
-                        </dgm:if>
-                        <dgm:else name="Name127">
-                          <dgm:alg type="tx">
-                            <dgm:param type="txAnchorVert" val="t"/>
-                            <dgm:param type="parTxLTRAlign" val="l"/>
-                            <dgm:param type="parTxRTLAlign" val="l"/>
-                          </dgm:alg>
-                        </dgm:else>
-                      </dgm:choose>
-                    </dgm:if>
-                    <dgm:else name="Name128">
-                      <dgm:choose name="Name129">
-                        <dgm:if name="Name130" axis="root des" ptType="all node" func="maxDepth" op="gt" val="1">
-                          <dgm:alg type="tx">
-                            <dgm:param type="txAnchorVert" val="b"/>
-                            <dgm:param type="txAnchorVertCh" val="b"/>
-                            <dgm:param type="parTxLTRAlign" val="l"/>
-                            <dgm:param type="parTxRTLAlign" val="r"/>
-                          </dgm:alg>
-                        </dgm:if>
-                        <dgm:else name="Name131">
-                          <dgm:alg type="tx">
-                            <dgm:param type="txAnchorVert" val="b"/>
-                            <dgm:param type="parTxLTRAlign" val="r"/>
-                            <dgm:param type="parTxRTLAlign" val="r"/>
-                          </dgm:alg>
-                        </dgm:else>
-                      </dgm:choose>
-                    </dgm:else>
-                  </dgm:choose>
-                  <dgm:shape xmlns:r="http://schemas.openxmlformats.org/officeDocument/2006/relationships" type="rect" r:blip="">
-                    <dgm:adjLst/>
-                  </dgm:shape>
-                  <dgm:presOf axis="desOrSelf" ptType="node"/>
-                  <dgm:choose name="Name132">
-                    <dgm:if name="Name133" func="var" arg="dir" op="equ" val="norm">
-                      <dgm:constrLst>
-                        <dgm:constr type="rMarg"/>
-                        <dgm:constr type="tMarg"/>
-                        <dgm:constr type="bMarg"/>
-                      </dgm:constrLst>
-                    </dgm:if>
-                    <dgm:else name="Name134">
-                      <dgm:constrLst>
-                        <dgm:constr type="lMarg"/>
-                        <dgm:constr type="tMarg"/>
-                        <dgm:constr type="bMarg"/>
-                      </dgm:constrLst>
-                    </dgm:else>
-                  </dgm:choose>
-                  <dgm:ruleLst>
-                    <dgm:rule type="primFontSz" val="5" fact="NaN" max="NaN"/>
-                  </dgm:ruleLst>
-                </dgm:layoutNode>
-              </dgm:forEach>
-            </dgm:layoutNode>
-          </dgm:if>
-          <dgm:else name="Name135">
-            <dgm:layoutNode name="arrowDiagram5">
-              <dgm:alg type="composite">
-                <dgm:param type="vertAlign" val="none"/>
-                <dgm:param type="horzAlign" val="none"/>
-              </dgm:alg>
-              <dgm:shape xmlns:r="http://schemas.openxmlformats.org/officeDocument/2006/relationships" r:blip="">
-                <dgm:adjLst/>
-              </dgm:shape>
-              <dgm:presOf/>
-              <dgm:choose name="Name136">
-                <dgm:if name="Name137" func="var" arg="dir" op="equ" val="norm">
-                  <dgm:constrLst>
-                    <dgm:constr type="ctrX" for="ch" forName="bullet5a" refType="w" fact="0.11"/>
-                    <dgm:constr type="ctrY" for="ch" forName="bullet5a" refType="h" fact="0.762"/>
-                    <dgm:constr type="w" for="ch" forName="bullet5a" refType="w" fact="0.023"/>
-                    <dgm:constr type="h" for="ch" forName="bullet5a" refType="w" refFor="ch" refForName="bullet5a"/>
-                    <dgm:constr type="l" for="ch" forName="textBox5a" refType="ctrX" refFor="ch" refForName="bullet5a"/>
-                    <dgm:constr type="t" for="ch" forName="textBox5a" refType="ctrY" refFor="ch" refForName="bullet5a"/>
-                    <dgm:constr type="w" for="ch" forName="textBox5a" refType="w" fact="0.131"/>
-                    <dgm:constr type="h" for="ch" forName="textBox5a" refType="h" fact="0.238"/>
-                    <dgm:constr type="userA" refType="h" refFor="ch" refForName="bullet5a" fact="0.53"/>
-                    <dgm:constr type="lMarg" for="ch" forName="textBox5a" refType="userA" fact="2.834"/>
-                    <dgm:constr type="ctrX" for="ch" forName="bullet5b" refType="w" fact="0.241"/>
-                    <dgm:constr type="ctrY" for="ch" forName="bullet5b" refType="h" fact="0.581"/>
-                    <dgm:constr type="w" for="ch" forName="bullet5b" refType="w" fact="0.036"/>
-                    <dgm:constr type="h" for="ch" forName="bullet5b" refType="w" refFor="ch" refForName="bullet5b"/>
-                    <dgm:constr type="l" for="ch" forName="textBox5b" refType="ctrX" refFor="ch" refForName="bullet5b"/>
-                    <dgm:constr type="t" for="ch" forName="textBox5b" refType="ctrY" refFor="ch" refForName="bullet5b"/>
-                    <dgm:constr type="w" for="ch" forName="textBox5b" refType="w" fact="0.166"/>
-                    <dgm:constr type="h" for="ch" forName="textBox5b" refType="h" fact="0.419"/>
-                    <dgm:constr type="userB" refType="h" refFor="ch" refForName="bullet5b" fact="0.53"/>
-                    <dgm:constr type="lMarg" for="ch" forName="textBox5b" refType="userB" fact="2.834"/>
-                    <dgm:constr type="ctrX" for="ch" forName="bullet5c" refType="w" fact="0.407"/>
-                    <dgm:constr type="ctrY" for="ch" forName="bullet5c" refType="h" fact="0.438"/>
-                    <dgm:constr type="w" for="ch" forName="bullet5c" refType="w" fact="0.048"/>
-                    <dgm:constr type="h" for="ch" forName="bullet5c" refType="w" refFor="ch" refForName="bullet5c"/>
-                    <dgm:constr type="l" for="ch" forName="textBox5c" refType="ctrX" refFor="ch" refForName="bullet5c"/>
-                    <dgm:constr type="t" for="ch" forName="textBox5c" refType="ctrY" refFor="ch" refForName="bullet5c"/>
-                    <dgm:constr type="w" for="ch" forName="textBox5c" refType="w" fact="0.193"/>
-                    <dgm:constr type="h" for="ch" forName="textBox5c" refType="h" fact="0.562"/>
-                    <dgm:constr type="userC" refType="h" refFor="ch" refForName="bullet5c" fact="0.53"/>
-                    <dgm:constr type="lMarg" for="ch" forName="textBox5c" refType="userC" fact="2.834"/>
-                    <dgm:constr type="ctrX" for="ch" forName="bullet5d" refType="w" fact="0.6"/>
-                    <dgm:constr type="ctrY" for="ch" forName="bullet5d" refType="h" fact="0.33"/>
-                    <dgm:constr type="w" for="ch" forName="bullet5d" refType="w" fact="0.062"/>
-                    <dgm:constr type="h" for="ch" forName="bullet5d" refType="w" refFor="ch" refForName="bullet5d"/>
-                    <dgm:constr type="l" for="ch" forName="textBox5d" refType="ctrX" refFor="ch" refForName="bullet5d"/>
-                    <dgm:constr type="t" for="ch" forName="textBox5d" refType="ctrY" refFor="ch" refForName="bullet5d"/>
-                    <dgm:constr type="w" for="ch" forName="textBox5d" refType="w" fact="0.2"/>
-                    <dgm:constr type="h" for="ch" forName="textBox5d" refType="h" fact="0.67"/>
-                    <dgm:constr type="userD" refType="h" refFor="ch" refForName="bullet5d" fact="0.53"/>
-                    <dgm:constr type="lMarg" for="ch" forName="textBox5d" refType="userD" fact="2.834"/>
-                    <dgm:constr type="ctrX" for="ch" forName="bullet5e" refType="w" fact="0.8"/>
-                    <dgm:constr type="ctrY" for="ch" forName="bullet5e" refType="h" fact="0.264"/>
-                    <dgm:constr type="w" for="ch" forName="bullet5e" refType="w" fact="0.079"/>
-                    <dgm:constr type="h" for="ch" forName="bullet5e" refType="w" refFor="ch" refForName="bullet5e"/>
-                    <dgm:constr type="l" for="ch" forName="textBox5e" refType="ctrX" refFor="ch" refForName="bullet5e"/>
-                    <dgm:constr type="t" for="ch" forName="textBox5e" refType="ctrY" refFor="ch" refForName="bullet5e"/>
-                    <dgm:constr type="w" for="ch" forName="textBox5e" refType="w" fact="0.2"/>
-                    <dgm:constr type="h" for="ch" forName="textBox5e" refType="h" fact="0.736"/>
-                    <dgm:constr type="userE" refType="h" refFor="ch" refForName="bullet5e" fact="0.53"/>
-                    <dgm:constr type="lMarg" for="ch" forName="textBox5e" refType="userE" fact="2.834"/>
-                    <dgm:constr type="primFontSz" for="ch" ptType="node" op="equ" val="65"/>
-                  </dgm:constrLst>
-                </dgm:if>
-                <dgm:else name="Name138">
-                  <dgm:constrLst>
-                    <dgm:constr type="ctrX" for="ch" forName="bullet5a" refType="w" fact="0.11"/>
-                    <dgm:constr type="ctrY" for="ch" forName="bullet5a" refType="h" fact="0.762"/>
-                    <dgm:constr type="w" for="ch" forName="bullet5a" refType="w" fact="0.023"/>
-                    <dgm:constr type="h" for="ch" forName="bullet5a" refType="w" refFor="ch" refForName="bullet5a"/>
-                    <dgm:constr type="r" for="ch" forName="textBox5a" refType="ctrX" refFor="ch" refForName="bullet5a"/>
-                    <dgm:constr type="b" for="ch" forName="textBox5a" refType="ctrY" refFor="ch" refForName="bullet5a"/>
-                    <dgm:constr type="w" for="ch" forName="textBox5a" refType="w" fact="0.11"/>
-                    <dgm:constr type="h" for="ch" forName="textBox5a" refType="h" fact="0.762"/>
-                    <dgm:constr type="userA" refType="h" refFor="ch" refForName="bullet5a" fact="0.53"/>
-                    <dgm:constr type="rMarg" for="ch" forName="textBox5a" refType="userA" fact="2.834"/>
-                    <dgm:constr type="ctrX" for="ch" forName="bullet5b" refType="w" fact="0.241"/>
-                    <dgm:constr type="ctrY" for="ch" forName="bullet5b" refType="h" fact="0.581"/>
-                    <dgm:constr type="w" for="ch" forName="bullet5b" refType="w" fact="0.036"/>
-                    <dgm:constr type="h" for="ch" forName="bullet5b" refType="w" refFor="ch" refForName="bullet5b"/>
-                    <dgm:constr type="r" for="ch" forName="textBox5b" refType="ctrX" refFor="ch" refForName="bullet5b"/>
-                    <dgm:constr type="b" for="ch" forName="textBox5b" refType="ctrY" refFor="ch" refForName="bullet5b"/>
-                    <dgm:constr type="w" for="ch" forName="textBox5b" refType="w" fact="0.131"/>
-                    <dgm:constr type="h" for="ch" forName="textBox5b" refType="h" fact="0.581"/>
-                    <dgm:constr type="userB" refType="h" refFor="ch" refForName="bullet5b" fact="0.53"/>
-                    <dgm:constr type="rMarg" for="ch" forName="textBox5b" refType="userB" fact="2.834"/>
-                    <dgm:constr type="ctrX" for="ch" forName="bullet5c" refType="w" fact="0.407"/>
-                    <dgm:constr type="ctrY" for="ch" forName="bullet5c" refType="h" fact="0.438"/>
-                    <dgm:constr type="w" for="ch" forName="bullet5c" refType="w" fact="0.048"/>
-                    <dgm:constr type="h" for="ch" forName="bullet5c" refType="w" refFor="ch" refForName="bullet5c"/>
-                    <dgm:constr type="r" for="ch" forName="textBox5c" refType="ctrX" refFor="ch" refForName="bullet5c"/>
-                    <dgm:constr type="b" for="ch" forName="textBox5c" refType="ctrY" refFor="ch" refForName="bullet5c"/>
-                    <dgm:constr type="w" for="ch" forName="textBox5c" refType="w" fact="0.166"/>
-                    <dgm:constr type="h" for="ch" forName="textBox5c" refType="h" fact="0.438"/>
-                    <dgm:constr type="userC" refType="h" refFor="ch" refForName="bullet5c" fact="0.53"/>
-                    <dgm:constr type="rMarg" for="ch" forName="textBox5c" refType="userC" fact="2.834"/>
-                    <dgm:constr type="ctrX" for="ch" forName="bullet5d" refType="w" fact="0.6"/>
-                    <dgm:constr type="ctrY" for="ch" forName="bullet5d" refType="h" fact="0.33"/>
-                    <dgm:constr type="w" for="ch" forName="bullet5d" refType="w" fact="0.062"/>
-                    <dgm:constr type="h" for="ch" forName="bullet5d" refType="w" refFor="ch" refForName="bullet5d"/>
-                    <dgm:constr type="r" for="ch" forName="textBox5d" refType="ctrX" refFor="ch" refForName="bullet5d"/>
-                    <dgm:constr type="b" for="ch" forName="textBox5d" refType="ctrY" refFor="ch" refForName="bullet5d"/>
-                    <dgm:constr type="w" for="ch" forName="textBox5d" refType="w" fact="0.193"/>
-                    <dgm:constr type="h" for="ch" forName="textBox5d" refType="h" fact="0.33"/>
-                    <dgm:constr type="userD" refType="h" refFor="ch" refForName="bullet5d" fact="0.53"/>
-                    <dgm:constr type="rMarg" for="ch" forName="textBox5d" refType="userD" fact="2.834"/>
-                    <dgm:constr type="ctrX" for="ch" forName="bullet5e" refType="w" fact="0.8"/>
-                    <dgm:constr type="ctrY" for="ch" forName="bullet5e" refType="h" fact="0.264"/>
-                    <dgm:constr type="w" for="ch" forName="bullet5e" refType="w" fact="0.079"/>
-                    <dgm:constr type="h" for="ch" forName="bullet5e" refType="w" refFor="ch" refForName="bullet5e"/>
-                    <dgm:constr type="r" for="ch" forName="textBox5e" refType="ctrX" refFor="ch" refForName="bullet5e"/>
-                    <dgm:constr type="b" for="ch" forName="textBox5e" refType="ctrY" refFor="ch" refForName="bullet5e"/>
-                    <dgm:constr type="w" for="ch" forName="textBox5e" refType="w" fact="0.2"/>
-                    <dgm:constr type="h" for="ch" forName="textBox5e" refType="h" fact="0.264"/>
-                    <dgm:constr type="userE" refType="h" refFor="ch" refForName="bullet5e" fact="0.53"/>
-                    <dgm:constr type="rMarg" for="ch" forName="textBox5e" refType="userE" fact="2.834"/>
-                    <dgm:constr type="primFontSz" for="ch" ptType="node" op="equ" val="65"/>
-                  </dgm:constrLst>
-                </dgm:else>
-              </dgm:choose>
-              <dgm:ruleLst/>
-              <dgm:forEach name="Name139" axis="ch" ptType="node" cnt="1">
-                <dgm:layoutNode name="bullet5a" styleLbl="node1">
-                  <dgm:alg type="sp"/>
-                  <dgm:shape xmlns:r="http://schemas.openxmlformats.org/officeDocument/2006/relationships" type="ellipse" r:blip="">
-                    <dgm:adjLst/>
-                  </dgm:shape>
-                  <dgm:presOf/>
-                  <dgm:constrLst/>
-                  <dgm:ruleLst/>
-                </dgm:layoutNode>
-                <dgm:layoutNode name="textBox5a" styleLbl="revTx">
-                  <dgm:varLst>
-                    <dgm:bulletEnabled val="1"/>
-                  </dgm:varLst>
-                  <dgm:choose name="Name140">
-                    <dgm:if name="Name141" func="var" arg="dir" op="equ" val="norm">
-                      <dgm:choose name="Name142">
-                        <dgm:if name="Name143" axis="root des" ptType="all node" func="maxDepth" op="gt" val="1">
-                          <dgm:alg type="tx">
-                            <dgm:param type="txAnchorVert" val="t"/>
-                            <dgm:param type="parTxLTRAlign" val="l"/>
-                            <dgm:param type="parTxRTLAlign" val="r"/>
-                          </dgm:alg>
-                        </dgm:if>
-                        <dgm:else name="Name144">
-                          <dgm:alg type="tx">
-                            <dgm:param type="txAnchorVert" val="t"/>
-                            <dgm:param type="parTxLTRAlign" val="l"/>
-                            <dgm:param type="parTxRTLAlign" val="l"/>
-                          </dgm:alg>
-                        </dgm:else>
-                      </dgm:choose>
-                    </dgm:if>
-                    <dgm:else name="Name145">
-                      <dgm:choose name="Name146">
-                        <dgm:if name="Name147" axis="root des" ptType="all node" func="maxDepth" op="gt" val="1">
-                          <dgm:alg type="tx">
-                            <dgm:param type="txAnchorVert" val="b"/>
-                            <dgm:param type="txAnchorVertCh" val="b"/>
-                            <dgm:param type="parTxLTRAlign" val="l"/>
-                            <dgm:param type="parTxRTLAlign" val="r"/>
-                          </dgm:alg>
-                        </dgm:if>
-                        <dgm:else name="Name148">
-                          <dgm:alg type="tx">
-                            <dgm:param type="txAnchorVert" val="b"/>
-                            <dgm:param type="parTxLTRAlign" val="r"/>
-                            <dgm:param type="parTxRTLAlign" val="r"/>
-                          </dgm:alg>
-                        </dgm:else>
-                      </dgm:choose>
-                    </dgm:else>
-                  </dgm:choose>
-                  <dgm:shape xmlns:r="http://schemas.openxmlformats.org/officeDocument/2006/relationships" type="rect" r:blip="">
-                    <dgm:adjLst/>
-                  </dgm:shape>
-                  <dgm:presOf axis="desOrSelf" ptType="node"/>
-                  <dgm:choose name="Name149">
-                    <dgm:if name="Name150" func="var" arg="dir" op="equ" val="norm">
-                      <dgm:constrLst>
-                        <dgm:constr type="rMarg"/>
-                        <dgm:constr type="tMarg"/>
-                        <dgm:constr type="bMarg"/>
-                      </dgm:constrLst>
-                    </dgm:if>
-                    <dgm:else name="Name151">
-                      <dgm:constrLst>
-                        <dgm:constr type="lMarg"/>
-                        <dgm:constr type="tMarg"/>
-                        <dgm:constr type="bMarg"/>
-                      </dgm:constrLst>
-                    </dgm:else>
-                  </dgm:choose>
-                  <dgm:ruleLst>
-                    <dgm:rule type="primFontSz" val="5" fact="NaN" max="NaN"/>
-                  </dgm:ruleLst>
-                </dgm:layoutNode>
-              </dgm:forEach>
-              <dgm:forEach name="Name152" axis="ch" ptType="node" st="2" cnt="1">
-                <dgm:layoutNode name="bullet5b" styleLbl="node1">
-                  <dgm:alg type="sp"/>
-                  <dgm:shape xmlns:r="http://schemas.openxmlformats.org/officeDocument/2006/relationships" type="ellipse" r:blip="">
-                    <dgm:adjLst/>
-                  </dgm:shape>
-                  <dgm:presOf/>
-                  <dgm:constrLst/>
-                  <dgm:ruleLst/>
-                </dgm:layoutNode>
-                <dgm:layoutNode name="textBox5b" styleLbl="revTx">
-                  <dgm:varLst>
-                    <dgm:bulletEnabled val="1"/>
-                  </dgm:varLst>
-                  <dgm:choose name="Name153">
-                    <dgm:if name="Name154" func="var" arg="dir" op="equ" val="norm">
-                      <dgm:choose name="Name155">
-                        <dgm:if name="Name156" axis="root des" ptType="all node" func="maxDepth" op="gt" val="1">
-                          <dgm:alg type="tx">
-                            <dgm:param type="txAnchorVert" val="t"/>
-                            <dgm:param type="parTxLTRAlign" val="l"/>
-                            <dgm:param type="parTxRTLAlign" val="r"/>
-                          </dgm:alg>
-                        </dgm:if>
-                        <dgm:else name="Name157">
-                          <dgm:alg type="tx">
-                            <dgm:param type="txAnchorVert" val="t"/>
-                            <dgm:param type="parTxLTRAlign" val="l"/>
-                            <dgm:param type="parTxRTLAlign" val="l"/>
-                          </dgm:alg>
-                        </dgm:else>
-                      </dgm:choose>
-                    </dgm:if>
-                    <dgm:else name="Name158">
-                      <dgm:choose name="Name159">
-                        <dgm:if name="Name160" axis="root des" ptType="all node" func="maxDepth" op="gt" val="1">
-                          <dgm:alg type="tx">
-                            <dgm:param type="txAnchorVert" val="b"/>
-                            <dgm:param type="txAnchorVertCh" val="b"/>
-                            <dgm:param type="parTxLTRAlign" val="l"/>
-                            <dgm:param type="parTxRTLAlign" val="r"/>
-                          </dgm:alg>
-                        </dgm:if>
-                        <dgm:else name="Name161">
-                          <dgm:alg type="tx">
-                            <dgm:param type="txAnchorVert" val="b"/>
-                            <dgm:param type="parTxLTRAlign" val="r"/>
-                            <dgm:param type="parTxRTLAlign" val="r"/>
-                          </dgm:alg>
-                        </dgm:else>
-                      </dgm:choose>
-                    </dgm:else>
-                  </dgm:choose>
-                  <dgm:shape xmlns:r="http://schemas.openxmlformats.org/officeDocument/2006/relationships" type="rect" r:blip="">
-                    <dgm:adjLst/>
-                  </dgm:shape>
-                  <dgm:presOf axis="desOrSelf" ptType="node"/>
-                  <dgm:choose name="Name162">
-                    <dgm:if name="Name163" func="var" arg="dir" op="equ" val="norm">
-                      <dgm:constrLst>
-                        <dgm:constr type="rMarg"/>
-                        <dgm:constr type="tMarg"/>
-                        <dgm:constr type="bMarg"/>
-                      </dgm:constrLst>
-                    </dgm:if>
-                    <dgm:else name="Name164">
-                      <dgm:constrLst>
-                        <dgm:constr type="lMarg"/>
-                        <dgm:constr type="tMarg"/>
-                        <dgm:constr type="bMarg"/>
-                      </dgm:constrLst>
-                    </dgm:else>
-                  </dgm:choose>
-                  <dgm:ruleLst>
-                    <dgm:rule type="primFontSz" val="5" fact="NaN" max="NaN"/>
-                  </dgm:ruleLst>
-                </dgm:layoutNode>
-              </dgm:forEach>
-              <dgm:forEach name="Name165" axis="ch" ptType="node" st="3" cnt="1">
-                <dgm:layoutNode name="bullet5c" styleLbl="node1">
-                  <dgm:alg type="sp"/>
-                  <dgm:shape xmlns:r="http://schemas.openxmlformats.org/officeDocument/2006/relationships" type="ellipse" r:blip="">
-                    <dgm:adjLst/>
-                  </dgm:shape>
-                  <dgm:presOf/>
-                  <dgm:constrLst/>
-                  <dgm:ruleLst/>
-                </dgm:layoutNode>
-                <dgm:layoutNode name="textBox5c" styleLbl="revTx">
-                  <dgm:varLst>
-                    <dgm:bulletEnabled val="1"/>
-                  </dgm:varLst>
-                  <dgm:choose name="Name166">
-                    <dgm:if name="Name167" func="var" arg="dir" op="equ" val="norm">
-                      <dgm:choose name="Name168">
-                        <dgm:if name="Name169" axis="root des" ptType="all node" func="maxDepth" op="gt" val="1">
-                          <dgm:alg type="tx">
-                            <dgm:param type="txAnchorVert" val="t"/>
-                            <dgm:param type="parTxLTRAlign" val="l"/>
-                            <dgm:param type="parTxRTLAlign" val="r"/>
-                          </dgm:alg>
-                        </dgm:if>
-                        <dgm:else name="Name170">
-                          <dgm:alg type="tx">
-                            <dgm:param type="txAnchorVert" val="t"/>
-                            <dgm:param type="parTxLTRAlign" val="l"/>
-                            <dgm:param type="parTxRTLAlign" val="l"/>
-                          </dgm:alg>
-                        </dgm:else>
-                      </dgm:choose>
-                    </dgm:if>
-                    <dgm:else name="Name171">
-                      <dgm:choose name="Name172">
-                        <dgm:if name="Name173" axis="root des" ptType="all node" func="maxDepth" op="gt" val="1">
-                          <dgm:alg type="tx">
-                            <dgm:param type="txAnchorVert" val="b"/>
-                            <dgm:param type="txAnchorVertCh" val="b"/>
-                            <dgm:param type="parTxLTRAlign" val="l"/>
-                            <dgm:param type="parTxRTLAlign" val="r"/>
-                          </dgm:alg>
-                        </dgm:if>
-                        <dgm:else name="Name174">
-                          <dgm:alg type="tx">
-                            <dgm:param type="txAnchorVert" val="b"/>
-                            <dgm:param type="parTxLTRAlign" val="r"/>
-                            <dgm:param type="parTxRTLAlign" val="r"/>
-                          </dgm:alg>
-                        </dgm:else>
-                      </dgm:choose>
-                    </dgm:else>
-                  </dgm:choose>
-                  <dgm:shape xmlns:r="http://schemas.openxmlformats.org/officeDocument/2006/relationships" type="rect" r:blip="">
-                    <dgm:adjLst/>
-                  </dgm:shape>
-                  <dgm:presOf axis="desOrSelf" ptType="node"/>
-                  <dgm:choose name="Name175">
-                    <dgm:if name="Name176" func="var" arg="dir" op="equ" val="norm">
-                      <dgm:constrLst>
-                        <dgm:constr type="rMarg"/>
-                        <dgm:constr type="tMarg"/>
-                        <dgm:constr type="bMarg"/>
-                      </dgm:constrLst>
-                    </dgm:if>
-                    <dgm:else name="Name177">
-                      <dgm:constrLst>
-                        <dgm:constr type="lMarg"/>
-                        <dgm:constr type="tMarg"/>
-                        <dgm:constr type="bMarg"/>
-                      </dgm:constrLst>
-                    </dgm:else>
-                  </dgm:choose>
-                  <dgm:ruleLst>
-                    <dgm:rule type="primFontSz" val="5" fact="NaN" max="NaN"/>
-                  </dgm:ruleLst>
-                </dgm:layoutNode>
-              </dgm:forEach>
-              <dgm:forEach name="Name178" axis="ch" ptType="node" st="4" cnt="1">
-                <dgm:layoutNode name="bullet5d" styleLbl="node1">
-                  <dgm:alg type="sp"/>
-                  <dgm:shape xmlns:r="http://schemas.openxmlformats.org/officeDocument/2006/relationships" type="ellipse" r:blip="">
-                    <dgm:adjLst/>
-                  </dgm:shape>
-                  <dgm:presOf/>
-                  <dgm:constrLst/>
-                  <dgm:ruleLst/>
-                </dgm:layoutNode>
-                <dgm:layoutNode name="textBox5d" styleLbl="revTx">
-                  <dgm:varLst>
-                    <dgm:bulletEnabled val="1"/>
-                  </dgm:varLst>
-                  <dgm:choose name="Name179">
-                    <dgm:if name="Name180" func="var" arg="dir" op="equ" val="norm">
-                      <dgm:choose name="Name181">
-                        <dgm:if name="Name182" axis="root des" ptType="all node" func="maxDepth" op="gt" val="1">
-                          <dgm:alg type="tx">
-                            <dgm:param type="txAnchorVert" val="t"/>
-                            <dgm:param type="parTxLTRAlign" val="l"/>
-                            <dgm:param type="parTxRTLAlign" val="r"/>
-                          </dgm:alg>
-                        </dgm:if>
-                        <dgm:else name="Name183">
-                          <dgm:alg type="tx">
-                            <dgm:param type="txAnchorVert" val="t"/>
-                            <dgm:param type="parTxLTRAlign" val="l"/>
-                            <dgm:param type="parTxRTLAlign" val="l"/>
-                          </dgm:alg>
-                        </dgm:else>
-                      </dgm:choose>
-                    </dgm:if>
-                    <dgm:else name="Name184">
-                      <dgm:choose name="Name185">
-                        <dgm:if name="Name186" axis="root des" ptType="all node" func="maxDepth" op="gt" val="1">
-                          <dgm:alg type="tx">
-                            <dgm:param type="txAnchorVert" val="b"/>
-                            <dgm:param type="txAnchorVertCh" val="b"/>
-                            <dgm:param type="parTxLTRAlign" val="l"/>
-                            <dgm:param type="parTxRTLAlign" val="r"/>
-                          </dgm:alg>
-                        </dgm:if>
-                        <dgm:else name="Name187">
-                          <dgm:alg type="tx">
-                            <dgm:param type="txAnchorVert" val="b"/>
-                            <dgm:param type="parTxLTRAlign" val="r"/>
-                            <dgm:param type="parTxRTLAlign" val="r"/>
-                          </dgm:alg>
-                        </dgm:else>
-                      </dgm:choose>
-                    </dgm:else>
-                  </dgm:choose>
-                  <dgm:shape xmlns:r="http://schemas.openxmlformats.org/officeDocument/2006/relationships" type="rect" r:blip="">
-                    <dgm:adjLst/>
-                  </dgm:shape>
-                  <dgm:presOf axis="desOrSelf" ptType="node"/>
-                  <dgm:choose name="Name188">
-                    <dgm:if name="Name189" func="var" arg="dir" op="equ" val="norm">
-                      <dgm:constrLst>
-                        <dgm:constr type="rMarg"/>
-                        <dgm:constr type="tMarg"/>
-                        <dgm:constr type="bMarg"/>
-                      </dgm:constrLst>
-                    </dgm:if>
-                    <dgm:else name="Name190">
-                      <dgm:constrLst>
-                        <dgm:constr type="lMarg"/>
-                        <dgm:constr type="tMarg"/>
-                        <dgm:constr type="bMarg"/>
-                      </dgm:constrLst>
-                    </dgm:else>
-                  </dgm:choose>
-                  <dgm:ruleLst>
-                    <dgm:rule type="primFontSz" val="5" fact="NaN" max="NaN"/>
-                  </dgm:ruleLst>
-                </dgm:layoutNode>
-              </dgm:forEach>
-              <dgm:forEach name="Name191" axis="ch" ptType="node" st="5" cnt="1">
-                <dgm:layoutNode name="bullet5e" styleLbl="node1">
-                  <dgm:alg type="sp"/>
-                  <dgm:shape xmlns:r="http://schemas.openxmlformats.org/officeDocument/2006/relationships" type="ellipse" r:blip="">
-                    <dgm:adjLst/>
-                  </dgm:shape>
-                  <dgm:presOf/>
-                  <dgm:constrLst/>
-                  <dgm:ruleLst/>
-                </dgm:layoutNode>
-                <dgm:layoutNode name="textBox5e" styleLbl="revTx">
-                  <dgm:varLst>
-                    <dgm:bulletEnabled val="1"/>
-                  </dgm:varLst>
-                  <dgm:choose name="Name192">
-                    <dgm:if name="Name193" func="var" arg="dir" op="equ" val="norm">
-                      <dgm:choose name="Name194">
-                        <dgm:if name="Name195" axis="root des" ptType="all node" func="maxDepth" op="gt" val="1">
-                          <dgm:alg type="tx">
-                            <dgm:param type="txAnchorVert" val="t"/>
-                            <dgm:param type="parTxLTRAlign" val="l"/>
-                            <dgm:param type="parTxRTLAlign" val="r"/>
-                          </dgm:alg>
-                        </dgm:if>
-                        <dgm:else name="Name196">
-                          <dgm:alg type="tx">
-                            <dgm:param type="txAnchorVert" val="t"/>
-                            <dgm:param type="parTxLTRAlign" val="l"/>
-                            <dgm:param type="parTxRTLAlign" val="l"/>
-                          </dgm:alg>
-                        </dgm:else>
-                      </dgm:choose>
-                    </dgm:if>
-                    <dgm:else name="Name197">
-                      <dgm:choose name="Name198">
-                        <dgm:if name="Name199" axis="root des" ptType="all node" func="maxDepth" op="gt" val="1">
-                          <dgm:alg type="tx">
-                            <dgm:param type="txAnchorVert" val="b"/>
-                            <dgm:param type="txAnchorVertCh" val="b"/>
-                            <dgm:param type="parTxLTRAlign" val="l"/>
-                            <dgm:param type="parTxRTLAlign" val="r"/>
-                          </dgm:alg>
-                        </dgm:if>
-                        <dgm:else name="Name200">
-                          <dgm:alg type="tx">
-                            <dgm:param type="txAnchorVert" val="b"/>
-                            <dgm:param type="parTxLTRAlign" val="r"/>
-                            <dgm:param type="parTxRTLAlign" val="r"/>
-                          </dgm:alg>
-                        </dgm:else>
-                      </dgm:choose>
-                    </dgm:else>
-                  </dgm:choose>
-                  <dgm:shape xmlns:r="http://schemas.openxmlformats.org/officeDocument/2006/relationships" type="rect" r:blip="">
-                    <dgm:adjLst/>
-                  </dgm:shape>
-                  <dgm:presOf axis="desOrSelf" ptType="node"/>
-                  <dgm:choose name="Name201">
-                    <dgm:if name="Name202" func="var" arg="dir" op="equ" val="norm">
-                      <dgm:constrLst>
-                        <dgm:constr type="rMarg"/>
-                        <dgm:constr type="tMarg"/>
-                        <dgm:constr type="bMarg"/>
-                      </dgm:constrLst>
-                    </dgm:if>
-                    <dgm:else name="Name203">
-                      <dgm:constrLst>
-                        <dgm:constr type="lMarg"/>
-                        <dgm:constr type="tMarg"/>
-                        <dgm:constr type="bMarg"/>
-                      </dgm:constrLst>
-                    </dgm:else>
-                  </dgm:choose>
-                  <dgm:ruleLst>
-                    <dgm:rule type="primFontSz" val="5" fact="NaN" max="NaN"/>
-                  </dgm:ruleLst>
-                </dgm:layoutNode>
-              </dgm:forEach>
-            </dgm:layoutNode>
-          </dgm:else>
-        </dgm:choose>
-      </dgm:if>
-      <dgm:else name="Name204"/>
-    </dgm:choose>
-  </dgm:layoutNode>
-</dgm:layoutDef>
-</file>
-
-<file path=ppt/diagrams/quickStyle1.xml><?xml version="1.0" encoding="utf-8"?>
-<dgm:styleDef xmlns:dgm="http://schemas.openxmlformats.org/drawingml/2006/diagram" xmlns:a="http://schemas.openxmlformats.org/drawingml/2006/main" uniqueId="urn:microsoft.com/office/officeart/2005/8/quickstyle/simple3">
-  <dgm:title val=""/>
-  <dgm:desc val=""/>
-  <dgm:catLst>
-    <dgm:cat type="simple" pri="10300"/>
-  </dgm:catLst>
-  <dgm:scene3d>
-    <a:camera prst="orthographicFront"/>
-    <a:lightRig rig="threePt" dir="t"/>
-  </dgm:scene3d>
-  <dgm:styleLbl name="node0">
-    <dgm:scene3d>
-      <a:camera prst="orthographicFront"/>
-      <a:lightRig rig="flat" dir="t"/>
-    </dgm:scene3d>
-    <dgm:sp3d prstMaterial="dkEdge">
-      <a:bevelT w="8200" h="38100"/>
-    </dgm:sp3d>
-    <dgm:txPr/>
-    <dgm:style>
-      <a:lnRef idx="0">
-        <a:scrgbClr r="0" g="0" b="0"/>
-      </a:lnRef>
-      <a:fillRef idx="2">
-        <a:scrgbClr r="0" g="0" b="0"/>
-      </a:fillRef>
-      <a:effectRef idx="1">
-        <a:scrgbClr r="0" g="0" b="0"/>
-      </a:effectRef>
-      <a:fontRef idx="minor">
-        <a:schemeClr val="dk1"/>
-      </a:fontRef>
-    </dgm:style>
-  </dgm:styleLbl>
-  <dgm:styleLbl name="lnNode1">
-    <dgm:scene3d>
-      <a:camera prst="orthographicFront"/>
-      <a:lightRig rig="flat" dir="t"/>
-    </dgm:scene3d>
-    <dgm:sp3d prstMaterial="dkEdge">
-      <a:bevelT w="8200" h="38100"/>
-    </dgm:sp3d>
-    <dgm:txPr/>
-    <dgm:style>
-      <a:lnRef idx="1">
-        <a:scrgbClr r="0" g="0" b="0"/>
-      </a:lnRef>
-      <a:fillRef idx="2">
-        <a:scrgbClr r="0" g="0" b="0"/>
-      </a:fillRef>
-      <a:effectRef idx="0">
-        <a:scrgbClr r="0" g="0" b="0"/>
-      </a:effectRef>
-      <a:fontRef idx="minor">
-        <a:schemeClr val="dk1"/>
-      </a:fontRef>
-    </dgm:style>
-  </dgm:styleLbl>
-  <dgm:styleLbl name="vennNode1">
-    <dgm:scene3d>
-      <a:camera prst="orthographicFront"/>
-      <a:lightRig rig="flat" dir="t"/>
-    </dgm:scene3d>
-    <dgm:sp3d prstMaterial="dkEdge">
-      <a:bevelT w="8200" h="38100"/>
-    </dgm:sp3d>
-    <dgm:txPr/>
-    <dgm:style>
-      <a:lnRef idx="0">
-        <a:scrgbClr r="0" g="0" b="0"/>
-      </a:lnRef>
-      <a:fillRef idx="2">
-        <a:scrgbClr r="0" g="0" b="0"/>
-      </a:fillRef>
-      <a:effectRef idx="0">
-        <a:scrgbClr r="0" g="0" b="0"/>
-      </a:effectRef>
-      <a:fontRef idx="minor">
-        <a:schemeClr val="tx1"/>
-      </a:fontRef>
-    </dgm:style>
-  </dgm:styleLbl>
-  <dgm:styleLbl name="alignNode1">
-    <dgm:scene3d>
-      <a:camera prst="orthographicFront"/>
-      <a:lightRig rig="threePt" dir="t"/>
-    </dgm:scene3d>
-    <dgm:sp3d/>
-    <dgm:txPr/>
-    <dgm:style>
-      <a:lnRef idx="1">
-        <a:scrgbClr r="0" g="0" b="0"/>
-      </a:lnRef>
-      <a:fillRef idx="2">
-        <a:scrgbClr r="0" g="0" b="0"/>
-      </a:fillRef>
-      <a:effectRef idx="1">
-        <a:scrgbClr r="0" g="0" b="0"/>
-      </a:effectRef>
-      <a:fontRef idx="minor">
-        <a:schemeClr val="dk1"/>
-      </a:fontRef>
-    </dgm:style>
-  </dgm:styleLbl>
-  <dgm:styleLbl name="node1">
-    <dgm:scene3d>
-      <a:camera prst="orthographicFront"/>
-      <a:lightRig rig="flat" dir="t"/>
-    </dgm:scene3d>
-    <dgm:sp3d prstMaterial="dkEdge">
-      <a:bevelT w="8200" h="38100"/>
-    </dgm:sp3d>
-    <dgm:txPr/>
-    <dgm:style>
-      <a:lnRef idx="0">
-        <a:scrgbClr r="0" g="0" b="0"/>
-      </a:lnRef>
-      <a:fillRef idx="2">
-        <a:scrgbClr r="0" g="0" b="0"/>
-      </a:fillRef>
-      <a:effectRef idx="1">
-        <a:scrgbClr r="0" g="0" b="0"/>
-      </a:effectRef>
-      <a:fontRef idx="minor">
-        <a:schemeClr val="dk1"/>
-      </a:fontRef>
-    </dgm:style>
-  </dgm:styleLbl>
-  <dgm:styleLbl name="node2">
-    <dgm:scene3d>
-      <a:camera prst="orthographicFront"/>
-      <a:lightRig rig="flat" dir="t"/>
-    </dgm:scene3d>
-    <dgm:sp3d prstMaterial="dkEdge">
-      <a:bevelT w="8200" h="38100"/>
-    </dgm:sp3d>
-    <dgm:txPr/>
-    <dgm:style>
-      <a:lnRef idx="0">
-        <a:scrgbClr r="0" g="0" b="0"/>
-      </a:lnRef>
-      <a:fillRef idx="2">
-        <a:scrgbClr r="0" g="0" b="0"/>
-      </a:fillRef>
-      <a:effectRef idx="1">
-        <a:scrgbClr r="0" g="0" b="0"/>
-      </a:effectRef>
-      <a:fontRef idx="minor">
-        <a:schemeClr val="dk1"/>
-      </a:fontRef>
-    </dgm:style>
-  </dgm:styleLbl>
-  <dgm:styleLbl name="node3">
-    <dgm:scene3d>
-      <a:camera prst="orthographicFront"/>
-      <a:lightRig rig="flat" dir="t"/>
-    </dgm:scene3d>
-    <dgm:sp3d prstMaterial="dkEdge">
-      <a:bevelT w="8200" h="38100"/>
-    </dgm:sp3d>
-    <dgm:txPr/>
-    <dgm:style>
-      <a:lnRef idx="0">
-        <a:scrgbClr r="0" g="0" b="0"/>
-      </a:lnRef>
-      <a:fillRef idx="2">
-        <a:scrgbClr r="0" g="0" b="0"/>
-      </a:fillRef>
-      <a:effectRef idx="1">
-        <a:scrgbClr r="0" g="0" b="0"/>
-      </a:effectRef>
-      <a:fontRef idx="minor">
-        <a:schemeClr val="dk1"/>
-      </a:fontRef>
-    </dgm:style>
-  </dgm:styleLbl>
-  <dgm:styleLbl name="node4">
-    <dgm:scene3d>
-      <a:camera prst="orthographicFront"/>
-      <a:lightRig rig="flat" dir="t"/>
-    </dgm:scene3d>
-    <dgm:sp3d prstMaterial="dkEdge">
-      <a:bevelT w="8200" h="38100"/>
-    </dgm:sp3d>
-    <dgm:txPr/>
-    <dgm:style>
-      <a:lnRef idx="0">
-        <a:scrgbClr r="0" g="0" b="0"/>
-      </a:lnRef>
-      <a:fillRef idx="2">
-        <a:scrgbClr r="0" g="0" b="0"/>
-      </a:fillRef>
-      <a:effectRef idx="1">
-        <a:scrgbClr r="0" g="0" b="0"/>
-      </a:effectRef>
-      <a:fontRef idx="minor">
-        <a:schemeClr val="dk1"/>
-      </a:fontRef>
-    </dgm:style>
-  </dgm:styleLbl>
-  <dgm:styleLbl name="fgImgPlace1">
-    <dgm:scene3d>
-      <a:camera prst="orthographicFront"/>
-      <a:lightRig rig="threePt" dir="t"/>
-    </dgm:scene3d>
-    <dgm:sp3d/>
-    <dgm:txPr/>
-    <dgm:style>
-      <a:lnRef idx="1">
-        <a:scrgbClr r="0" g="0" b="0"/>
-      </a:lnRef>
-      <a:fillRef idx="1">
-        <a:scrgbClr r="0" g="0" b="0"/>
-      </a:fillRef>
-      <a:effectRef idx="1">
-        <a:scrgbClr r="0" g="0" b="0"/>
-      </a:effectRef>
-      <a:fontRef idx="minor"/>
-    </dgm:style>
-  </dgm:styleLbl>
-  <dgm:styleLbl name="alignImgPlace1">
-    <dgm:scene3d>
-      <a:camera prst="orthographicFront"/>
-      <a:lightRig rig="threePt" dir="t"/>
-    </dgm:scene3d>
-    <dgm:sp3d/>
-    <dgm:txPr/>
-    <dgm:style>
-      <a:lnRef idx="1">
-        <a:scrgbClr r="0" g="0" b="0"/>
-      </a:lnRef>
-      <a:fillRef idx="1">
-        <a:scrgbClr r="0" g="0" b="0"/>
-      </a:fillRef>
-      <a:effectRef idx="1">
-        <a:scrgbClr r="0" g="0" b="0"/>
-      </a:effectRef>
-      <a:fontRef idx="minor"/>
-    </dgm:style>
-  </dgm:styleLbl>
-  <dgm:styleLbl name="bgImgPlace1">
-    <dgm:scene3d>
-      <a:camera prst="orthographicFront"/>
-      <a:lightRig rig="threePt" dir="t"/>
-    </dgm:scene3d>
-    <dgm:sp3d/>
-    <dgm:txPr/>
-    <dgm:style>
-      <a:lnRef idx="1">
-        <a:scrgbClr r="0" g="0" b="0"/>
-      </a:lnRef>
-      <a:fillRef idx="1">
-        <a:scrgbClr r="0" g="0" b="0"/>
-      </a:fillRef>
-      <a:effectRef idx="1">
-        <a:scrgbClr r="0" g="0" b="0"/>
-      </a:effectRef>
-      <a:fontRef idx="minor"/>
-    </dgm:style>
-  </dgm:styleLbl>
-  <dgm:styleLbl name="sibTrans2D1">
-    <dgm:scene3d>
-      <a:camera prst="orthographicFront"/>
-      <a:lightRig rig="threePt" dir="t"/>
-    </dgm:scene3d>
-    <dgm:sp3d/>
-    <dgm:txPr/>
-    <dgm:style>
-      <a:lnRef idx="0">
-        <a:scrgbClr r="0" g="0" b="0"/>
-      </a:lnRef>
-      <a:fillRef idx="2">
-        <a:scrgbClr r="0" g="0" b="0"/>
-      </a:fillRef>
-      <a:effectRef idx="1">
-        <a:scrgbClr r="0" g="0" b="0"/>
-      </a:effectRef>
-      <a:fontRef idx="minor">
-        <a:schemeClr val="dk1"/>
-      </a:fontRef>
-    </dgm:style>
-  </dgm:styleLbl>
-  <dgm:styleLbl name="fgSibTrans2D1">
-    <dgm:scene3d>
-      <a:camera prst="orthographicFront"/>
-      <a:lightRig rig="threePt" dir="t"/>
-    </dgm:scene3d>
-    <dgm:sp3d/>
-    <dgm:txPr/>
-    <dgm:style>
-      <a:lnRef idx="0">
-        <a:scrgbClr r="0" g="0" b="0"/>
-      </a:lnRef>
-      <a:fillRef idx="2">
-        <a:scrgbClr r="0" g="0" b="0"/>
-      </a:fillRef>
-      <a:effectRef idx="1">
-        <a:scrgbClr r="0" g="0" b="0"/>
-      </a:effectRef>
-      <a:fontRef idx="minor">
-        <a:schemeClr val="dk1"/>
-      </a:fontRef>
-    </dgm:style>
-  </dgm:styleLbl>
-  <dgm:styleLbl name="bgSibTrans2D1">
-    <dgm:scene3d>
-      <a:camera prst="orthographicFront"/>
-      <a:lightRig rig="threePt" dir="t"/>
-    </dgm:scene3d>
-    <dgm:sp3d/>
-    <dgm:txPr/>
-    <dgm:style>
-      <a:lnRef idx="0">
-        <a:scrgbClr r="0" g="0" b="0"/>
-      </a:lnRef>
-      <a:fillRef idx="2">
-        <a:scrgbClr r="0" g="0" b="0"/>
-      </a:fillRef>
-      <a:effectRef idx="1">
-        <a:scrgbClr r="0" g="0" b="0"/>
-      </a:effectRef>
-      <a:fontRef idx="minor">
-        <a:schemeClr val="dk1"/>
-      </a:fontRef>
-    </dgm:style>
-  </dgm:styleLbl>
-  <dgm:styleLbl name="sibTrans1D1">
-    <dgm:scene3d>
-      <a:camera prst="orthographicFront"/>
-      <a:lightRig rig="threePt" dir="t"/>
-    </dgm:scene3d>
-    <dgm:sp3d/>
-    <dgm:txPr/>
-    <dgm:style>
-      <a:lnRef idx="1">
-        <a:scrgbClr r="0" g="0" b="0"/>
-      </a:lnRef>
-      <a:fillRef idx="0">
-        <a:scrgbClr r="0" g="0" b="0"/>
-      </a:fillRef>
-      <a:effectRef idx="0">
-        <a:scrgbClr r="0" g="0" b="0"/>
-      </a:effectRef>
-      <a:fontRef idx="minor"/>
-    </dgm:style>
-  </dgm:styleLbl>
-  <dgm:styleLbl name="callout">
-    <dgm:scene3d>
-      <a:camera prst="orthographicFront"/>
-      <a:lightRig rig="threePt" dir="t"/>
-    </dgm:scene3d>
-    <dgm:sp3d/>
-    <dgm:txPr/>
-    <dgm:style>
-      <a:lnRef idx="1">
-        <a:scrgbClr r="0" g="0" b="0"/>
-      </a:lnRef>
-      <a:fillRef idx="2">
-        <a:scrgbClr r="0" g="0" b="0"/>
-      </a:fillRef>
-      <a:effectRef idx="1">
-        <a:scrgbClr r="0" g="0" b="0"/>
-      </a:effectRef>
-      <a:fontRef idx="minor"/>
-    </dgm:style>
-  </dgm:styleLbl>
-  <dgm:styleLbl name="asst0">
-    <dgm:scene3d>
-      <a:camera prst="orthographicFront"/>
-      <a:lightRig rig="flat" dir="t"/>
-    </dgm:scene3d>
-    <dgm:sp3d prstMaterial="dkEdge">
-      <a:bevelT w="8200" h="38100"/>
-    </dgm:sp3d>
-    <dgm:txPr/>
-    <dgm:style>
-      <a:lnRef idx="0">
-        <a:scrgbClr r="0" g="0" b="0"/>
-      </a:lnRef>
-      <a:fillRef idx="2">
-        <a:scrgbClr r="0" g="0" b="0"/>
-      </a:fillRef>
-      <a:effectRef idx="1">
-        <a:scrgbClr r="0" g="0" b="0"/>
-      </a:effectRef>
-      <a:fontRef idx="minor">
-        <a:schemeClr val="dk1"/>
-      </a:fontRef>
-    </dgm:style>
-  </dgm:styleLbl>
-  <dgm:styleLbl name="asst1">
-    <dgm:scene3d>
-      <a:camera prst="orthographicFront"/>
-      <a:lightRig rig="flat" dir="t"/>
-    </dgm:scene3d>
-    <dgm:sp3d prstMaterial="dkEdge">
-      <a:bevelT w="8200" h="38100"/>
-    </dgm:sp3d>
-    <dgm:txPr/>
-    <dgm:style>
-      <a:lnRef idx="0">
-        <a:scrgbClr r="0" g="0" b="0"/>
-      </a:lnRef>
-      <a:fillRef idx="2">
-        <a:scrgbClr r="0" g="0" b="0"/>
-      </a:fillRef>
-      <a:effectRef idx="1">
-        <a:scrgbClr r="0" g="0" b="0"/>
-      </a:effectRef>
-      <a:fontRef idx="minor">
-        <a:schemeClr val="dk1"/>
-      </a:fontRef>
-    </dgm:style>
-  </dgm:styleLbl>
-  <dgm:styleLbl name="asst2">
-    <dgm:scene3d>
-      <a:camera prst="orthographicFront"/>
-      <a:lightRig rig="flat" dir="t"/>
-    </dgm:scene3d>
-    <dgm:sp3d prstMaterial="dkEdge">
-      <a:bevelT w="8200" h="38100"/>
-    </dgm:sp3d>
-    <dgm:txPr/>
-    <dgm:style>
-      <a:lnRef idx="0">
-        <a:scrgbClr r="0" g="0" b="0"/>
-      </a:lnRef>
-      <a:fillRef idx="2">
-        <a:scrgbClr r="0" g="0" b="0"/>
-      </a:fillRef>
-      <a:effectRef idx="1">
-        <a:scrgbClr r="0" g="0" b="0"/>
-      </a:effectRef>
-      <a:fontRef idx="minor">
-        <a:schemeClr val="dk1"/>
-      </a:fontRef>
-    </dgm:style>
-  </dgm:styleLbl>
-  <dgm:styleLbl name="asst3">
-    <dgm:scene3d>
-      <a:camera prst="orthographicFront"/>
-      <a:lightRig rig="flat" dir="t"/>
-    </dgm:scene3d>
-    <dgm:sp3d prstMaterial="dkEdge">
-      <a:bevelT w="8200" h="38100"/>
-    </dgm:sp3d>
-    <dgm:txPr/>
-    <dgm:style>
-      <a:lnRef idx="0">
-        <a:scrgbClr r="0" g="0" b="0"/>
-      </a:lnRef>
-      <a:fillRef idx="2">
-        <a:scrgbClr r="0" g="0" b="0"/>
-      </a:fillRef>
-      <a:effectRef idx="1">
-        <a:scrgbClr r="0" g="0" b="0"/>
-      </a:effectRef>
-      <a:fontRef idx="minor">
-        <a:schemeClr val="dk1"/>
-      </a:fontRef>
-    </dgm:style>
-  </dgm:styleLbl>
-  <dgm:styleLbl name="asst4">
-    <dgm:scene3d>
-      <a:camera prst="orthographicFront"/>
-      <a:lightRig rig="flat" dir="t"/>
-    </dgm:scene3d>
-    <dgm:sp3d prstMaterial="dkEdge">
-      <a:bevelT w="8200" h="38100"/>
-    </dgm:sp3d>
-    <dgm:txPr/>
-    <dgm:style>
-      <a:lnRef idx="0">
-        <a:scrgbClr r="0" g="0" b="0"/>
-      </a:lnRef>
-      <a:fillRef idx="2">
-        <a:scrgbClr r="0" g="0" b="0"/>
-      </a:fillRef>
-      <a:effectRef idx="1">
-        <a:scrgbClr r="0" g="0" b="0"/>
-      </a:effectRef>
-      <a:fontRef idx="minor">
-        <a:schemeClr val="dk1"/>
-      </a:fontRef>
-    </dgm:style>
-  </dgm:styleLbl>
-  <dgm:styleLbl name="parChTrans2D1">
-    <dgm:scene3d>
-      <a:camera prst="orthographicFront"/>
-      <a:lightRig rig="threePt" dir="t"/>
-    </dgm:scene3d>
-    <dgm:sp3d/>
-    <dgm:txPr/>
-    <dgm:style>
-      <a:lnRef idx="1">
-        <a:scrgbClr r="0" g="0" b="0"/>
-      </a:lnRef>
-      <a:fillRef idx="2">
-        <a:scrgbClr r="0" g="0" b="0"/>
-      </a:fillRef>
-      <a:effectRef idx="1">
-        <a:scrgbClr r="0" g="0" b="0"/>
-      </a:effectRef>
-      <a:fontRef idx="minor">
-        <a:schemeClr val="dk1"/>
-      </a:fontRef>
-    </dgm:style>
-  </dgm:styleLbl>
-  <dgm:styleLbl name="parChTrans2D2">
-    <dgm:scene3d>
-      <a:camera prst="orthographicFront"/>
-      <a:lightRig rig="threePt" dir="t"/>
-    </dgm:scene3d>
-    <dgm:sp3d/>
-    <dgm:txPr/>
-    <dgm:style>
-      <a:lnRef idx="1">
-        <a:scrgbClr r="0" g="0" b="0"/>
-      </a:lnRef>
-      <a:fillRef idx="2">
-        <a:scrgbClr r="0" g="0" b="0"/>
-      </a:fillRef>
-      <a:effectRef idx="1">
-        <a:scrgbClr r="0" g="0" b="0"/>
-      </a:effectRef>
-      <a:fontRef idx="minor">
-        <a:schemeClr val="dk1"/>
-      </a:fontRef>
-    </dgm:style>
-  </dgm:styleLbl>
-  <dgm:styleLbl name="parChTrans2D3">
-    <dgm:scene3d>
-      <a:camera prst="orthographicFront"/>
-      <a:lightRig rig="threePt" dir="t"/>
-    </dgm:scene3d>
-    <dgm:sp3d/>
-    <dgm:txPr/>
-    <dgm:style>
-      <a:lnRef idx="1">
-        <a:scrgbClr r="0" g="0" b="0"/>
-      </a:lnRef>
-      <a:fillRef idx="2">
-        <a:scrgbClr r="0" g="0" b="0"/>
-      </a:fillRef>
-      <a:effectRef idx="1">
-        <a:scrgbClr r="0" g="0" b="0"/>
-      </a:effectRef>
-      <a:fontRef idx="minor">
-        <a:schemeClr val="dk1"/>
-      </a:fontRef>
-    </dgm:style>
-  </dgm:styleLbl>
-  <dgm:styleLbl name="parChTrans2D4">
-    <dgm:scene3d>
-      <a:camera prst="orthographicFront"/>
-      <a:lightRig rig="threePt" dir="t"/>
-    </dgm:scene3d>
-    <dgm:sp3d/>
-    <dgm:txPr/>
-    <dgm:style>
-      <a:lnRef idx="1">
-        <a:scrgbClr r="0" g="0" b="0"/>
-      </a:lnRef>
-      <a:fillRef idx="2">
-        <a:scrgbClr r="0" g="0" b="0"/>
-      </a:fillRef>
-      <a:effectRef idx="1">
-        <a:scrgbClr r="0" g="0" b="0"/>
-      </a:effectRef>
-      <a:fontRef idx="minor">
-        <a:schemeClr val="dk1"/>
-      </a:fontRef>
-    </dgm:style>
-  </dgm:styleLbl>
-  <dgm:styleLbl name="parChTrans1D1">
-    <dgm:scene3d>
-      <a:camera prst="orthographicFront"/>
-      <a:lightRig rig="threePt" dir="t"/>
-    </dgm:scene3d>
-    <dgm:sp3d/>
-    <dgm:txPr/>
-    <dgm:style>
-      <a:lnRef idx="2">
-        <a:scrgbClr r="0" g="0" b="0"/>
-      </a:lnRef>
-      <a:fillRef idx="0">
-        <a:scrgbClr r="0" g="0" b="0"/>
-      </a:fillRef>
-      <a:effectRef idx="0">
-        <a:scrgbClr r="0" g="0" b="0"/>
-      </a:effectRef>
-      <a:fontRef idx="minor"/>
-    </dgm:style>
-  </dgm:styleLbl>
-  <dgm:styleLbl name="parChTrans1D2">
-    <dgm:scene3d>
-      <a:camera prst="orthographicFront"/>
-      <a:lightRig rig="threePt" dir="t"/>
-    </dgm:scene3d>
-    <dgm:sp3d/>
-    <dgm:txPr/>
-    <dgm:style>
-      <a:lnRef idx="2">
-        <a:scrgbClr r="0" g="0" b="0"/>
-      </a:lnRef>
-      <a:fillRef idx="0">
-        <a:scrgbClr r="0" g="0" b="0"/>
-      </a:fillRef>
-      <a:effectRef idx="0">
-        <a:scrgbClr r="0" g="0" b="0"/>
-      </a:effectRef>
-      <a:fontRef idx="minor"/>
-    </dgm:style>
-  </dgm:styleLbl>
-  <dgm:styleLbl name="parChTrans1D3">
-    <dgm:scene3d>
-      <a:camera prst="orthographicFront"/>
-      <a:lightRig rig="threePt" dir="t"/>
-    </dgm:scene3d>
-    <dgm:sp3d/>
-    <dgm:txPr/>
-    <dgm:style>
-      <a:lnRef idx="2">
-        <a:scrgbClr r="0" g="0" b="0"/>
-      </a:lnRef>
-      <a:fillRef idx="0">
-        <a:scrgbClr r="0" g="0" b="0"/>
-      </a:fillRef>
-      <a:effectRef idx="0">
-        <a:scrgbClr r="0" g="0" b="0"/>
-      </a:effectRef>
-      <a:fontRef idx="minor"/>
-    </dgm:style>
-  </dgm:styleLbl>
-  <dgm:styleLbl name="parChTrans1D4">
-    <dgm:scene3d>
-      <a:camera prst="orthographicFront"/>
-      <a:lightRig rig="threePt" dir="t"/>
-    </dgm:scene3d>
-    <dgm:sp3d/>
-    <dgm:txPr/>
-    <dgm:style>
-      <a:lnRef idx="2">
-        <a:scrgbClr r="0" g="0" b="0"/>
-      </a:lnRef>
-      <a:fillRef idx="0">
-        <a:scrgbClr r="0" g="0" b="0"/>
-      </a:fillRef>
-      <a:effectRef idx="0">
-        <a:scrgbClr r="0" g="0" b="0"/>
-      </a:effectRef>
-      <a:fontRef idx="minor"/>
-    </dgm:style>
-  </dgm:styleLbl>
-  <dgm:styleLbl name="fgAcc1">
-    <dgm:scene3d>
-      <a:camera prst="orthographicFront"/>
-      <a:lightRig rig="threePt" dir="t"/>
-    </dgm:scene3d>
-    <dgm:sp3d/>
-    <dgm:txPr/>
-    <dgm:style>
-      <a:lnRef idx="1">
-        <a:scrgbClr r="0" g="0" b="0"/>
-      </a:lnRef>
-      <a:fillRef idx="1">
-        <a:scrgbClr r="0" g="0" b="0"/>
-      </a:fillRef>
-      <a:effectRef idx="0">
-        <a:scrgbClr r="0" g="0" b="0"/>
-      </a:effectRef>
-      <a:fontRef idx="minor"/>
-    </dgm:style>
-  </dgm:styleLbl>
-  <dgm:styleLbl name="conFgAcc1">
-    <dgm:scene3d>
-      <a:camera prst="orthographicFront"/>
-      <a:lightRig rig="threePt" dir="t"/>
-    </dgm:scene3d>
-    <dgm:sp3d/>
-    <dgm:txPr/>
-    <dgm:style>
-      <a:lnRef idx="1">
-        <a:scrgbClr r="0" g="0" b="0"/>
-      </a:lnRef>
-      <a:fillRef idx="1">
-        <a:scrgbClr r="0" g="0" b="0"/>
-      </a:fillRef>
-      <a:effectRef idx="0">
-        <a:scrgbClr r="0" g="0" b="0"/>
-      </a:effectRef>
-      <a:fontRef idx="minor"/>
-    </dgm:style>
-  </dgm:styleLbl>
-  <dgm:styleLbl name="alignAcc1">
-    <dgm:scene3d>
-      <a:camera prst="orthographicFront"/>
-      <a:lightRig rig="threePt" dir="t"/>
-    </dgm:scene3d>
-    <dgm:sp3d/>
-    <dgm:txPr/>
-    <dgm:style>
-      <a:lnRef idx="1">
-        <a:scrgbClr r="0" g="0" b="0"/>
-      </a:lnRef>
-      <a:fillRef idx="1">
-        <a:scrgbClr r="0" g="0" b="0"/>
-      </a:fillRef>
-      <a:effectRef idx="0">
-        <a:scrgbClr r="0" g="0" b="0"/>
-      </a:effectRef>
-      <a:fontRef idx="minor"/>
-    </dgm:style>
-  </dgm:styleLbl>
-  <dgm:styleLbl name="trAlignAcc1">
-    <dgm:scene3d>
-      <a:camera prst="orthographicFront"/>
-      <a:lightRig rig="threePt" dir="t"/>
-    </dgm:scene3d>
-    <dgm:sp3d/>
-    <dgm:txPr/>
-    <dgm:style>
-      <a:lnRef idx="1">
-        <a:scrgbClr r="0" g="0" b="0"/>
-      </a:lnRef>
-      <a:fillRef idx="1">
-        <a:scrgbClr r="0" g="0" b="0"/>
-      </a:fillRef>
-      <a:effectRef idx="0">
-        <a:scrgbClr r="0" g="0" b="0"/>
-      </a:effectRef>
-      <a:fontRef idx="minor"/>
-    </dgm:style>
-  </dgm:styleLbl>
-  <dgm:styleLbl name="bgAcc1">
-    <dgm:scene3d>
-      <a:camera prst="orthographicFront"/>
-      <a:lightRig rig="threePt" dir="t"/>
-    </dgm:scene3d>
-    <dgm:sp3d/>
-    <dgm:txPr/>
-    <dgm:style>
-      <a:lnRef idx="1">
-        <a:scrgbClr r="0" g="0" b="0"/>
-      </a:lnRef>
-      <a:fillRef idx="1">
-        <a:scrgbClr r="0" g="0" b="0"/>
-      </a:fillRef>
-      <a:effectRef idx="0">
-        <a:scrgbClr r="0" g="0" b="0"/>
-      </a:effectRef>
-      <a:fontRef idx="minor"/>
-    </dgm:style>
-  </dgm:styleLbl>
-  <dgm:styleLbl name="solidFgAcc1">
-    <dgm:scene3d>
-      <a:camera prst="orthographicFront"/>
-      <a:lightRig rig="threePt" dir="t"/>
-    </dgm:scene3d>
-    <dgm:sp3d/>
-    <dgm:txPr/>
-    <dgm:style>
-      <a:lnRef idx="1">
-        <a:scrgbClr r="0" g="0" b="0"/>
-      </a:lnRef>
-      <a:fillRef idx="2">
-        <a:scrgbClr r="0" g="0" b="0"/>
-      </a:fillRef>
-      <a:effectRef idx="0">
-        <a:scrgbClr r="0" g="0" b="0"/>
-      </a:effectRef>
-      <a:fontRef idx="minor"/>
-    </dgm:style>
-  </dgm:styleLbl>
-  <dgm:styleLbl name="solidAlignAcc1">
-    <dgm:scene3d>
-      <a:camera prst="orthographicFront"/>
-      <a:lightRig rig="threePt" dir="t"/>
-    </dgm:scene3d>
-    <dgm:sp3d/>
-    <dgm:txPr/>
-    <dgm:style>
-      <a:lnRef idx="1">
-        <a:scrgbClr r="0" g="0" b="0"/>
-      </a:lnRef>
-      <a:fillRef idx="1">
-        <a:scrgbClr r="0" g="0" b="0"/>
-      </a:fillRef>
-      <a:effectRef idx="0">
-        <a:scrgbClr r="0" g="0" b="0"/>
-      </a:effectRef>
-      <a:fontRef idx="minor"/>
-    </dgm:style>
-  </dgm:styleLbl>
-  <dgm:styleLbl name="solidBgAcc1">
-    <dgm:scene3d>
-      <a:camera prst="orthographicFront"/>
-      <a:lightRig rig="threePt" dir="t"/>
-    </dgm:scene3d>
-    <dgm:sp3d/>
-    <dgm:txPr/>
-    <dgm:style>
-      <a:lnRef idx="1">
-        <a:scrgbClr r="0" g="0" b="0"/>
-      </a:lnRef>
-      <a:fillRef idx="1">
-        <a:scrgbClr r="0" g="0" b="0"/>
-      </a:fillRef>
-      <a:effectRef idx="0">
-        <a:scrgbClr r="0" g="0" b="0"/>
-      </a:effectRef>
-      <a:fontRef idx="minor"/>
-    </dgm:style>
-  </dgm:styleLbl>
-  <dgm:styleLbl name="fgAccFollowNode1">
-    <dgm:scene3d>
-      <a:camera prst="orthographicFront"/>
-      <a:lightRig rig="threePt" dir="t"/>
-    </dgm:scene3d>
-    <dgm:sp3d/>
-    <dgm:txPr/>
-    <dgm:style>
-      <a:lnRef idx="1">
-        <a:scrgbClr r="0" g="0" b="0"/>
-      </a:lnRef>
-      <a:fillRef idx="1">
-        <a:scrgbClr r="0" g="0" b="0"/>
-      </a:fillRef>
-      <a:effectRef idx="0">
-        <a:scrgbClr r="0" g="0" b="0"/>
-      </a:effectRef>
-      <a:fontRef idx="minor"/>
-    </dgm:style>
-  </dgm:styleLbl>
-  <dgm:styleLbl name="alignAccFollowNode1">
-    <dgm:scene3d>
-      <a:camera prst="orthographicFront"/>
-      <a:lightRig rig="threePt" dir="t"/>
-    </dgm:scene3d>
-    <dgm:sp3d/>
-    <dgm:txPr/>
-    <dgm:style>
-      <a:lnRef idx="1">
-        <a:scrgbClr r="0" g="0" b="0"/>
-      </a:lnRef>
-      <a:fillRef idx="1">
-        <a:scrgbClr r="0" g="0" b="0"/>
-      </a:fillRef>
-      <a:effectRef idx="0">
-        <a:scrgbClr r="0" g="0" b="0"/>
-      </a:effectRef>
-      <a:fontRef idx="minor"/>
-    </dgm:style>
-  </dgm:styleLbl>
-  <dgm:styleLbl name="bgAccFollowNode1">
-    <dgm:scene3d>
-      <a:camera prst="orthographicFront"/>
-      <a:lightRig rig="threePt" dir="t"/>
-    </dgm:scene3d>
-    <dgm:sp3d/>
-    <dgm:txPr/>
-    <dgm:style>
-      <a:lnRef idx="1">
-        <a:scrgbClr r="0" g="0" b="0"/>
-      </a:lnRef>
-      <a:fillRef idx="1">
-        <a:scrgbClr r="0" g="0" b="0"/>
-      </a:fillRef>
-      <a:effectRef idx="0">
-        <a:scrgbClr r="0" g="0" b="0"/>
-      </a:effectRef>
-      <a:fontRef idx="minor"/>
-    </dgm:style>
-  </dgm:styleLbl>
-  <dgm:styleLbl name="fgAcc0">
-    <dgm:scene3d>
-      <a:camera prst="orthographicFront"/>
-      <a:lightRig rig="threePt" dir="t"/>
-    </dgm:scene3d>
-    <dgm:sp3d/>
-    <dgm:txPr/>
-    <dgm:style>
-      <a:lnRef idx="1">
-        <a:scrgbClr r="0" g="0" b="0"/>
-      </a:lnRef>
-      <a:fillRef idx="1">
-        <a:scrgbClr r="0" g="0" b="0"/>
-      </a:fillRef>
-      <a:effectRef idx="0">
-        <a:scrgbClr r="0" g="0" b="0"/>
-      </a:effectRef>
-      <a:fontRef idx="minor"/>
-    </dgm:style>
-  </dgm:styleLbl>
-  <dgm:styleLbl name="fgAcc2">
-    <dgm:scene3d>
-      <a:camera prst="orthographicFront"/>
-      <a:lightRig rig="threePt" dir="t"/>
-    </dgm:scene3d>
-    <dgm:sp3d/>
-    <dgm:txPr/>
-    <dgm:style>
-      <a:lnRef idx="1">
-        <a:scrgbClr r="0" g="0" b="0"/>
-      </a:lnRef>
-      <a:fillRef idx="1">
-        <a:scrgbClr r="0" g="0" b="0"/>
-      </a:fillRef>
-      <a:effectRef idx="0">
-        <a:scrgbClr r="0" g="0" b="0"/>
-      </a:effectRef>
-      <a:fontRef idx="minor"/>
-    </dgm:style>
-  </dgm:styleLbl>
-  <dgm:styleLbl name="fgAcc3">
-    <dgm:scene3d>
-      <a:camera prst="orthographicFront"/>
-      <a:lightRig rig="threePt" dir="t"/>
-    </dgm:scene3d>
-    <dgm:sp3d/>
-    <dgm:txPr/>
-    <dgm:style>
-      <a:lnRef idx="1">
-        <a:scrgbClr r="0" g="0" b="0"/>
-      </a:lnRef>
-      <a:fillRef idx="1">
-        <a:scrgbClr r="0" g="0" b="0"/>
-      </a:fillRef>
-      <a:effectRef idx="0">
-        <a:scrgbClr r="0" g="0" b="0"/>
-      </a:effectRef>
-      <a:fontRef idx="minor"/>
-    </dgm:style>
-  </dgm:styleLbl>
-  <dgm:styleLbl name="fgAcc4">
-    <dgm:scene3d>
-      <a:camera prst="orthographicFront"/>
-      <a:lightRig rig="threePt" dir="t"/>
-    </dgm:scene3d>
-    <dgm:sp3d/>
-    <dgm:txPr/>
-    <dgm:style>
-      <a:lnRef idx="1">
-        <a:scrgbClr r="0" g="0" b="0"/>
-      </a:lnRef>
-      <a:fillRef idx="1">
-        <a:scrgbClr r="0" g="0" b="0"/>
-      </a:fillRef>
-      <a:effectRef idx="0">
-        <a:scrgbClr r="0" g="0" b="0"/>
-      </a:effectRef>
-      <a:fontRef idx="minor"/>
-    </dgm:style>
-  </dgm:styleLbl>
-  <dgm:styleLbl name="bgShp">
-    <dgm:scene3d>
-      <a:camera prst="orthographicFront"/>
-      <a:lightRig rig="threePt" dir="t"/>
-    </dgm:scene3d>
-    <dgm:sp3d/>
-    <dgm:txPr/>
-    <dgm:style>
-      <a:lnRef idx="0">
-        <a:scrgbClr r="0" g="0" b="0"/>
-      </a:lnRef>
-      <a:fillRef idx="1">
-        <a:scrgbClr r="0" g="0" b="0"/>
-      </a:fillRef>
-      <a:effectRef idx="1">
-        <a:scrgbClr r="0" g="0" b="0"/>
-      </a:effectRef>
-      <a:fontRef idx="minor"/>
-    </dgm:style>
-  </dgm:styleLbl>
-  <dgm:styleLbl name="dkBgShp">
-    <dgm:scene3d>
-      <a:camera prst="orthographicFront"/>
-      <a:lightRig rig="threePt" dir="t"/>
-    </dgm:scene3d>
-    <dgm:sp3d/>
-    <dgm:txPr/>
-    <dgm:style>
-      <a:lnRef idx="0">
-        <a:scrgbClr r="0" g="0" b="0"/>
-      </a:lnRef>
-      <a:fillRef idx="1">
-        <a:scrgbClr r="0" g="0" b="0"/>
-      </a:fillRef>
-      <a:effectRef idx="1">
-        <a:scrgbClr r="0" g="0" b="0"/>
-      </a:effectRef>
-      <a:fontRef idx="minor"/>
-    </dgm:style>
-  </dgm:styleLbl>
-  <dgm:styleLbl name="trBgShp">
-    <dgm:scene3d>
-      <a:camera prst="orthographicFront"/>
-      <a:lightRig rig="threePt" dir="t"/>
-    </dgm:scene3d>
-    <dgm:sp3d/>
-    <dgm:txPr/>
-    <dgm:style>
-      <a:lnRef idx="0">
-        <a:scrgbClr r="0" g="0" b="0"/>
-      </a:lnRef>
-      <a:fillRef idx="1">
-        <a:scrgbClr r="0" g="0" b="0"/>
-      </a:fillRef>
-      <a:effectRef idx="0">
-        <a:scrgbClr r="0" g="0" b="0"/>
-      </a:effectRef>
-      <a:fontRef idx="minor"/>
-    </dgm:style>
-  </dgm:styleLbl>
-  <dgm:styleLbl name="fgShp">
-    <dgm:scene3d>
-      <a:camera prst="orthographicFront"/>
-      <a:lightRig rig="flat" dir="t"/>
-    </dgm:scene3d>
-    <dgm:sp3d prstMaterial="dkEdge">
-      <a:bevelT w="8200" h="38100"/>
-    </dgm:sp3d>
-    <dgm:txPr/>
-    <dgm:style>
-      <a:lnRef idx="1">
-        <a:scrgbClr r="0" g="0" b="0"/>
-      </a:lnRef>
-      <a:fillRef idx="2">
-        <a:scrgbClr r="0" g="0" b="0"/>
-      </a:fillRef>
-      <a:effectRef idx="1">
-        <a:scrgbClr r="0" g="0" b="0"/>
-      </a:effectRef>
-      <a:fontRef idx="minor"/>
-    </dgm:style>
-  </dgm:styleLbl>
-  <dgm:styleLbl name="revTx">
-    <dgm:scene3d>
-      <a:camera prst="orthographicFront"/>
-      <a:lightRig rig="threePt" dir="t"/>
-    </dgm:scene3d>
-    <dgm:sp3d/>
-    <dgm:txPr/>
-    <dgm:style>
-      <a:lnRef idx="0">
-        <a:scrgbClr r="0" g="0" b="0"/>
-      </a:lnRef>
-      <a:fillRef idx="0">
-        <a:scrgbClr r="0" g="0" b="0"/>
-      </a:fillRef>
-      <a:effectRef idx="0">
-        <a:scrgbClr r="0" g="0" b="0"/>
-      </a:effectRef>
-      <a:fontRef idx="minor"/>
-    </dgm:style>
-  </dgm:styleLbl>
-</dgm:styleDef>
 </file>
 
 <file path=ppt/handoutMasters/handoutMaster1.xml><?xml version="1.0" encoding="utf-8"?>
@@ -5704,7 +1047,7 @@
           <a:p>
             <a:fld id="{20EA5F0D-C1DC-412F-A146-DDB3A74B588F}" type="datetimeFigureOut">
               <a:rPr lang="en-US"/>
-              <a:t>4/22/2017</a:t>
+              <a:t>4/23/2017</a:t>
             </a:fld>
             <a:endParaRPr/>
           </a:p>
@@ -5869,7 +1212,7 @@
           <a:p>
             <a:fld id="{A8CDE508-72C8-4AB5-AA9C-1584D31690E0}" type="datetimeFigureOut">
               <a:rPr lang="en-US"/>
-              <a:t>4/22/2017</a:t>
+              <a:t>4/23/2017</a:t>
             </a:fld>
             <a:endParaRPr/>
           </a:p>
@@ -6987,7 +2330,7 @@
           <a:p>
             <a:fld id="{9E583DDF-CA54-461A-A486-592D2374C532}" type="datetimeFigureOut">
               <a:rPr lang="en-US"/>
-              <a:t>4/22/2017</a:t>
+              <a:t>4/23/2017</a:t>
             </a:fld>
             <a:endParaRPr/>
           </a:p>
@@ -7186,7 +2529,7 @@
           <a:p>
             <a:fld id="{9E583DDF-CA54-461A-A486-592D2374C532}" type="datetimeFigureOut">
               <a:rPr lang="en-US"/>
-              <a:t>4/22/2017</a:t>
+              <a:t>4/23/2017</a:t>
             </a:fld>
             <a:endParaRPr/>
           </a:p>
@@ -7375,7 +2718,7 @@
           <a:p>
             <a:fld id="{9E583DDF-CA54-461A-A486-592D2374C532}" type="datetimeFigureOut">
               <a:rPr lang="en-US"/>
-              <a:t>4/22/2017</a:t>
+              <a:t>4/23/2017</a:t>
             </a:fld>
             <a:endParaRPr/>
           </a:p>
@@ -7822,7 +3165,7 @@
           <a:p>
             <a:fld id="{9E583DDF-CA54-461A-A486-592D2374C532}" type="datetimeFigureOut">
               <a:rPr lang="en-US"/>
-              <a:t>4/22/2017</a:t>
+              <a:t>4/23/2017</a:t>
             </a:fld>
             <a:endParaRPr/>
           </a:p>
@@ -8293,7 +3636,7 @@
           <a:p>
             <a:fld id="{0A879FD0-C37A-4F50-8F3B-5FA0D9D0B42F}" type="datetimeFigureOut">
               <a:rPr lang="en-US"/>
-              <a:t>4/22/2017</a:t>
+              <a:t>4/23/2017</a:t>
             </a:fld>
             <a:endParaRPr/>
           </a:p>
@@ -8744,7 +4087,7 @@
           <a:p>
             <a:fld id="{9E583DDF-CA54-461A-A486-592D2374C532}" type="datetimeFigureOut">
               <a:rPr lang="en-US"/>
-              <a:t>4/22/2017</a:t>
+              <a:t>4/23/2017</a:t>
             </a:fld>
             <a:endParaRPr/>
           </a:p>
@@ -8881,7 +4224,7 @@
           <a:p>
             <a:fld id="{9E583DDF-CA54-461A-A486-592D2374C532}" type="datetimeFigureOut">
               <a:rPr lang="en-US"/>
-              <a:t>4/22/2017</a:t>
+              <a:t>4/23/2017</a:t>
             </a:fld>
             <a:endParaRPr/>
           </a:p>
@@ -9106,7 +4449,7 @@
           <a:p>
             <a:fld id="{9E583DDF-CA54-461A-A486-592D2374C532}" type="datetimeFigureOut">
               <a:rPr lang="en-US"/>
-              <a:t>4/22/2017</a:t>
+              <a:t>4/23/2017</a:t>
             </a:fld>
             <a:endParaRPr/>
           </a:p>
@@ -9633,7 +4976,7 @@
           <a:p>
             <a:fld id="{9E583DDF-CA54-461A-A486-592D2374C532}" type="datetimeFigureOut">
               <a:rPr lang="en-US"/>
-              <a:t>4/22/2017</a:t>
+              <a:t>4/23/2017</a:t>
             </a:fld>
             <a:endParaRPr/>
           </a:p>
@@ -10039,7 +5382,7 @@
           <a:p>
             <a:fld id="{9E583DDF-CA54-461A-A486-592D2374C532}" type="datetimeFigureOut">
               <a:rPr lang="en-US"/>
-              <a:t>4/22/2017</a:t>
+              <a:t>4/23/2017</a:t>
             </a:fld>
             <a:endParaRPr/>
           </a:p>
@@ -10888,7 +6231,7 @@
             <a:fld id="{9E583DDF-CA54-461A-A486-592D2374C532}" type="datetimeFigureOut">
               <a:rPr lang="en-US"/>
               <a:pPr/>
-              <a:t>4/22/2017</a:t>
+              <a:t>4/23/2017</a:t>
             </a:fld>
             <a:endParaRPr/>
           </a:p>
@@ -11578,50 +6921,12 @@
       </p:grpSpPr>
       <p:sp>
         <p:nvSpPr>
-          <p:cNvPr id="5" name="Title 4"/>
+          <p:cNvPr id="2" name="Content Placeholder 1"/>
           <p:cNvSpPr>
             <a:spLocks noGrp="1"/>
           </p:cNvSpPr>
           <p:nvPr>
-            <p:ph type="title"/>
-          </p:nvPr>
-        </p:nvSpPr>
-        <p:spPr/>
-        <p:txBody>
-          <a:bodyPr/>
-          <a:lstStyle/>
-          <a:p>
-            <a:endParaRPr lang="en-US"/>
-          </a:p>
-        </p:txBody>
-      </p:sp>
-      <p:sp>
-        <p:nvSpPr>
-          <p:cNvPr id="6" name="Content Placeholder 5"/>
-          <p:cNvSpPr>
-            <a:spLocks noGrp="1"/>
-          </p:cNvSpPr>
-          <p:nvPr>
             <p:ph idx="1"/>
-          </p:nvPr>
-        </p:nvSpPr>
-        <p:spPr/>
-        <p:txBody>
-          <a:bodyPr/>
-          <a:lstStyle/>
-          <a:p>
-            <a:endParaRPr lang="en-US"/>
-          </a:p>
-        </p:txBody>
-      </p:sp>
-      <p:sp>
-        <p:nvSpPr>
-          <p:cNvPr id="7" name="Text Placeholder 6"/>
-          <p:cNvSpPr>
-            <a:spLocks noGrp="1"/>
-          </p:cNvSpPr>
-          <p:nvPr>
-            <p:ph type="body" sz="half" idx="2"/>
           </p:nvPr>
         </p:nvSpPr>
         <p:spPr/>
@@ -11636,7 +6941,7 @@
     </p:spTree>
     <p:extLst>
       <p:ext uri="{BB962C8B-B14F-4D97-AF65-F5344CB8AC3E}">
-        <p14:creationId xmlns:p14="http://schemas.microsoft.com/office/powerpoint/2010/main" val="858669419"/>
+        <p14:creationId xmlns:p14="http://schemas.microsoft.com/office/powerpoint/2010/main" val="912503624"/>
       </p:ext>
     </p:extLst>
   </p:cSld>
@@ -11684,6 +6989,448 @@
       </p:grpSpPr>
       <p:sp>
         <p:nvSpPr>
+          <p:cNvPr id="2" name="Title 1"/>
+          <p:cNvSpPr>
+            <a:spLocks noGrp="1"/>
+          </p:cNvSpPr>
+          <p:nvPr>
+            <p:ph type="title"/>
+          </p:nvPr>
+        </p:nvSpPr>
+        <p:spPr/>
+        <p:txBody>
+          <a:bodyPr/>
+          <a:lstStyle/>
+          <a:p>
+            <a:r>
+              <a:rPr lang="en-US" dirty="0"/>
+              <a:t>Notre </a:t>
+            </a:r>
+            <a:r>
+              <a:rPr lang="en-US" dirty="0" err="1"/>
+              <a:t>produit</a:t>
+            </a:r>
+            <a:endParaRPr lang="en-US" dirty="0"/>
+          </a:p>
+        </p:txBody>
+      </p:sp>
+      <p:sp>
+        <p:nvSpPr>
+          <p:cNvPr id="3" name="Content Placeholder 2"/>
+          <p:cNvSpPr>
+            <a:spLocks noGrp="1"/>
+          </p:cNvSpPr>
+          <p:nvPr>
+            <p:ph idx="1"/>
+          </p:nvPr>
+        </p:nvSpPr>
+        <p:spPr/>
+        <p:txBody>
+          <a:bodyPr/>
+          <a:lstStyle/>
+          <a:p>
+            <a:endParaRPr lang="en-US"/>
+          </a:p>
+        </p:txBody>
+      </p:sp>
+    </p:spTree>
+    <p:extLst>
+      <p:ext uri="{BB962C8B-B14F-4D97-AF65-F5344CB8AC3E}">
+        <p14:creationId xmlns:p14="http://schemas.microsoft.com/office/powerpoint/2010/main" val="2972261794"/>
+      </p:ext>
+    </p:extLst>
+  </p:cSld>
+  <p:clrMapOvr>
+    <a:masterClrMapping/>
+  </p:clrMapOvr>
+  <mc:AlternateContent xmlns:mc="http://schemas.openxmlformats.org/markup-compatibility/2006" xmlns:p14="http://schemas.microsoft.com/office/powerpoint/2010/main">
+    <mc:Choice Requires="p14">
+      <p:transition spd="med" p14:dur="700">
+        <p:fade/>
+      </p:transition>
+    </mc:Choice>
+    <mc:Fallback xmlns="">
+      <p:transition spd="med">
+        <p:fade/>
+      </p:transition>
+    </mc:Fallback>
+  </mc:AlternateContent>
+  <p:timing>
+    <p:tnLst>
+      <p:par>
+        <p:cTn id="1" dur="indefinite" restart="never" nodeType="tmRoot"/>
+      </p:par>
+    </p:tnLst>
+  </p:timing>
+</p:sld>
+</file>
+
+<file path=ppt/slides/slide12.xml><?xml version="1.0" encoding="utf-8"?>
+<p:sld xmlns:a="http://schemas.openxmlformats.org/drawingml/2006/main" xmlns:r="http://schemas.openxmlformats.org/officeDocument/2006/relationships" xmlns:p="http://schemas.openxmlformats.org/presentationml/2006/main">
+  <p:cSld>
+    <p:spTree>
+      <p:nvGrpSpPr>
+        <p:cNvPr id="1" name=""/>
+        <p:cNvGrpSpPr/>
+        <p:nvPr/>
+      </p:nvGrpSpPr>
+      <p:grpSpPr>
+        <a:xfrm>
+          <a:off x="0" y="0"/>
+          <a:ext cx="0" cy="0"/>
+          <a:chOff x="0" y="0"/>
+          <a:chExt cx="0" cy="0"/>
+        </a:xfrm>
+      </p:grpSpPr>
+      <p:sp>
+        <p:nvSpPr>
+          <p:cNvPr id="2" name="Title 1"/>
+          <p:cNvSpPr>
+            <a:spLocks noGrp="1"/>
+          </p:cNvSpPr>
+          <p:nvPr>
+            <p:ph type="title"/>
+          </p:nvPr>
+        </p:nvSpPr>
+        <p:spPr/>
+        <p:txBody>
+          <a:bodyPr/>
+          <a:lstStyle/>
+          <a:p>
+            <a:r>
+              <a:rPr lang="en-US" dirty="0"/>
+              <a:t>Notre </a:t>
+            </a:r>
+            <a:r>
+              <a:rPr lang="en-US" dirty="0" err="1"/>
+              <a:t>produit</a:t>
+            </a:r>
+            <a:endParaRPr lang="en-US" dirty="0"/>
+          </a:p>
+        </p:txBody>
+      </p:sp>
+      <p:sp>
+        <p:nvSpPr>
+          <p:cNvPr id="3" name="Content Placeholder 2"/>
+          <p:cNvSpPr>
+            <a:spLocks noGrp="1"/>
+          </p:cNvSpPr>
+          <p:nvPr>
+            <p:ph idx="1"/>
+          </p:nvPr>
+        </p:nvSpPr>
+        <p:spPr/>
+        <p:txBody>
+          <a:bodyPr/>
+          <a:lstStyle/>
+          <a:p>
+            <a:endParaRPr lang="en-US"/>
+          </a:p>
+        </p:txBody>
+      </p:sp>
+    </p:spTree>
+    <p:extLst>
+      <p:ext uri="{BB962C8B-B14F-4D97-AF65-F5344CB8AC3E}">
+        <p14:creationId xmlns:p14="http://schemas.microsoft.com/office/powerpoint/2010/main" val="2215322541"/>
+      </p:ext>
+    </p:extLst>
+  </p:cSld>
+  <p:clrMapOvr>
+    <a:masterClrMapping/>
+  </p:clrMapOvr>
+  <mc:AlternateContent xmlns:mc="http://schemas.openxmlformats.org/markup-compatibility/2006" xmlns:p14="http://schemas.microsoft.com/office/powerpoint/2010/main">
+    <mc:Choice Requires="p14">
+      <p:transition spd="med" p14:dur="700">
+        <p:fade/>
+      </p:transition>
+    </mc:Choice>
+    <mc:Fallback xmlns="">
+      <p:transition spd="med">
+        <p:fade/>
+      </p:transition>
+    </mc:Fallback>
+  </mc:AlternateContent>
+  <p:timing>
+    <p:tnLst>
+      <p:par>
+        <p:cTn id="1" dur="indefinite" restart="never" nodeType="tmRoot"/>
+      </p:par>
+    </p:tnLst>
+  </p:timing>
+</p:sld>
+</file>
+
+<file path=ppt/slides/slide13.xml><?xml version="1.0" encoding="utf-8"?>
+<p:sld xmlns:a="http://schemas.openxmlformats.org/drawingml/2006/main" xmlns:r="http://schemas.openxmlformats.org/officeDocument/2006/relationships" xmlns:p="http://schemas.openxmlformats.org/presentationml/2006/main">
+  <p:cSld>
+    <p:spTree>
+      <p:nvGrpSpPr>
+        <p:cNvPr id="1" name=""/>
+        <p:cNvGrpSpPr/>
+        <p:nvPr/>
+      </p:nvGrpSpPr>
+      <p:grpSpPr>
+        <a:xfrm>
+          <a:off x="0" y="0"/>
+          <a:ext cx="0" cy="0"/>
+          <a:chOff x="0" y="0"/>
+          <a:chExt cx="0" cy="0"/>
+        </a:xfrm>
+      </p:grpSpPr>
+      <p:sp>
+        <p:nvSpPr>
+          <p:cNvPr id="2" name="Content Placeholder 1"/>
+          <p:cNvSpPr>
+            <a:spLocks noGrp="1"/>
+          </p:cNvSpPr>
+          <p:nvPr>
+            <p:ph idx="1"/>
+          </p:nvPr>
+        </p:nvSpPr>
+        <p:spPr/>
+        <p:txBody>
+          <a:bodyPr/>
+          <a:lstStyle/>
+          <a:p>
+            <a:endParaRPr lang="en-US"/>
+          </a:p>
+        </p:txBody>
+      </p:sp>
+    </p:spTree>
+    <p:extLst>
+      <p:ext uri="{BB962C8B-B14F-4D97-AF65-F5344CB8AC3E}">
+        <p14:creationId xmlns:p14="http://schemas.microsoft.com/office/powerpoint/2010/main" val="3431120172"/>
+      </p:ext>
+    </p:extLst>
+  </p:cSld>
+  <p:clrMapOvr>
+    <a:masterClrMapping/>
+  </p:clrMapOvr>
+  <mc:AlternateContent xmlns:mc="http://schemas.openxmlformats.org/markup-compatibility/2006" xmlns:p14="http://schemas.microsoft.com/office/powerpoint/2010/main">
+    <mc:Choice Requires="p14">
+      <p:transition spd="med" p14:dur="700">
+        <p:fade/>
+      </p:transition>
+    </mc:Choice>
+    <mc:Fallback xmlns="">
+      <p:transition spd="med">
+        <p:fade/>
+      </p:transition>
+    </mc:Fallback>
+  </mc:AlternateContent>
+  <p:timing>
+    <p:tnLst>
+      <p:par>
+        <p:cTn id="1" dur="indefinite" restart="never" nodeType="tmRoot"/>
+      </p:par>
+    </p:tnLst>
+  </p:timing>
+</p:sld>
+</file>
+
+<file path=ppt/slides/slide14.xml><?xml version="1.0" encoding="utf-8"?>
+<p:sld xmlns:a="http://schemas.openxmlformats.org/drawingml/2006/main" xmlns:r="http://schemas.openxmlformats.org/officeDocument/2006/relationships" xmlns:p="http://schemas.openxmlformats.org/presentationml/2006/main">
+  <p:cSld>
+    <p:spTree>
+      <p:nvGrpSpPr>
+        <p:cNvPr id="1" name=""/>
+        <p:cNvGrpSpPr/>
+        <p:nvPr/>
+      </p:nvGrpSpPr>
+      <p:grpSpPr>
+        <a:xfrm>
+          <a:off x="0" y="0"/>
+          <a:ext cx="0" cy="0"/>
+          <a:chOff x="0" y="0"/>
+          <a:chExt cx="0" cy="0"/>
+        </a:xfrm>
+      </p:grpSpPr>
+      <p:pic>
+        <p:nvPicPr>
+          <p:cNvPr id="4" name="Content Placeholder 3"/>
+          <p:cNvPicPr>
+            <a:picLocks noGrp="1" noChangeAspect="1"/>
+          </p:cNvPicPr>
+          <p:nvPr>
+            <p:ph idx="1"/>
+          </p:nvPr>
+        </p:nvPicPr>
+        <p:blipFill>
+          <a:blip r:embed="rId2">
+            <a:extLst>
+              <a:ext uri="{28A0092B-C50C-407E-A947-70E740481C1C}">
+                <a14:useLocalDpi xmlns:a14="http://schemas.microsoft.com/office/drawing/2010/main" val="0"/>
+              </a:ext>
+            </a:extLst>
+          </a:blip>
+          <a:stretch>
+            <a:fillRect/>
+          </a:stretch>
+        </p:blipFill>
+        <p:spPr>
+          <a:xfrm>
+            <a:off x="1390917" y="150615"/>
+            <a:ext cx="9311426" cy="6398519"/>
+          </a:xfrm>
+        </p:spPr>
+      </p:pic>
+    </p:spTree>
+    <p:extLst>
+      <p:ext uri="{BB962C8B-B14F-4D97-AF65-F5344CB8AC3E}">
+        <p14:creationId xmlns:p14="http://schemas.microsoft.com/office/powerpoint/2010/main" val="1801688517"/>
+      </p:ext>
+    </p:extLst>
+  </p:cSld>
+  <p:clrMapOvr>
+    <a:masterClrMapping/>
+  </p:clrMapOvr>
+  <mc:AlternateContent xmlns:mc="http://schemas.openxmlformats.org/markup-compatibility/2006" xmlns:p14="http://schemas.microsoft.com/office/powerpoint/2010/main">
+    <mc:Choice Requires="p14">
+      <p:transition spd="med" p14:dur="700">
+        <p:fade/>
+      </p:transition>
+    </mc:Choice>
+    <mc:Fallback xmlns="">
+      <p:transition spd="med">
+        <p:fade/>
+      </p:transition>
+    </mc:Fallback>
+  </mc:AlternateContent>
+  <p:timing>
+    <p:tnLst>
+      <p:par>
+        <p:cTn id="1" dur="indefinite" restart="never" nodeType="tmRoot"/>
+      </p:par>
+    </p:tnLst>
+  </p:timing>
+</p:sld>
+</file>
+
+<file path=ppt/slides/slide15.xml><?xml version="1.0" encoding="utf-8"?>
+<p:sld xmlns:a="http://schemas.openxmlformats.org/drawingml/2006/main" xmlns:r="http://schemas.openxmlformats.org/officeDocument/2006/relationships" xmlns:p="http://schemas.openxmlformats.org/presentationml/2006/main">
+  <p:cSld>
+    <p:spTree>
+      <p:nvGrpSpPr>
+        <p:cNvPr id="1" name=""/>
+        <p:cNvGrpSpPr/>
+        <p:nvPr/>
+      </p:nvGrpSpPr>
+      <p:grpSpPr>
+        <a:xfrm>
+          <a:off x="0" y="0"/>
+          <a:ext cx="0" cy="0"/>
+          <a:chOff x="0" y="0"/>
+          <a:chExt cx="0" cy="0"/>
+        </a:xfrm>
+      </p:grpSpPr>
+      <p:sp>
+        <p:nvSpPr>
+          <p:cNvPr id="5" name="Title 4"/>
+          <p:cNvSpPr>
+            <a:spLocks noGrp="1"/>
+          </p:cNvSpPr>
+          <p:nvPr>
+            <p:ph type="title"/>
+          </p:nvPr>
+        </p:nvSpPr>
+        <p:spPr/>
+        <p:txBody>
+          <a:bodyPr/>
+          <a:lstStyle/>
+          <a:p>
+            <a:endParaRPr lang="en-US"/>
+          </a:p>
+        </p:txBody>
+      </p:sp>
+      <p:sp>
+        <p:nvSpPr>
+          <p:cNvPr id="6" name="Content Placeholder 5"/>
+          <p:cNvSpPr>
+            <a:spLocks noGrp="1"/>
+          </p:cNvSpPr>
+          <p:nvPr>
+            <p:ph idx="1"/>
+          </p:nvPr>
+        </p:nvSpPr>
+        <p:spPr/>
+        <p:txBody>
+          <a:bodyPr/>
+          <a:lstStyle/>
+          <a:p>
+            <a:endParaRPr lang="en-US"/>
+          </a:p>
+        </p:txBody>
+      </p:sp>
+      <p:sp>
+        <p:nvSpPr>
+          <p:cNvPr id="7" name="Text Placeholder 6"/>
+          <p:cNvSpPr>
+            <a:spLocks noGrp="1"/>
+          </p:cNvSpPr>
+          <p:nvPr>
+            <p:ph type="body" sz="half" idx="2"/>
+          </p:nvPr>
+        </p:nvSpPr>
+        <p:spPr/>
+        <p:txBody>
+          <a:bodyPr/>
+          <a:lstStyle/>
+          <a:p>
+            <a:endParaRPr lang="en-US"/>
+          </a:p>
+        </p:txBody>
+      </p:sp>
+    </p:spTree>
+    <p:extLst>
+      <p:ext uri="{BB962C8B-B14F-4D97-AF65-F5344CB8AC3E}">
+        <p14:creationId xmlns:p14="http://schemas.microsoft.com/office/powerpoint/2010/main" val="858669419"/>
+      </p:ext>
+    </p:extLst>
+  </p:cSld>
+  <p:clrMapOvr>
+    <a:masterClrMapping/>
+  </p:clrMapOvr>
+  <mc:AlternateContent xmlns:mc="http://schemas.openxmlformats.org/markup-compatibility/2006" xmlns:p14="http://schemas.microsoft.com/office/powerpoint/2010/main">
+    <mc:Choice Requires="p14">
+      <p:transition spd="med" p14:dur="700">
+        <p:fade/>
+      </p:transition>
+    </mc:Choice>
+    <mc:Fallback xmlns="">
+      <p:transition spd="med">
+        <p:fade/>
+      </p:transition>
+    </mc:Fallback>
+  </mc:AlternateContent>
+  <p:timing>
+    <p:tnLst>
+      <p:par>
+        <p:cTn id="1" dur="indefinite" restart="never" nodeType="tmRoot"/>
+      </p:par>
+    </p:tnLst>
+  </p:timing>
+</p:sld>
+</file>
+
+<file path=ppt/slides/slide16.xml><?xml version="1.0" encoding="utf-8"?>
+<p:sld xmlns:a="http://schemas.openxmlformats.org/drawingml/2006/main" xmlns:r="http://schemas.openxmlformats.org/officeDocument/2006/relationships" xmlns:p="http://schemas.openxmlformats.org/presentationml/2006/main">
+  <p:cSld>
+    <p:spTree>
+      <p:nvGrpSpPr>
+        <p:cNvPr id="1" name=""/>
+        <p:cNvGrpSpPr/>
+        <p:nvPr/>
+      </p:nvGrpSpPr>
+      <p:grpSpPr>
+        <a:xfrm>
+          <a:off x="0" y="0"/>
+          <a:ext cx="0" cy="0"/>
+          <a:chOff x="0" y="0"/>
+          <a:chExt cx="0" cy="0"/>
+        </a:xfrm>
+      </p:grpSpPr>
+      <p:sp>
+        <p:nvSpPr>
           <p:cNvPr id="3" name="Title 2"/>
           <p:cNvSpPr>
             <a:spLocks noGrp="1"/>
@@ -11692,50 +7439,29 @@
             <p:ph type="title"/>
           </p:nvPr>
         </p:nvSpPr>
-        <p:spPr/>
+        <p:spPr>
+          <a:xfrm>
+            <a:off x="1144371" y="0"/>
+            <a:ext cx="9509760" cy="1088136"/>
+          </a:xfrm>
+        </p:spPr>
         <p:txBody>
           <a:bodyPr/>
           <a:lstStyle/>
           <a:p>
-            <a:endParaRPr lang="en-US"/>
-          </a:p>
-        </p:txBody>
-      </p:sp>
-      <p:sp>
-        <p:nvSpPr>
-          <p:cNvPr id="7" name="Text Placeholder 6"/>
-          <p:cNvSpPr>
-            <a:spLocks noGrp="1"/>
-          </p:cNvSpPr>
-          <p:nvPr>
-            <p:ph type="body" sz="half" idx="2"/>
-          </p:nvPr>
-        </p:nvSpPr>
-        <p:spPr/>
-        <p:txBody>
-          <a:bodyPr/>
-          <a:lstStyle/>
-          <a:p>
-            <a:endParaRPr lang="en-US"/>
-          </a:p>
-        </p:txBody>
-      </p:sp>
-      <p:sp>
-        <p:nvSpPr>
-          <p:cNvPr id="4" name="Picture Placeholder 3"/>
-          <p:cNvSpPr>
-            <a:spLocks noGrp="1"/>
-          </p:cNvSpPr>
-          <p:nvPr>
-            <p:ph type="pic" idx="1"/>
-          </p:nvPr>
-        </p:nvSpPr>
-        <p:spPr/>
+            <a:pPr algn="ctr"/>
+            <a:r>
+              <a:rPr lang="en-US" dirty="0" smtClean="0"/>
+              <a:t>DEMO !!!!!!</a:t>
+            </a:r>
+            <a:endParaRPr lang="en-US" dirty="0"/>
+          </a:p>
+        </p:txBody>
       </p:sp>
     </p:spTree>
     <p:extLst>
       <p:ext uri="{BB962C8B-B14F-4D97-AF65-F5344CB8AC3E}">
-        <p14:creationId xmlns:p14="http://schemas.microsoft.com/office/powerpoint/2010/main" val="158548089"/>
+        <p14:creationId xmlns:p14="http://schemas.microsoft.com/office/powerpoint/2010/main" val="4064813429"/>
       </p:ext>
     </p:extLst>
   </p:cSld>
@@ -11783,7 +7509,7 @@
       </p:grpSpPr>
       <p:sp>
         <p:nvSpPr>
-          <p:cNvPr id="13" name="Title 12"/>
+          <p:cNvPr id="13" name="Title 12" title="SmartArt"/>
           <p:cNvSpPr>
             <a:spLocks noGrp="1"/>
           </p:cNvSpPr>
@@ -11796,62 +7522,52 @@
           <a:bodyPr/>
           <a:lstStyle/>
           <a:p>
-            <a:r>
-              <a:rPr lang="fr-HT" dirty="0" smtClean="0"/>
-              <a:t>Pourquoi s’</a:t>
-            </a:r>
-            <a:r>
-              <a:rPr lang="fr-HT" dirty="0" err="1" smtClean="0"/>
-              <a:t>interreser</a:t>
-            </a:r>
-            <a:r>
-              <a:rPr lang="fr-HT" dirty="0" smtClean="0"/>
-              <a:t> </a:t>
-            </a:r>
+            <a:pPr algn="ctr"/>
             <a:r>
               <a:rPr lang="en-US" dirty="0" smtClean="0"/>
-              <a:t>a un planning familial?</a:t>
+              <a:t>Population total </a:t>
+            </a:r>
+            <a:r>
+              <a:rPr lang="en-US" dirty="0" err="1" smtClean="0"/>
+              <a:t>en</a:t>
+            </a:r>
+            <a:r>
+              <a:rPr lang="en-US" dirty="0" smtClean="0"/>
+              <a:t> Haiti</a:t>
             </a:r>
             <a:endParaRPr lang="en-US" dirty="0"/>
           </a:p>
         </p:txBody>
       </p:sp>
-      <p:pic>
-        <p:nvPicPr>
-          <p:cNvPr id="4" name="Content Placeholder 3"/>
-          <p:cNvPicPr>
-            <a:picLocks noGrp="1" noChangeAspect="1"/>
-          </p:cNvPicPr>
+      <p:graphicFrame>
+        <p:nvGraphicFramePr>
+          <p:cNvPr id="16" name="Content Placeholder 15"/>
+          <p:cNvGraphicFramePr>
+            <a:graphicFrameLocks noGrp="1"/>
+          </p:cNvGraphicFramePr>
           <p:nvPr>
             <p:ph idx="1"/>
-          </p:nvPr>
-        </p:nvPicPr>
-        <p:blipFill>
-          <a:blip r:embed="rId2">
-            <a:extLst>
-              <a:ext uri="{28A0092B-C50C-407E-A947-70E740481C1C}">
-                <a14:useLocalDpi xmlns:a14="http://schemas.microsoft.com/office/drawing/2010/main" val="0"/>
-              </a:ext>
-            </a:extLst>
-          </a:blip>
-          <a:stretch>
-            <a:fillRect/>
-          </a:stretch>
-        </p:blipFill>
-        <p:spPr>
-          <a:xfrm>
-            <a:off x="2125014" y="1737620"/>
-            <a:ext cx="7431109" cy="4715108"/>
-          </a:xfrm>
-          <a:prstGeom prst="rect">
-            <a:avLst/>
-          </a:prstGeom>
-        </p:spPr>
-      </p:pic>
+            <p:extLst>
+              <p:ext uri="{D42A27DB-BD31-4B8C-83A1-F6EECF244321}">
+                <p14:modId xmlns:p14="http://schemas.microsoft.com/office/powerpoint/2010/main" val="2719895956"/>
+              </p:ext>
+            </p:extLst>
+          </p:nvPr>
+        </p:nvGraphicFramePr>
+        <p:xfrm>
+          <a:off x="1341438" y="1673225"/>
+          <a:ext cx="9509125" cy="4343400"/>
+        </p:xfrm>
+        <a:graphic>
+          <a:graphicData uri="http://schemas.openxmlformats.org/drawingml/2006/chart">
+            <c:chart xmlns:c="http://schemas.openxmlformats.org/drawingml/2006/chart" xmlns:r="http://schemas.openxmlformats.org/officeDocument/2006/relationships" r:id="rId2"/>
+          </a:graphicData>
+        </a:graphic>
+      </p:graphicFrame>
     </p:spTree>
     <p:extLst>
       <p:ext uri="{BB962C8B-B14F-4D97-AF65-F5344CB8AC3E}">
-        <p14:creationId xmlns:p14="http://schemas.microsoft.com/office/powerpoint/2010/main" val="2771859900"/>
+        <p14:creationId xmlns:p14="http://schemas.microsoft.com/office/powerpoint/2010/main" val="1345761272"/>
       </p:ext>
     </p:extLst>
   </p:cSld>
@@ -11899,7 +7615,7 @@
       </p:grpSpPr>
       <p:sp>
         <p:nvSpPr>
-          <p:cNvPr id="7" name="Title 6"/>
+          <p:cNvPr id="2" name="Title 1"/>
           <p:cNvSpPr>
             <a:spLocks noGrp="1"/>
           </p:cNvSpPr>
@@ -11909,7 +7625,7 @@
         </p:nvSpPr>
         <p:spPr>
           <a:xfrm>
-            <a:off x="889360" y="104061"/>
+            <a:off x="1263847" y="91182"/>
             <a:ext cx="9509760" cy="1088136"/>
           </a:xfrm>
         </p:spPr>
@@ -11919,100 +7635,193 @@
           <a:p>
             <a:pPr algn="ctr"/>
             <a:r>
-              <a:rPr lang="en-US" dirty="0">
-                <a:ln w="0"/>
-                <a:solidFill>
-                  <a:schemeClr val="tx1"/>
-                </a:solidFill>
-                <a:effectLst>
-                  <a:outerShdw blurRad="38100" dist="19050" dir="2700000" algn="tl" rotWithShape="0">
-                    <a:schemeClr val="dk1">
-                      <a:alpha val="40000"/>
-                    </a:schemeClr>
-                  </a:outerShdw>
-                </a:effectLst>
-                <a:latin typeface="Arial Black" panose="020B0A04020102020204" pitchFamily="34" charset="0"/>
-              </a:rPr>
-              <a:t>Chwa PaN’</a:t>
-            </a:r>
-            <a:endParaRPr lang="en-US" dirty="0">
-              <a:latin typeface="Arial Black" panose="020B0A04020102020204" pitchFamily="34" charset="0"/>
-            </a:endParaRPr>
-          </a:p>
-        </p:txBody>
-      </p:sp>
-      <p:sp>
-        <p:nvSpPr>
-          <p:cNvPr id="8" name="Text Placeholder 7"/>
+              <a:rPr lang="en-US" dirty="0" err="1" smtClean="0"/>
+              <a:t>Problematique</a:t>
+            </a:r>
+            <a:endParaRPr lang="en-US" dirty="0"/>
+          </a:p>
+        </p:txBody>
+      </p:sp>
+      <p:sp>
+        <p:nvSpPr>
+          <p:cNvPr id="3" name="Content Placeholder 2"/>
           <p:cNvSpPr>
             <a:spLocks noGrp="1"/>
           </p:cNvSpPr>
           <p:nvPr>
-            <p:ph type="body" idx="1"/>
+            <p:ph idx="1"/>
           </p:nvPr>
         </p:nvSpPr>
         <p:spPr>
           <a:xfrm>
-            <a:off x="413841" y="1600200"/>
-            <a:ext cx="4572000" cy="758952"/>
+            <a:off x="7289441" y="1673352"/>
+            <a:ext cx="4462959" cy="4343400"/>
           </a:xfrm>
         </p:spPr>
         <p:txBody>
           <a:bodyPr/>
           <a:lstStyle/>
           <a:p>
-            <a:pPr algn="ctr"/>
-            <a:r>
-              <a:rPr lang="en-US" dirty="0" smtClean="0"/>
-              <a:t>Site web</a:t>
-            </a:r>
-            <a:endParaRPr lang="en-US" dirty="0"/>
-          </a:p>
-        </p:txBody>
-      </p:sp>
-      <p:sp>
-        <p:nvSpPr>
-          <p:cNvPr id="10" name="Text Placeholder 9"/>
-          <p:cNvSpPr>
-            <a:spLocks noGrp="1"/>
-          </p:cNvSpPr>
-          <p:nvPr>
-            <p:ph type="body" sz="quarter" idx="3"/>
-          </p:nvPr>
-        </p:nvSpPr>
-        <p:spPr/>
-        <p:txBody>
-          <a:bodyPr/>
-          <a:lstStyle/>
-          <a:p>
-            <a:pPr algn="ctr"/>
-            <a:r>
-              <a:rPr lang="en-US" dirty="0" smtClean="0"/>
-              <a:t>App mobile</a:t>
-            </a:r>
-            <a:endParaRPr lang="en-US" dirty="0"/>
-          </a:p>
-        </p:txBody>
-      </p:sp>
-      <p:sp>
-        <p:nvSpPr>
-          <p:cNvPr id="11" name="Content Placeholder 10"/>
-          <p:cNvSpPr>
-            <a:spLocks noGrp="1"/>
-          </p:cNvSpPr>
-          <p:nvPr>
-            <p:ph sz="quarter" idx="4"/>
-          </p:nvPr>
-        </p:nvSpPr>
-        <p:spPr>
-          <a:xfrm>
-            <a:off x="6278879" y="2163651"/>
-            <a:ext cx="5350743" cy="4299207"/>
-          </a:xfrm>
-        </p:spPr>
-        <p:txBody>
-          <a:bodyPr/>
-          <a:lstStyle/>
+            <a:pPr>
+              <a:buFont typeface="Wingdings" pitchFamily="2" charset="2"/>
+              <a:buChar char="v"/>
+            </a:pPr>
+            <a:endParaRPr lang="en-US" sz="2400" b="1" dirty="0">
+              <a:solidFill>
+                <a:srgbClr val="554117"/>
+              </a:solidFill>
+              <a:latin typeface="Comic Sans MS" pitchFamily="66" charset="0"/>
+            </a:endParaRPr>
+          </a:p>
+          <a:p>
+            <a:pPr>
+              <a:buFont typeface="Wingdings" pitchFamily="2" charset="2"/>
+              <a:buChar char="v"/>
+            </a:pPr>
+            <a:r>
+              <a:rPr lang="en-US" sz="2400" b="1" dirty="0" err="1">
+                <a:solidFill>
+                  <a:srgbClr val="554117"/>
+                </a:solidFill>
+                <a:latin typeface="Comic Sans MS" pitchFamily="66" charset="0"/>
+              </a:rPr>
+              <a:t>Manque</a:t>
+            </a:r>
+            <a:r>
+              <a:rPr lang="en-US" sz="2400" b="1" dirty="0">
+                <a:solidFill>
+                  <a:srgbClr val="554117"/>
+                </a:solidFill>
+                <a:latin typeface="Comic Sans MS" pitchFamily="66" charset="0"/>
+              </a:rPr>
+              <a:t> de </a:t>
+            </a:r>
+            <a:r>
+              <a:rPr lang="en-US" sz="2400" b="1" dirty="0" smtClean="0">
+                <a:solidFill>
+                  <a:srgbClr val="554117"/>
+                </a:solidFill>
+                <a:latin typeface="Comic Sans MS" pitchFamily="66" charset="0"/>
+              </a:rPr>
+              <a:t>formation</a:t>
+            </a:r>
+          </a:p>
+          <a:p>
+            <a:pPr>
+              <a:buFont typeface="Wingdings" pitchFamily="2" charset="2"/>
+              <a:buChar char="v"/>
+            </a:pPr>
+            <a:r>
+              <a:rPr lang="en-US" sz="2400" b="1" dirty="0">
+                <a:solidFill>
+                  <a:srgbClr val="554117"/>
+                </a:solidFill>
+                <a:latin typeface="Comic Sans MS" pitchFamily="66" charset="0"/>
+              </a:rPr>
+              <a:t> </a:t>
+            </a:r>
+            <a:r>
+              <a:rPr lang="en-US" sz="2400" b="1" dirty="0" err="1" smtClean="0">
+                <a:solidFill>
+                  <a:srgbClr val="554117"/>
+                </a:solidFill>
+                <a:latin typeface="Comic Sans MS" pitchFamily="66" charset="0"/>
+              </a:rPr>
+              <a:t>certaines</a:t>
+            </a:r>
+            <a:r>
+              <a:rPr lang="en-US" sz="2400" b="1" dirty="0" smtClean="0">
+                <a:solidFill>
+                  <a:srgbClr val="554117"/>
+                </a:solidFill>
+                <a:latin typeface="Comic Sans MS" pitchFamily="66" charset="0"/>
+              </a:rPr>
+              <a:t> </a:t>
+            </a:r>
+            <a:r>
+              <a:rPr lang="en-US" sz="2400" b="1" dirty="0" err="1" smtClean="0">
+                <a:solidFill>
+                  <a:srgbClr val="554117"/>
+                </a:solidFill>
+                <a:latin typeface="Comic Sans MS" pitchFamily="66" charset="0"/>
+              </a:rPr>
+              <a:t>famille</a:t>
+            </a:r>
+            <a:r>
+              <a:rPr lang="en-US" sz="2400" b="1" dirty="0" smtClean="0">
+                <a:solidFill>
+                  <a:srgbClr val="554117"/>
+                </a:solidFill>
+                <a:latin typeface="Comic Sans MS" pitchFamily="66" charset="0"/>
+              </a:rPr>
+              <a:t> ne </a:t>
+            </a:r>
+            <a:r>
+              <a:rPr lang="en-US" sz="2400" b="1" dirty="0" err="1" smtClean="0">
+                <a:solidFill>
+                  <a:srgbClr val="554117"/>
+                </a:solidFill>
+                <a:latin typeface="Comic Sans MS" pitchFamily="66" charset="0"/>
+              </a:rPr>
+              <a:t>peuvent</a:t>
+            </a:r>
+            <a:r>
+              <a:rPr lang="en-US" sz="2400" b="1" dirty="0" smtClean="0">
+                <a:solidFill>
+                  <a:srgbClr val="554117"/>
+                </a:solidFill>
+                <a:latin typeface="Comic Sans MS" pitchFamily="66" charset="0"/>
+              </a:rPr>
+              <a:t> pas </a:t>
+            </a:r>
+            <a:r>
+              <a:rPr lang="en-US" sz="2400" b="1" dirty="0" err="1" smtClean="0">
+                <a:solidFill>
+                  <a:srgbClr val="554117"/>
+                </a:solidFill>
+                <a:latin typeface="Comic Sans MS" pitchFamily="66" charset="0"/>
+              </a:rPr>
+              <a:t>avoir</a:t>
+            </a:r>
+            <a:r>
+              <a:rPr lang="en-US" sz="2400" b="1" dirty="0" smtClean="0">
+                <a:solidFill>
+                  <a:srgbClr val="554117"/>
+                </a:solidFill>
+                <a:latin typeface="Comic Sans MS" pitchFamily="66" charset="0"/>
+              </a:rPr>
+              <a:t> d’enfant</a:t>
+            </a:r>
+            <a:endParaRPr lang="en-US" sz="2400" b="1" dirty="0">
+              <a:solidFill>
+                <a:srgbClr val="554117"/>
+              </a:solidFill>
+              <a:latin typeface="Comic Sans MS" pitchFamily="66" charset="0"/>
+            </a:endParaRPr>
+          </a:p>
+          <a:p>
+            <a:endParaRPr lang="en-US" b="1" dirty="0">
+              <a:solidFill>
+                <a:srgbClr val="554117"/>
+              </a:solidFill>
+              <a:latin typeface="Comic Sans MS" pitchFamily="66" charset="0"/>
+            </a:endParaRPr>
+          </a:p>
+          <a:p>
+            <a:endParaRPr lang="en-US" b="1" dirty="0">
+              <a:solidFill>
+                <a:srgbClr val="554117"/>
+              </a:solidFill>
+              <a:latin typeface="Comic Sans MS" pitchFamily="66" charset="0"/>
+            </a:endParaRPr>
+          </a:p>
+          <a:p>
+            <a:endParaRPr lang="en-US" b="1" dirty="0">
+              <a:solidFill>
+                <a:srgbClr val="554117"/>
+              </a:solidFill>
+            </a:endParaRPr>
+          </a:p>
           <a:p>
             <a:endParaRPr lang="en-US" dirty="0"/>
           </a:p>
@@ -12020,13 +7829,11 @@
       </p:sp>
       <p:pic>
         <p:nvPicPr>
-          <p:cNvPr id="2" name="Content Placeholder 1"/>
+          <p:cNvPr id="4" name="Content Placeholder 3"/>
           <p:cNvPicPr>
-            <a:picLocks noGrp="1" noChangeAspect="1"/>
+            <a:picLocks noChangeAspect="1"/>
           </p:cNvPicPr>
-          <p:nvPr>
-            <p:ph sz="half" idx="2"/>
-          </p:nvPr>
+          <p:nvPr/>
         </p:nvPicPr>
         <p:blipFill>
           <a:blip r:embed="rId2">
@@ -12042,15 +7849,18 @@
         </p:blipFill>
         <p:spPr>
           <a:xfrm>
-            <a:off x="219519" y="2163651"/>
-            <a:ext cx="5424721" cy="4299207"/>
+            <a:off x="211344" y="1599493"/>
+            <a:ext cx="7181311" cy="4556608"/>
           </a:xfrm>
+          <a:prstGeom prst="rect">
+            <a:avLst/>
+          </a:prstGeom>
         </p:spPr>
       </p:pic>
     </p:spTree>
     <p:extLst>
       <p:ext uri="{BB962C8B-B14F-4D97-AF65-F5344CB8AC3E}">
-        <p14:creationId xmlns:p14="http://schemas.microsoft.com/office/powerpoint/2010/main" val="1341470884"/>
+        <p14:creationId xmlns:p14="http://schemas.microsoft.com/office/powerpoint/2010/main" val="117556169"/>
       </p:ext>
     </p:extLst>
   </p:cSld>
@@ -12098,7 +7908,7 @@
       </p:grpSpPr>
       <p:sp>
         <p:nvSpPr>
-          <p:cNvPr id="4" name="Title 3"/>
+          <p:cNvPr id="2" name="Title 1"/>
           <p:cNvSpPr>
             <a:spLocks noGrp="1"/>
           </p:cNvSpPr>
@@ -12106,26 +7916,41 @@
             <p:ph type="title"/>
           </p:nvPr>
         </p:nvSpPr>
-        <p:spPr/>
+        <p:spPr>
+          <a:xfrm>
+            <a:off x="1238089" y="129819"/>
+            <a:ext cx="9509760" cy="1088136"/>
+          </a:xfrm>
+        </p:spPr>
         <p:txBody>
           <a:bodyPr/>
           <a:lstStyle/>
           <a:p>
+            <a:pPr algn="ctr"/>
+            <a:r>
+              <a:rPr lang="en-US" dirty="0" smtClean="0"/>
+              <a:t>Solution</a:t>
+            </a:r>
             <a:endParaRPr lang="en-US" dirty="0"/>
           </a:p>
         </p:txBody>
       </p:sp>
       <p:sp>
         <p:nvSpPr>
-          <p:cNvPr id="5" name="Text Placeholder 4"/>
+          <p:cNvPr id="3" name="Content Placeholder 2"/>
           <p:cNvSpPr>
             <a:spLocks noGrp="1"/>
           </p:cNvSpPr>
           <p:nvPr>
-            <p:ph type="body" idx="1"/>
-          </p:nvPr>
-        </p:nvSpPr>
-        <p:spPr/>
+            <p:ph idx="1"/>
+          </p:nvPr>
+        </p:nvSpPr>
+        <p:spPr>
+          <a:xfrm>
+            <a:off x="7366714" y="2033834"/>
+            <a:ext cx="4488717" cy="4343400"/>
+          </a:xfrm>
+        </p:spPr>
         <p:txBody>
           <a:bodyPr/>
           <a:lstStyle/>
@@ -12134,10 +7959,40 @@
           </a:p>
         </p:txBody>
       </p:sp>
+      <p:pic>
+        <p:nvPicPr>
+          <p:cNvPr id="4" name="Content Placeholder 5"/>
+          <p:cNvPicPr>
+            <a:picLocks noChangeAspect="1"/>
+          </p:cNvPicPr>
+          <p:nvPr/>
+        </p:nvPicPr>
+        <p:blipFill>
+          <a:blip r:embed="rId2">
+            <a:extLst>
+              <a:ext uri="{28A0092B-C50C-407E-A947-70E740481C1C}">
+                <a14:useLocalDpi xmlns:a14="http://schemas.microsoft.com/office/drawing/2010/main" val="0"/>
+              </a:ext>
+            </a:extLst>
+          </a:blip>
+          <a:stretch>
+            <a:fillRect/>
+          </a:stretch>
+        </p:blipFill>
+        <p:spPr>
+          <a:xfrm>
+            <a:off x="212596" y="2033834"/>
+            <a:ext cx="6149566" cy="4343400"/>
+          </a:xfrm>
+          <a:prstGeom prst="rect">
+            <a:avLst/>
+          </a:prstGeom>
+        </p:spPr>
+      </p:pic>
     </p:spTree>
     <p:extLst>
       <p:ext uri="{BB962C8B-B14F-4D97-AF65-F5344CB8AC3E}">
-        <p14:creationId xmlns:p14="http://schemas.microsoft.com/office/powerpoint/2010/main" val="1401137450"/>
+        <p14:creationId xmlns:p14="http://schemas.microsoft.com/office/powerpoint/2010/main" val="4128385843"/>
       </p:ext>
     </p:extLst>
   </p:cSld>
@@ -12527,7 +8382,7 @@
         </p:blipFill>
         <p:spPr>
           <a:xfrm>
-            <a:off x="72874" y="3451538"/>
+            <a:off x="227420" y="3496613"/>
             <a:ext cx="2634293" cy="2634293"/>
           </a:xfrm>
           <a:prstGeom prst="ellipse">
@@ -12664,7 +8519,7 @@
       </p:grpSpPr>
       <p:sp>
         <p:nvSpPr>
-          <p:cNvPr id="2" name="Title 1"/>
+          <p:cNvPr id="7" name="Title 6"/>
           <p:cNvSpPr>
             <a:spLocks noGrp="1"/>
           </p:cNvSpPr>
@@ -12672,48 +8527,150 @@
             <p:ph type="title"/>
           </p:nvPr>
         </p:nvSpPr>
-        <p:spPr/>
+        <p:spPr>
+          <a:xfrm>
+            <a:off x="889360" y="104061"/>
+            <a:ext cx="9509760" cy="1088136"/>
+          </a:xfrm>
+        </p:spPr>
         <p:txBody>
           <a:bodyPr/>
           <a:lstStyle/>
           <a:p>
-            <a:r>
-              <a:rPr lang="en-US" smtClean="0"/>
-              <a:t>Title and Content Layout with Chart</a:t>
+            <a:pPr algn="ctr"/>
+            <a:r>
+              <a:rPr lang="en-US" dirty="0">
+                <a:ln w="0"/>
+                <a:solidFill>
+                  <a:schemeClr val="tx1"/>
+                </a:solidFill>
+                <a:effectLst>
+                  <a:outerShdw blurRad="38100" dist="19050" dir="2700000" algn="tl" rotWithShape="0">
+                    <a:schemeClr val="dk1">
+                      <a:alpha val="40000"/>
+                    </a:schemeClr>
+                  </a:outerShdw>
+                </a:effectLst>
+                <a:latin typeface="Arial Black" panose="020B0A04020102020204" pitchFamily="34" charset="0"/>
+              </a:rPr>
+              <a:t>Chwa PaN’</a:t>
+            </a:r>
+            <a:endParaRPr lang="en-US" dirty="0">
+              <a:latin typeface="Arial Black" panose="020B0A04020102020204" pitchFamily="34" charset="0"/>
+            </a:endParaRPr>
+          </a:p>
+        </p:txBody>
+      </p:sp>
+      <p:sp>
+        <p:nvSpPr>
+          <p:cNvPr id="8" name="Text Placeholder 7"/>
+          <p:cNvSpPr>
+            <a:spLocks noGrp="1"/>
+          </p:cNvSpPr>
+          <p:nvPr>
+            <p:ph type="body" idx="1"/>
+          </p:nvPr>
+        </p:nvSpPr>
+        <p:spPr>
+          <a:xfrm>
+            <a:off x="413841" y="1600200"/>
+            <a:ext cx="4572000" cy="758952"/>
+          </a:xfrm>
+        </p:spPr>
+        <p:txBody>
+          <a:bodyPr/>
+          <a:lstStyle/>
+          <a:p>
+            <a:pPr algn="ctr"/>
+            <a:r>
+              <a:rPr lang="en-US" dirty="0" smtClean="0"/>
+              <a:t>Site web</a:t>
             </a:r>
             <a:endParaRPr lang="en-US" dirty="0"/>
           </a:p>
         </p:txBody>
       </p:sp>
-      <p:graphicFrame>
-        <p:nvGraphicFramePr>
-          <p:cNvPr id="9" name="Content Placeholder 8" descr="Clustered Column chart" title="Chart"/>
-          <p:cNvGraphicFramePr>
-            <a:graphicFrameLocks noGrp="1"/>
-          </p:cNvGraphicFramePr>
-          <p:nvPr>
-            <p:ph idx="1"/>
-            <p:extLst>
-              <p:ext uri="{D42A27DB-BD31-4B8C-83A1-F6EECF244321}">
-                <p14:modId xmlns:p14="http://schemas.microsoft.com/office/powerpoint/2010/main" val="124716493"/>
-              </p:ext>
-            </p:extLst>
-          </p:nvPr>
-        </p:nvGraphicFramePr>
-        <p:xfrm>
-          <a:off x="1341438" y="1673225"/>
-          <a:ext cx="9509125" cy="4343400"/>
-        </p:xfrm>
-        <a:graphic>
-          <a:graphicData uri="http://schemas.openxmlformats.org/drawingml/2006/chart">
-            <c:chart xmlns:c="http://schemas.openxmlformats.org/drawingml/2006/chart" xmlns:r="http://schemas.openxmlformats.org/officeDocument/2006/relationships" r:id="rId2"/>
-          </a:graphicData>
-        </a:graphic>
-      </p:graphicFrame>
+      <p:sp>
+        <p:nvSpPr>
+          <p:cNvPr id="10" name="Text Placeholder 9"/>
+          <p:cNvSpPr>
+            <a:spLocks noGrp="1"/>
+          </p:cNvSpPr>
+          <p:nvPr>
+            <p:ph type="body" sz="quarter" idx="3"/>
+          </p:nvPr>
+        </p:nvSpPr>
+        <p:spPr/>
+        <p:txBody>
+          <a:bodyPr/>
+          <a:lstStyle/>
+          <a:p>
+            <a:pPr algn="ctr"/>
+            <a:r>
+              <a:rPr lang="en-US" dirty="0" smtClean="0"/>
+              <a:t>App mobile</a:t>
+            </a:r>
+            <a:endParaRPr lang="en-US" dirty="0"/>
+          </a:p>
+        </p:txBody>
+      </p:sp>
+      <p:sp>
+        <p:nvSpPr>
+          <p:cNvPr id="11" name="Content Placeholder 10"/>
+          <p:cNvSpPr>
+            <a:spLocks noGrp="1"/>
+          </p:cNvSpPr>
+          <p:nvPr>
+            <p:ph sz="quarter" idx="4"/>
+          </p:nvPr>
+        </p:nvSpPr>
+        <p:spPr>
+          <a:xfrm>
+            <a:off x="6278879" y="2163651"/>
+            <a:ext cx="5350743" cy="4299207"/>
+          </a:xfrm>
+        </p:spPr>
+        <p:txBody>
+          <a:bodyPr/>
+          <a:lstStyle/>
+          <a:p>
+            <a:endParaRPr lang="en-US" dirty="0"/>
+          </a:p>
+        </p:txBody>
+      </p:sp>
+      <p:pic>
+        <p:nvPicPr>
+          <p:cNvPr id="2" name="Content Placeholder 1"/>
+          <p:cNvPicPr>
+            <a:picLocks noGrp="1" noChangeAspect="1"/>
+          </p:cNvPicPr>
+          <p:nvPr>
+            <p:ph sz="half" idx="2"/>
+          </p:nvPr>
+        </p:nvPicPr>
+        <p:blipFill>
+          <a:blip r:embed="rId2">
+            <a:extLst>
+              <a:ext uri="{28A0092B-C50C-407E-A947-70E740481C1C}">
+                <a14:useLocalDpi xmlns:a14="http://schemas.microsoft.com/office/drawing/2010/main" val="0"/>
+              </a:ext>
+            </a:extLst>
+          </a:blip>
+          <a:stretch>
+            <a:fillRect/>
+          </a:stretch>
+        </p:blipFill>
+        <p:spPr>
+          <a:xfrm>
+            <a:off x="219519" y="2163651"/>
+            <a:ext cx="5424721" cy="4299207"/>
+          </a:xfrm>
+        </p:spPr>
+      </p:pic>
     </p:spTree>
     <p:extLst>
       <p:ext uri="{BB962C8B-B14F-4D97-AF65-F5344CB8AC3E}">
-        <p14:creationId xmlns:p14="http://schemas.microsoft.com/office/powerpoint/2010/main" val="756610583"/>
+        <p14:creationId xmlns:p14="http://schemas.microsoft.com/office/powerpoint/2010/main" val="1341470884"/>
       </p:ext>
     </p:extLst>
   </p:cSld>
@@ -12761,7 +8718,7 @@
       </p:grpSpPr>
       <p:sp>
         <p:nvSpPr>
-          <p:cNvPr id="13" name="Title 12" title="SmartArt"/>
+          <p:cNvPr id="2" name="Title 1"/>
           <p:cNvSpPr>
             <a:spLocks noGrp="1"/>
           </p:cNvSpPr>
@@ -12769,48 +8726,62 @@
             <p:ph type="title"/>
           </p:nvPr>
         </p:nvSpPr>
-        <p:spPr/>
+        <p:spPr>
+          <a:xfrm>
+            <a:off x="1242646" y="0"/>
+            <a:ext cx="9509760" cy="1088136"/>
+          </a:xfrm>
+        </p:spPr>
         <p:txBody>
           <a:bodyPr/>
           <a:lstStyle/>
           <a:p>
+            <a:pPr algn="ctr"/>
             <a:r>
               <a:rPr lang="en-US" dirty="0" smtClean="0"/>
-              <a:t>Title and Content Layout with SmartArt</a:t>
+              <a:t>Notre </a:t>
+            </a:r>
+            <a:r>
+              <a:rPr lang="en-US" dirty="0" err="1" smtClean="0"/>
+              <a:t>produit</a:t>
             </a:r>
             <a:endParaRPr lang="en-US" dirty="0"/>
           </a:p>
         </p:txBody>
       </p:sp>
-      <p:graphicFrame>
-        <p:nvGraphicFramePr>
-          <p:cNvPr id="6" name="Content Placeholder 5" descr="Upward Arrow" title="SmartArt"/>
-          <p:cNvGraphicFramePr>
-            <a:graphicFrameLocks noGrp="1"/>
-          </p:cNvGraphicFramePr>
+      <p:pic>
+        <p:nvPicPr>
+          <p:cNvPr id="4" name="Content Placeholder 3"/>
+          <p:cNvPicPr>
+            <a:picLocks noGrp="1" noChangeAspect="1"/>
+          </p:cNvPicPr>
           <p:nvPr>
             <p:ph idx="1"/>
-            <p:extLst>
-              <p:ext uri="{D42A27DB-BD31-4B8C-83A1-F6EECF244321}">
-                <p14:modId xmlns:p14="http://schemas.microsoft.com/office/powerpoint/2010/main" val="2395416630"/>
-              </p:ext>
-            </p:extLst>
-          </p:nvPr>
-        </p:nvGraphicFramePr>
-        <p:xfrm>
-          <a:off x="1341438" y="1673225"/>
-          <a:ext cx="9509125" cy="4343400"/>
-        </p:xfrm>
-        <a:graphic>
-          <a:graphicData uri="http://schemas.openxmlformats.org/drawingml/2006/diagram">
-            <dgm:relIds xmlns:dgm="http://schemas.openxmlformats.org/drawingml/2006/diagram" xmlns:r="http://schemas.openxmlformats.org/officeDocument/2006/relationships" r:dm="rId2" r:lo="rId3" r:qs="rId4" r:cs="rId5"/>
-          </a:graphicData>
-        </a:graphic>
-      </p:graphicFrame>
+          </p:nvPr>
+        </p:nvPicPr>
+        <p:blipFill>
+          <a:blip r:embed="rId2">
+            <a:extLst>
+              <a:ext uri="{28A0092B-C50C-407E-A947-70E740481C1C}">
+                <a14:useLocalDpi xmlns:a14="http://schemas.microsoft.com/office/drawing/2010/main" val="0"/>
+              </a:ext>
+            </a:extLst>
+          </a:blip>
+          <a:stretch>
+            <a:fillRect/>
+          </a:stretch>
+        </p:blipFill>
+        <p:spPr>
+          <a:xfrm>
+            <a:off x="1579155" y="1244141"/>
+            <a:ext cx="8836742" cy="5395809"/>
+          </a:xfrm>
+        </p:spPr>
+      </p:pic>
     </p:spTree>
     <p:extLst>
       <p:ext uri="{BB962C8B-B14F-4D97-AF65-F5344CB8AC3E}">
-        <p14:creationId xmlns:p14="http://schemas.microsoft.com/office/powerpoint/2010/main" val="1345761272"/>
+        <p14:creationId xmlns:p14="http://schemas.microsoft.com/office/powerpoint/2010/main" val="3264049350"/>
       </p:ext>
     </p:extLst>
   </p:cSld>
@@ -12858,7 +8829,7 @@
       </p:grpSpPr>
       <p:sp>
         <p:nvSpPr>
-          <p:cNvPr id="3" name="Title 2"/>
+          <p:cNvPr id="2" name="Title 1"/>
           <p:cNvSpPr>
             <a:spLocks noGrp="1"/>
           </p:cNvSpPr>
@@ -12866,19 +8837,61 @@
             <p:ph type="title"/>
           </p:nvPr>
         </p:nvSpPr>
-        <p:spPr/>
+        <p:spPr>
+          <a:xfrm>
+            <a:off x="1341120" y="101287"/>
+            <a:ext cx="9509760" cy="1088136"/>
+          </a:xfrm>
+        </p:spPr>
         <p:txBody>
           <a:bodyPr/>
           <a:lstStyle/>
           <a:p>
-            <a:endParaRPr lang="en-US"/>
-          </a:p>
-        </p:txBody>
-      </p:sp>
+            <a:r>
+              <a:rPr lang="en-US" dirty="0"/>
+              <a:t>Notre </a:t>
+            </a:r>
+            <a:r>
+              <a:rPr lang="en-US" dirty="0" err="1"/>
+              <a:t>produit</a:t>
+            </a:r>
+            <a:endParaRPr lang="en-US" dirty="0"/>
+          </a:p>
+        </p:txBody>
+      </p:sp>
+      <p:pic>
+        <p:nvPicPr>
+          <p:cNvPr id="4" name="Content Placeholder 3"/>
+          <p:cNvPicPr>
+            <a:picLocks noGrp="1" noChangeAspect="1"/>
+          </p:cNvPicPr>
+          <p:nvPr>
+            <p:ph idx="1"/>
+          </p:nvPr>
+        </p:nvPicPr>
+        <p:blipFill>
+          <a:blip r:embed="rId2">
+            <a:extLst>
+              <a:ext uri="{28A0092B-C50C-407E-A947-70E740481C1C}">
+                <a14:useLocalDpi xmlns:a14="http://schemas.microsoft.com/office/drawing/2010/main" val="0"/>
+              </a:ext>
+            </a:extLst>
+          </a:blip>
+          <a:stretch>
+            <a:fillRect/>
+          </a:stretch>
+        </p:blipFill>
+        <p:spPr>
+          <a:xfrm>
+            <a:off x="1589649" y="1189423"/>
+            <a:ext cx="8344657" cy="5370986"/>
+          </a:xfrm>
+        </p:spPr>
+      </p:pic>
     </p:spTree>
     <p:extLst>
       <p:ext uri="{BB962C8B-B14F-4D97-AF65-F5344CB8AC3E}">
-        <p14:creationId xmlns:p14="http://schemas.microsoft.com/office/powerpoint/2010/main" val="4064813429"/>
+        <p14:creationId xmlns:p14="http://schemas.microsoft.com/office/powerpoint/2010/main" val="2009996174"/>
       </p:ext>
     </p:extLst>
   </p:cSld>
@@ -12924,10 +8937,71 @@
           <a:chExt cx="0" cy="0"/>
         </a:xfrm>
       </p:grpSpPr>
+      <p:sp>
+        <p:nvSpPr>
+          <p:cNvPr id="2" name="Title 1"/>
+          <p:cNvSpPr>
+            <a:spLocks noGrp="1"/>
+          </p:cNvSpPr>
+          <p:nvPr>
+            <p:ph type="title"/>
+          </p:nvPr>
+        </p:nvSpPr>
+        <p:spPr>
+          <a:xfrm>
+            <a:off x="1341120" y="0"/>
+            <a:ext cx="9509760" cy="1088136"/>
+          </a:xfrm>
+        </p:spPr>
+        <p:txBody>
+          <a:bodyPr/>
+          <a:lstStyle/>
+          <a:p>
+            <a:r>
+              <a:rPr lang="en-US" dirty="0"/>
+              <a:t>Notre </a:t>
+            </a:r>
+            <a:r>
+              <a:rPr lang="en-US" dirty="0" err="1"/>
+              <a:t>produit</a:t>
+            </a:r>
+            <a:endParaRPr lang="en-US" dirty="0"/>
+          </a:p>
+        </p:txBody>
+      </p:sp>
+      <p:pic>
+        <p:nvPicPr>
+          <p:cNvPr id="4" name="Content Placeholder 3"/>
+          <p:cNvPicPr>
+            <a:picLocks noGrp="1" noChangeAspect="1"/>
+          </p:cNvPicPr>
+          <p:nvPr>
+            <p:ph idx="1"/>
+          </p:nvPr>
+        </p:nvPicPr>
+        <p:blipFill>
+          <a:blip r:embed="rId2">
+            <a:extLst>
+              <a:ext uri="{28A0092B-C50C-407E-A947-70E740481C1C}">
+                <a14:useLocalDpi xmlns:a14="http://schemas.microsoft.com/office/drawing/2010/main" val="0"/>
+              </a:ext>
+            </a:extLst>
+          </a:blip>
+          <a:stretch>
+            <a:fillRect/>
+          </a:stretch>
+        </p:blipFill>
+        <p:spPr>
+          <a:xfrm>
+            <a:off x="1505243" y="1088136"/>
+            <a:ext cx="8396924" cy="5550053"/>
+          </a:xfrm>
+        </p:spPr>
+      </p:pic>
     </p:spTree>
     <p:extLst>
       <p:ext uri="{BB962C8B-B14F-4D97-AF65-F5344CB8AC3E}">
-        <p14:creationId xmlns:p14="http://schemas.microsoft.com/office/powerpoint/2010/main" val="1891427728"/>
+        <p14:creationId xmlns:p14="http://schemas.microsoft.com/office/powerpoint/2010/main" val="486119425"/>
       </p:ext>
     </p:extLst>
   </p:cSld>
